--- a/0207DrawAndMoving_Design2/DrawAndMoving_Design2.pptx
+++ b/0207DrawAndMoving_Design2/DrawAndMoving_Design2.pptx
@@ -3858,7 +3858,7 @@
         </p:nvSpPr>
         <p:spPr>
           <a:xfrm rot="10800000" flipV="1">
-            <a:off x="4477688" y="2252908"/>
+            <a:off x="3227368" y="2016299"/>
             <a:ext cx="1518718" cy="180924"/>
           </a:xfrm>
           <a:prstGeom prst="rect">
@@ -3911,8 +3911,8 @@
         </p:nvSpPr>
         <p:spPr>
           <a:xfrm rot="10800000" flipV="1">
-            <a:off x="4477686" y="2441828"/>
-            <a:ext cx="1518718" cy="1705682"/>
+            <a:off x="3227366" y="2197224"/>
+            <a:ext cx="1518718" cy="1950286"/>
           </a:xfrm>
           <a:prstGeom prst="rect">
             <a:avLst/>
@@ -3979,7 +3979,15 @@
                   <a:schemeClr val="tx1"/>
                 </a:solidFill>
               </a:rPr>
-              <a:t>    fSize = Int</a:t>
+              <a:t>    fSize = </a:t>
+            </a:r>
+            <a:r>
+              <a:rPr lang="en-US" altLang="ko-KR" sz="1200" smtClean="0">
+                <a:solidFill>
+                  <a:schemeClr val="tx1"/>
+                </a:solidFill>
+              </a:rPr>
+              <a:t>Int</a:t>
             </a:r>
           </a:p>
           <a:p>
@@ -3990,7 +3998,7 @@
                   <a:schemeClr val="tx1"/>
                 </a:solidFill>
               </a:rPr>
-              <a:t>    fTimer = TTimer</a:t>
+              <a:t>fColor = Int</a:t>
             </a:r>
           </a:p>
           <a:p>
@@ -4001,7 +4009,15 @@
                   <a:schemeClr val="tx1"/>
                 </a:solidFill>
               </a:rPr>
-              <a:t>fUp = Boolean</a:t>
+              <a:t>fTimer </a:t>
+            </a:r>
+            <a:r>
+              <a:rPr lang="en-US" altLang="ko-KR" sz="1200" smtClean="0">
+                <a:solidFill>
+                  <a:schemeClr val="tx1"/>
+                </a:solidFill>
+              </a:rPr>
+              <a:t>= TTimer</a:t>
             </a:r>
           </a:p>
           <a:p>
@@ -4012,7 +4028,7 @@
                   <a:schemeClr val="tx1"/>
                 </a:solidFill>
               </a:rPr>
-              <a:t>fLeft = Boolean</a:t>
+              <a:t>fUp = Boolean</a:t>
             </a:r>
           </a:p>
           <a:p>
@@ -4023,8 +4039,32 @@
                   <a:schemeClr val="tx1"/>
                 </a:solidFill>
               </a:rPr>
-              <a:t>fIndex = Int</a:t>
+              <a:t>fLeft = Boolean</a:t>
             </a:r>
+          </a:p>
+          <a:p>
+            <a:pPr algn="ctr"/>
+            <a:r>
+              <a:rPr lang="en-US" altLang="ko-KR" sz="1200" smtClean="0">
+                <a:solidFill>
+                  <a:schemeClr val="tx1"/>
+                </a:solidFill>
+              </a:rPr>
+              <a:t>fIndex = </a:t>
+            </a:r>
+            <a:r>
+              <a:rPr lang="en-US" altLang="ko-KR" sz="1200" smtClean="0">
+                <a:solidFill>
+                  <a:schemeClr val="tx1"/>
+                </a:solidFill>
+              </a:rPr>
+              <a:t>Int</a:t>
+            </a:r>
+            <a:endParaRPr lang="en-US" altLang="ko-KR" sz="1200" smtClean="0">
+              <a:solidFill>
+                <a:schemeClr val="tx1"/>
+              </a:solidFill>
+            </a:endParaRPr>
           </a:p>
         </p:txBody>
       </p:sp>
@@ -4036,7 +4076,7 @@
         </p:nvSpPr>
         <p:spPr>
           <a:xfrm rot="10800000" flipV="1">
-            <a:off x="4477688" y="4153993"/>
+            <a:off x="3227368" y="4153993"/>
             <a:ext cx="1518718" cy="821751"/>
           </a:xfrm>
           <a:prstGeom prst="rect">
@@ -4122,7 +4162,7 @@
         </p:nvSpPr>
         <p:spPr>
           <a:xfrm rot="10800000" flipV="1">
-            <a:off x="4477688" y="5420459"/>
+            <a:off x="3227368" y="5420459"/>
             <a:ext cx="1518718" cy="180924"/>
           </a:xfrm>
           <a:prstGeom prst="rect">
@@ -4175,7 +4215,7 @@
         </p:nvSpPr>
         <p:spPr>
           <a:xfrm rot="10800000" flipV="1">
-            <a:off x="4477685" y="5601382"/>
+            <a:off x="3227365" y="5601382"/>
             <a:ext cx="1518718" cy="301540"/>
           </a:xfrm>
           <a:prstGeom prst="rect">
@@ -4220,7 +4260,7 @@
         </p:nvSpPr>
         <p:spPr>
           <a:xfrm rot="10800000" flipV="1">
-            <a:off x="4477687" y="5902924"/>
+            <a:off x="3227367" y="5902924"/>
             <a:ext cx="1518718" cy="361846"/>
           </a:xfrm>
           <a:prstGeom prst="rect">
@@ -4273,7 +4313,7 @@
         </p:nvSpPr>
         <p:spPr>
           <a:xfrm rot="10800000" flipV="1">
-            <a:off x="6624839" y="5420459"/>
+            <a:off x="5374519" y="5420459"/>
             <a:ext cx="1518718" cy="180924"/>
           </a:xfrm>
           <a:prstGeom prst="rect">
@@ -4326,7 +4366,7 @@
         </p:nvSpPr>
         <p:spPr>
           <a:xfrm rot="10800000" flipV="1">
-            <a:off x="6624835" y="5601382"/>
+            <a:off x="5374515" y="5601382"/>
             <a:ext cx="1518718" cy="301540"/>
           </a:xfrm>
           <a:prstGeom prst="rect">
@@ -4371,7 +4411,7 @@
         </p:nvSpPr>
         <p:spPr>
           <a:xfrm rot="10800000" flipV="1">
-            <a:off x="6624838" y="5902924"/>
+            <a:off x="5374518" y="5902924"/>
             <a:ext cx="1518718" cy="361846"/>
           </a:xfrm>
           <a:prstGeom prst="rect">
@@ -4424,7 +4464,7 @@
         </p:nvSpPr>
         <p:spPr>
           <a:xfrm rot="10800000" flipV="1">
-            <a:off x="2330544" y="5420459"/>
+            <a:off x="1080224" y="5420459"/>
             <a:ext cx="1518718" cy="180924"/>
           </a:xfrm>
           <a:prstGeom prst="rect">
@@ -4477,7 +4517,7 @@
         </p:nvSpPr>
         <p:spPr>
           <a:xfrm rot="10800000" flipV="1">
-            <a:off x="2330540" y="5601382"/>
+            <a:off x="1080220" y="5601382"/>
             <a:ext cx="1518718" cy="301540"/>
           </a:xfrm>
           <a:prstGeom prst="rect">
@@ -4522,7 +4562,7 @@
         </p:nvSpPr>
         <p:spPr>
           <a:xfrm rot="10800000" flipV="1">
-            <a:off x="2330543" y="5902924"/>
+            <a:off x="1080223" y="5902924"/>
             <a:ext cx="1518718" cy="361846"/>
           </a:xfrm>
           <a:prstGeom prst="rect">
@@ -4578,7 +4618,7 @@
         </p:nvCxnSpPr>
         <p:spPr>
           <a:xfrm rot="16200000" flipV="1">
-            <a:off x="6088266" y="4124526"/>
+            <a:off x="4837946" y="4124526"/>
             <a:ext cx="444716" cy="2147151"/>
           </a:xfrm>
           <a:prstGeom prst="bentConnector3">
@@ -4616,7 +4656,7 @@
         </p:nvCxnSpPr>
         <p:spPr>
           <a:xfrm flipV="1">
-            <a:off x="5237047" y="4975743"/>
+            <a:off x="3986727" y="4975743"/>
             <a:ext cx="0" cy="444716"/>
           </a:xfrm>
           <a:prstGeom prst="straightConnector1">
@@ -4652,7 +4692,7 @@
         </p:nvCxnSpPr>
         <p:spPr>
           <a:xfrm rot="5400000" flipH="1" flipV="1">
-            <a:off x="3941118" y="4124530"/>
+            <a:off x="2690798" y="4124530"/>
             <a:ext cx="444716" cy="2147144"/>
           </a:xfrm>
           <a:prstGeom prst="bentConnector3">
@@ -4679,6 +4719,1308 @@
           </a:fontRef>
         </p:style>
       </p:cxnSp>
+      <p:grpSp>
+        <p:nvGrpSpPr>
+          <p:cNvPr id="18" name="그룹 184"/>
+          <p:cNvGrpSpPr/>
+          <p:nvPr/>
+        </p:nvGrpSpPr>
+        <p:grpSpPr>
+          <a:xfrm>
+            <a:off x="7920980" y="3064443"/>
+            <a:ext cx="5688735" cy="3848400"/>
+            <a:chOff x="4926744" y="1573086"/>
+            <a:chExt cx="3363885" cy="661692"/>
+          </a:xfrm>
+        </p:grpSpPr>
+        <p:sp>
+          <p:nvSpPr>
+            <p:cNvPr id="24" name="직사각형 23"/>
+            <p:cNvSpPr/>
+            <p:nvPr/>
+          </p:nvSpPr>
+          <p:spPr>
+            <a:xfrm rot="10800000" flipV="1">
+              <a:off x="4926744" y="1678678"/>
+              <a:ext cx="3363885" cy="556100"/>
+            </a:xfrm>
+            <a:prstGeom prst="rect">
+              <a:avLst/>
+            </a:prstGeom>
+            <a:noFill/>
+          </p:spPr>
+          <p:style>
+            <a:lnRef idx="2">
+              <a:schemeClr val="accent1">
+                <a:shade val="50000"/>
+              </a:schemeClr>
+            </a:lnRef>
+            <a:fillRef idx="1">
+              <a:schemeClr val="accent1"/>
+            </a:fillRef>
+            <a:effectRef idx="0">
+              <a:schemeClr val="accent1"/>
+            </a:effectRef>
+            <a:fontRef idx="minor">
+              <a:schemeClr val="lt1"/>
+            </a:fontRef>
+          </p:style>
+          <p:txBody>
+            <a:bodyPr lIns="0" tIns="0" rIns="0" bIns="0" rtlCol="0" anchor="ctr"/>
+            <a:lstStyle>
+              <a:defPPr>
+                <a:defRPr lang="ko-KR"/>
+              </a:defPPr>
+              <a:lvl1pPr marL="0" algn="l" defTabSz="914400" rtl="0" eaLnBrk="1" latinLnBrk="1" hangingPunct="1">
+                <a:defRPr sz="1800" kern="1200">
+                  <a:solidFill>
+                    <a:schemeClr val="lt1"/>
+                  </a:solidFill>
+                  <a:latin typeface="+mn-lt"/>
+                  <a:ea typeface="+mn-ea"/>
+                  <a:cs typeface="+mn-cs"/>
+                </a:defRPr>
+              </a:lvl1pPr>
+              <a:lvl2pPr marL="457200" algn="l" defTabSz="914400" rtl="0" eaLnBrk="1" latinLnBrk="1" hangingPunct="1">
+                <a:defRPr sz="1800" kern="1200">
+                  <a:solidFill>
+                    <a:schemeClr val="lt1"/>
+                  </a:solidFill>
+                  <a:latin typeface="+mn-lt"/>
+                  <a:ea typeface="+mn-ea"/>
+                  <a:cs typeface="+mn-cs"/>
+                </a:defRPr>
+              </a:lvl2pPr>
+              <a:lvl3pPr marL="914400" algn="l" defTabSz="914400" rtl="0" eaLnBrk="1" latinLnBrk="1" hangingPunct="1">
+                <a:defRPr sz="1800" kern="1200">
+                  <a:solidFill>
+                    <a:schemeClr val="lt1"/>
+                  </a:solidFill>
+                  <a:latin typeface="+mn-lt"/>
+                  <a:ea typeface="+mn-ea"/>
+                  <a:cs typeface="+mn-cs"/>
+                </a:defRPr>
+              </a:lvl3pPr>
+              <a:lvl4pPr marL="1371600" algn="l" defTabSz="914400" rtl="0" eaLnBrk="1" latinLnBrk="1" hangingPunct="1">
+                <a:defRPr sz="1800" kern="1200">
+                  <a:solidFill>
+                    <a:schemeClr val="lt1"/>
+                  </a:solidFill>
+                  <a:latin typeface="+mn-lt"/>
+                  <a:ea typeface="+mn-ea"/>
+                  <a:cs typeface="+mn-cs"/>
+                </a:defRPr>
+              </a:lvl4pPr>
+              <a:lvl5pPr marL="1828800" algn="l" defTabSz="914400" rtl="0" eaLnBrk="1" latinLnBrk="1" hangingPunct="1">
+                <a:defRPr sz="1800" kern="1200">
+                  <a:solidFill>
+                    <a:schemeClr val="lt1"/>
+                  </a:solidFill>
+                  <a:latin typeface="+mn-lt"/>
+                  <a:ea typeface="+mn-ea"/>
+                  <a:cs typeface="+mn-cs"/>
+                </a:defRPr>
+              </a:lvl5pPr>
+              <a:lvl6pPr marL="2286000" algn="l" defTabSz="914400" rtl="0" eaLnBrk="1" latinLnBrk="1" hangingPunct="1">
+                <a:defRPr sz="1800" kern="1200">
+                  <a:solidFill>
+                    <a:schemeClr val="lt1"/>
+                  </a:solidFill>
+                  <a:latin typeface="+mn-lt"/>
+                  <a:ea typeface="+mn-ea"/>
+                  <a:cs typeface="+mn-cs"/>
+                </a:defRPr>
+              </a:lvl6pPr>
+              <a:lvl7pPr marL="2743200" algn="l" defTabSz="914400" rtl="0" eaLnBrk="1" latinLnBrk="1" hangingPunct="1">
+                <a:defRPr sz="1800" kern="1200">
+                  <a:solidFill>
+                    <a:schemeClr val="lt1"/>
+                  </a:solidFill>
+                  <a:latin typeface="+mn-lt"/>
+                  <a:ea typeface="+mn-ea"/>
+                  <a:cs typeface="+mn-cs"/>
+                </a:defRPr>
+              </a:lvl7pPr>
+              <a:lvl8pPr marL="3200400" algn="l" defTabSz="914400" rtl="0" eaLnBrk="1" latinLnBrk="1" hangingPunct="1">
+                <a:defRPr sz="1800" kern="1200">
+                  <a:solidFill>
+                    <a:schemeClr val="lt1"/>
+                  </a:solidFill>
+                  <a:latin typeface="+mn-lt"/>
+                  <a:ea typeface="+mn-ea"/>
+                  <a:cs typeface="+mn-cs"/>
+                </a:defRPr>
+              </a:lvl8pPr>
+              <a:lvl9pPr marL="3657600" algn="l" defTabSz="914400" rtl="0" eaLnBrk="1" latinLnBrk="1" hangingPunct="1">
+                <a:defRPr sz="1800" kern="1200">
+                  <a:solidFill>
+                    <a:schemeClr val="lt1"/>
+                  </a:solidFill>
+                  <a:latin typeface="+mn-lt"/>
+                  <a:ea typeface="+mn-ea"/>
+                  <a:cs typeface="+mn-cs"/>
+                </a:defRPr>
+              </a:lvl9pPr>
+            </a:lstStyle>
+            <a:p>
+              <a:pPr algn="ctr"/>
+              <a:endParaRPr lang="ko-KR" altLang="en-US" sz="1200" dirty="0">
+                <a:solidFill>
+                  <a:schemeClr val="tx1"/>
+                </a:solidFill>
+              </a:endParaRPr>
+            </a:p>
+          </p:txBody>
+        </p:sp>
+        <p:sp>
+          <p:nvSpPr>
+            <p:cNvPr id="25" name="직사각형 24"/>
+            <p:cNvSpPr/>
+            <p:nvPr/>
+          </p:nvSpPr>
+          <p:spPr>
+            <a:xfrm rot="10800000" flipV="1">
+              <a:off x="4926751" y="1573086"/>
+              <a:ext cx="3363878" cy="99687"/>
+            </a:xfrm>
+            <a:prstGeom prst="rect">
+              <a:avLst/>
+            </a:prstGeom>
+            <a:noFill/>
+            <a:ln>
+              <a:noFill/>
+            </a:ln>
+          </p:spPr>
+          <p:style>
+            <a:lnRef idx="2">
+              <a:schemeClr val="accent1">
+                <a:shade val="50000"/>
+              </a:schemeClr>
+            </a:lnRef>
+            <a:fillRef idx="1">
+              <a:schemeClr val="accent1"/>
+            </a:fillRef>
+            <a:effectRef idx="0">
+              <a:schemeClr val="accent1"/>
+            </a:effectRef>
+            <a:fontRef idx="minor">
+              <a:schemeClr val="lt1"/>
+            </a:fontRef>
+          </p:style>
+          <p:txBody>
+            <a:bodyPr lIns="0" tIns="0" rIns="0" bIns="0" rtlCol="0" anchor="ctr"/>
+            <a:lstStyle>
+              <a:defPPr>
+                <a:defRPr lang="ko-KR"/>
+              </a:defPPr>
+              <a:lvl1pPr marL="0" algn="l" defTabSz="914400" rtl="0" eaLnBrk="1" latinLnBrk="1" hangingPunct="1">
+                <a:defRPr sz="1800" kern="1200">
+                  <a:solidFill>
+                    <a:schemeClr val="lt1"/>
+                  </a:solidFill>
+                  <a:latin typeface="+mn-lt"/>
+                  <a:ea typeface="+mn-ea"/>
+                  <a:cs typeface="+mn-cs"/>
+                </a:defRPr>
+              </a:lvl1pPr>
+              <a:lvl2pPr marL="457200" algn="l" defTabSz="914400" rtl="0" eaLnBrk="1" latinLnBrk="1" hangingPunct="1">
+                <a:defRPr sz="1800" kern="1200">
+                  <a:solidFill>
+                    <a:schemeClr val="lt1"/>
+                  </a:solidFill>
+                  <a:latin typeface="+mn-lt"/>
+                  <a:ea typeface="+mn-ea"/>
+                  <a:cs typeface="+mn-cs"/>
+                </a:defRPr>
+              </a:lvl2pPr>
+              <a:lvl3pPr marL="914400" algn="l" defTabSz="914400" rtl="0" eaLnBrk="1" latinLnBrk="1" hangingPunct="1">
+                <a:defRPr sz="1800" kern="1200">
+                  <a:solidFill>
+                    <a:schemeClr val="lt1"/>
+                  </a:solidFill>
+                  <a:latin typeface="+mn-lt"/>
+                  <a:ea typeface="+mn-ea"/>
+                  <a:cs typeface="+mn-cs"/>
+                </a:defRPr>
+              </a:lvl3pPr>
+              <a:lvl4pPr marL="1371600" algn="l" defTabSz="914400" rtl="0" eaLnBrk="1" latinLnBrk="1" hangingPunct="1">
+                <a:defRPr sz="1800" kern="1200">
+                  <a:solidFill>
+                    <a:schemeClr val="lt1"/>
+                  </a:solidFill>
+                  <a:latin typeface="+mn-lt"/>
+                  <a:ea typeface="+mn-ea"/>
+                  <a:cs typeface="+mn-cs"/>
+                </a:defRPr>
+              </a:lvl4pPr>
+              <a:lvl5pPr marL="1828800" algn="l" defTabSz="914400" rtl="0" eaLnBrk="1" latinLnBrk="1" hangingPunct="1">
+                <a:defRPr sz="1800" kern="1200">
+                  <a:solidFill>
+                    <a:schemeClr val="lt1"/>
+                  </a:solidFill>
+                  <a:latin typeface="+mn-lt"/>
+                  <a:ea typeface="+mn-ea"/>
+                  <a:cs typeface="+mn-cs"/>
+                </a:defRPr>
+              </a:lvl5pPr>
+              <a:lvl6pPr marL="2286000" algn="l" defTabSz="914400" rtl="0" eaLnBrk="1" latinLnBrk="1" hangingPunct="1">
+                <a:defRPr sz="1800" kern="1200">
+                  <a:solidFill>
+                    <a:schemeClr val="lt1"/>
+                  </a:solidFill>
+                  <a:latin typeface="+mn-lt"/>
+                  <a:ea typeface="+mn-ea"/>
+                  <a:cs typeface="+mn-cs"/>
+                </a:defRPr>
+              </a:lvl6pPr>
+              <a:lvl7pPr marL="2743200" algn="l" defTabSz="914400" rtl="0" eaLnBrk="1" latinLnBrk="1" hangingPunct="1">
+                <a:defRPr sz="1800" kern="1200">
+                  <a:solidFill>
+                    <a:schemeClr val="lt1"/>
+                  </a:solidFill>
+                  <a:latin typeface="+mn-lt"/>
+                  <a:ea typeface="+mn-ea"/>
+                  <a:cs typeface="+mn-cs"/>
+                </a:defRPr>
+              </a:lvl7pPr>
+              <a:lvl8pPr marL="3200400" algn="l" defTabSz="914400" rtl="0" eaLnBrk="1" latinLnBrk="1" hangingPunct="1">
+                <a:defRPr sz="1800" kern="1200">
+                  <a:solidFill>
+                    <a:schemeClr val="lt1"/>
+                  </a:solidFill>
+                  <a:latin typeface="+mn-lt"/>
+                  <a:ea typeface="+mn-ea"/>
+                  <a:cs typeface="+mn-cs"/>
+                </a:defRPr>
+              </a:lvl8pPr>
+              <a:lvl9pPr marL="3657600" algn="l" defTabSz="914400" rtl="0" eaLnBrk="1" latinLnBrk="1" hangingPunct="1">
+                <a:defRPr sz="1800" kern="1200">
+                  <a:solidFill>
+                    <a:schemeClr val="lt1"/>
+                  </a:solidFill>
+                  <a:latin typeface="+mn-lt"/>
+                  <a:ea typeface="+mn-ea"/>
+                  <a:cs typeface="+mn-cs"/>
+                </a:defRPr>
+              </a:lvl9pPr>
+            </a:lstStyle>
+            <a:p>
+              <a:pPr algn="ctr"/>
+              <a:r>
+                <a:rPr lang="en-US" altLang="ko-KR" sz="1200" smtClean="0">
+                  <a:solidFill>
+                    <a:schemeClr val="tx1"/>
+                  </a:solidFill>
+                </a:rPr>
+                <a:t>TCircle.Draw</a:t>
+              </a:r>
+              <a:endParaRPr lang="ko-KR" altLang="en-US" sz="1200" dirty="0">
+                <a:solidFill>
+                  <a:schemeClr val="tx1"/>
+                </a:solidFill>
+              </a:endParaRPr>
+            </a:p>
+          </p:txBody>
+        </p:sp>
+      </p:grpSp>
+      <p:sp>
+        <p:nvSpPr>
+          <p:cNvPr id="19" name="순서도: 수행의 시작/종료 18"/>
+          <p:cNvSpPr/>
+          <p:nvPr/>
+        </p:nvSpPr>
+        <p:spPr>
+          <a:xfrm>
+            <a:off x="8222840" y="3880470"/>
+            <a:ext cx="1900293" cy="284677"/>
+          </a:xfrm>
+          <a:prstGeom prst="flowChartTerminator">
+            <a:avLst/>
+          </a:prstGeom>
+          <a:noFill/>
+        </p:spPr>
+        <p:style>
+          <a:lnRef idx="2">
+            <a:schemeClr val="accent1">
+              <a:shade val="50000"/>
+            </a:schemeClr>
+          </a:lnRef>
+          <a:fillRef idx="1">
+            <a:schemeClr val="accent1"/>
+          </a:fillRef>
+          <a:effectRef idx="0">
+            <a:schemeClr val="accent1"/>
+          </a:effectRef>
+          <a:fontRef idx="minor">
+            <a:schemeClr val="lt1"/>
+          </a:fontRef>
+        </p:style>
+        <p:txBody>
+          <a:bodyPr lIns="0" tIns="0" rIns="0" bIns="0" rtlCol="0" anchor="ctr"/>
+          <a:lstStyle>
+            <a:defPPr>
+              <a:defRPr lang="ko-KR"/>
+            </a:defPPr>
+            <a:lvl1pPr marL="0" algn="l" defTabSz="914400" rtl="0" eaLnBrk="1" latinLnBrk="1" hangingPunct="1">
+              <a:defRPr sz="1800" kern="1200">
+                <a:solidFill>
+                  <a:schemeClr val="lt1"/>
+                </a:solidFill>
+                <a:latin typeface="+mn-lt"/>
+                <a:ea typeface="+mn-ea"/>
+                <a:cs typeface="+mn-cs"/>
+              </a:defRPr>
+            </a:lvl1pPr>
+            <a:lvl2pPr marL="457200" algn="l" defTabSz="914400" rtl="0" eaLnBrk="1" latinLnBrk="1" hangingPunct="1">
+              <a:defRPr sz="1800" kern="1200">
+                <a:solidFill>
+                  <a:schemeClr val="lt1"/>
+                </a:solidFill>
+                <a:latin typeface="+mn-lt"/>
+                <a:ea typeface="+mn-ea"/>
+                <a:cs typeface="+mn-cs"/>
+              </a:defRPr>
+            </a:lvl2pPr>
+            <a:lvl3pPr marL="914400" algn="l" defTabSz="914400" rtl="0" eaLnBrk="1" latinLnBrk="1" hangingPunct="1">
+              <a:defRPr sz="1800" kern="1200">
+                <a:solidFill>
+                  <a:schemeClr val="lt1"/>
+                </a:solidFill>
+                <a:latin typeface="+mn-lt"/>
+                <a:ea typeface="+mn-ea"/>
+                <a:cs typeface="+mn-cs"/>
+              </a:defRPr>
+            </a:lvl3pPr>
+            <a:lvl4pPr marL="1371600" algn="l" defTabSz="914400" rtl="0" eaLnBrk="1" latinLnBrk="1" hangingPunct="1">
+              <a:defRPr sz="1800" kern="1200">
+                <a:solidFill>
+                  <a:schemeClr val="lt1"/>
+                </a:solidFill>
+                <a:latin typeface="+mn-lt"/>
+                <a:ea typeface="+mn-ea"/>
+                <a:cs typeface="+mn-cs"/>
+              </a:defRPr>
+            </a:lvl4pPr>
+            <a:lvl5pPr marL="1828800" algn="l" defTabSz="914400" rtl="0" eaLnBrk="1" latinLnBrk="1" hangingPunct="1">
+              <a:defRPr sz="1800" kern="1200">
+                <a:solidFill>
+                  <a:schemeClr val="lt1"/>
+                </a:solidFill>
+                <a:latin typeface="+mn-lt"/>
+                <a:ea typeface="+mn-ea"/>
+                <a:cs typeface="+mn-cs"/>
+              </a:defRPr>
+            </a:lvl5pPr>
+            <a:lvl6pPr marL="2286000" algn="l" defTabSz="914400" rtl="0" eaLnBrk="1" latinLnBrk="1" hangingPunct="1">
+              <a:defRPr sz="1800" kern="1200">
+                <a:solidFill>
+                  <a:schemeClr val="lt1"/>
+                </a:solidFill>
+                <a:latin typeface="+mn-lt"/>
+                <a:ea typeface="+mn-ea"/>
+                <a:cs typeface="+mn-cs"/>
+              </a:defRPr>
+            </a:lvl6pPr>
+            <a:lvl7pPr marL="2743200" algn="l" defTabSz="914400" rtl="0" eaLnBrk="1" latinLnBrk="1" hangingPunct="1">
+              <a:defRPr sz="1800" kern="1200">
+                <a:solidFill>
+                  <a:schemeClr val="lt1"/>
+                </a:solidFill>
+                <a:latin typeface="+mn-lt"/>
+                <a:ea typeface="+mn-ea"/>
+                <a:cs typeface="+mn-cs"/>
+              </a:defRPr>
+            </a:lvl7pPr>
+            <a:lvl8pPr marL="3200400" algn="l" defTabSz="914400" rtl="0" eaLnBrk="1" latinLnBrk="1" hangingPunct="1">
+              <a:defRPr sz="1800" kern="1200">
+                <a:solidFill>
+                  <a:schemeClr val="lt1"/>
+                </a:solidFill>
+                <a:latin typeface="+mn-lt"/>
+                <a:ea typeface="+mn-ea"/>
+                <a:cs typeface="+mn-cs"/>
+              </a:defRPr>
+            </a:lvl8pPr>
+            <a:lvl9pPr marL="3657600" algn="l" defTabSz="914400" rtl="0" eaLnBrk="1" latinLnBrk="1" hangingPunct="1">
+              <a:defRPr sz="1800" kern="1200">
+                <a:solidFill>
+                  <a:schemeClr val="lt1"/>
+                </a:solidFill>
+                <a:latin typeface="+mn-lt"/>
+                <a:ea typeface="+mn-ea"/>
+                <a:cs typeface="+mn-cs"/>
+              </a:defRPr>
+            </a:lvl9pPr>
+          </a:lstStyle>
+          <a:p>
+            <a:pPr algn="ctr"/>
+            <a:r>
+              <a:rPr lang="en-US" altLang="ko-KR" sz="1200" dirty="0" smtClean="0">
+                <a:solidFill>
+                  <a:schemeClr val="tx1"/>
+                </a:solidFill>
+              </a:rPr>
+              <a:t>START</a:t>
+            </a:r>
+            <a:endParaRPr lang="ko-KR" altLang="en-US" sz="1200" dirty="0">
+              <a:solidFill>
+                <a:schemeClr val="tx1"/>
+              </a:solidFill>
+            </a:endParaRPr>
+          </a:p>
+        </p:txBody>
+      </p:sp>
+      <p:sp>
+        <p:nvSpPr>
+          <p:cNvPr id="20" name="순서도: 수행의 시작/종료 19"/>
+          <p:cNvSpPr/>
+          <p:nvPr/>
+        </p:nvSpPr>
+        <p:spPr>
+          <a:xfrm>
+            <a:off x="8127534" y="6290839"/>
+            <a:ext cx="2096233" cy="333972"/>
+          </a:xfrm>
+          <a:prstGeom prst="flowChartTerminator">
+            <a:avLst/>
+          </a:prstGeom>
+          <a:noFill/>
+        </p:spPr>
+        <p:style>
+          <a:lnRef idx="2">
+            <a:schemeClr val="accent1">
+              <a:shade val="50000"/>
+            </a:schemeClr>
+          </a:lnRef>
+          <a:fillRef idx="1">
+            <a:schemeClr val="accent1"/>
+          </a:fillRef>
+          <a:effectRef idx="0">
+            <a:schemeClr val="accent1"/>
+          </a:effectRef>
+          <a:fontRef idx="minor">
+            <a:schemeClr val="lt1"/>
+          </a:fontRef>
+        </p:style>
+        <p:txBody>
+          <a:bodyPr lIns="0" tIns="0" rIns="0" bIns="0" rtlCol="0" anchor="ctr"/>
+          <a:lstStyle>
+            <a:defPPr>
+              <a:defRPr lang="ko-KR"/>
+            </a:defPPr>
+            <a:lvl1pPr marL="0" algn="l" defTabSz="914400" rtl="0" eaLnBrk="1" latinLnBrk="1" hangingPunct="1">
+              <a:defRPr sz="1800" kern="1200">
+                <a:solidFill>
+                  <a:schemeClr val="lt1"/>
+                </a:solidFill>
+                <a:latin typeface="+mn-lt"/>
+                <a:ea typeface="+mn-ea"/>
+                <a:cs typeface="+mn-cs"/>
+              </a:defRPr>
+            </a:lvl1pPr>
+            <a:lvl2pPr marL="457200" algn="l" defTabSz="914400" rtl="0" eaLnBrk="1" latinLnBrk="1" hangingPunct="1">
+              <a:defRPr sz="1800" kern="1200">
+                <a:solidFill>
+                  <a:schemeClr val="lt1"/>
+                </a:solidFill>
+                <a:latin typeface="+mn-lt"/>
+                <a:ea typeface="+mn-ea"/>
+                <a:cs typeface="+mn-cs"/>
+              </a:defRPr>
+            </a:lvl2pPr>
+            <a:lvl3pPr marL="914400" algn="l" defTabSz="914400" rtl="0" eaLnBrk="1" latinLnBrk="1" hangingPunct="1">
+              <a:defRPr sz="1800" kern="1200">
+                <a:solidFill>
+                  <a:schemeClr val="lt1"/>
+                </a:solidFill>
+                <a:latin typeface="+mn-lt"/>
+                <a:ea typeface="+mn-ea"/>
+                <a:cs typeface="+mn-cs"/>
+              </a:defRPr>
+            </a:lvl3pPr>
+            <a:lvl4pPr marL="1371600" algn="l" defTabSz="914400" rtl="0" eaLnBrk="1" latinLnBrk="1" hangingPunct="1">
+              <a:defRPr sz="1800" kern="1200">
+                <a:solidFill>
+                  <a:schemeClr val="lt1"/>
+                </a:solidFill>
+                <a:latin typeface="+mn-lt"/>
+                <a:ea typeface="+mn-ea"/>
+                <a:cs typeface="+mn-cs"/>
+              </a:defRPr>
+            </a:lvl4pPr>
+            <a:lvl5pPr marL="1828800" algn="l" defTabSz="914400" rtl="0" eaLnBrk="1" latinLnBrk="1" hangingPunct="1">
+              <a:defRPr sz="1800" kern="1200">
+                <a:solidFill>
+                  <a:schemeClr val="lt1"/>
+                </a:solidFill>
+                <a:latin typeface="+mn-lt"/>
+                <a:ea typeface="+mn-ea"/>
+                <a:cs typeface="+mn-cs"/>
+              </a:defRPr>
+            </a:lvl5pPr>
+            <a:lvl6pPr marL="2286000" algn="l" defTabSz="914400" rtl="0" eaLnBrk="1" latinLnBrk="1" hangingPunct="1">
+              <a:defRPr sz="1800" kern="1200">
+                <a:solidFill>
+                  <a:schemeClr val="lt1"/>
+                </a:solidFill>
+                <a:latin typeface="+mn-lt"/>
+                <a:ea typeface="+mn-ea"/>
+                <a:cs typeface="+mn-cs"/>
+              </a:defRPr>
+            </a:lvl6pPr>
+            <a:lvl7pPr marL="2743200" algn="l" defTabSz="914400" rtl="0" eaLnBrk="1" latinLnBrk="1" hangingPunct="1">
+              <a:defRPr sz="1800" kern="1200">
+                <a:solidFill>
+                  <a:schemeClr val="lt1"/>
+                </a:solidFill>
+                <a:latin typeface="+mn-lt"/>
+                <a:ea typeface="+mn-ea"/>
+                <a:cs typeface="+mn-cs"/>
+              </a:defRPr>
+            </a:lvl7pPr>
+            <a:lvl8pPr marL="3200400" algn="l" defTabSz="914400" rtl="0" eaLnBrk="1" latinLnBrk="1" hangingPunct="1">
+              <a:defRPr sz="1800" kern="1200">
+                <a:solidFill>
+                  <a:schemeClr val="lt1"/>
+                </a:solidFill>
+                <a:latin typeface="+mn-lt"/>
+                <a:ea typeface="+mn-ea"/>
+                <a:cs typeface="+mn-cs"/>
+              </a:defRPr>
+            </a:lvl8pPr>
+            <a:lvl9pPr marL="3657600" algn="l" defTabSz="914400" rtl="0" eaLnBrk="1" latinLnBrk="1" hangingPunct="1">
+              <a:defRPr sz="1800" kern="1200">
+                <a:solidFill>
+                  <a:schemeClr val="lt1"/>
+                </a:solidFill>
+                <a:latin typeface="+mn-lt"/>
+                <a:ea typeface="+mn-ea"/>
+                <a:cs typeface="+mn-cs"/>
+              </a:defRPr>
+            </a:lvl9pPr>
+          </a:lstStyle>
+          <a:p>
+            <a:pPr algn="ctr"/>
+            <a:r>
+              <a:rPr lang="en-US" altLang="ko-KR" sz="1200" dirty="0" smtClean="0">
+                <a:solidFill>
+                  <a:schemeClr val="tx1"/>
+                </a:solidFill>
+              </a:rPr>
+              <a:t>END</a:t>
+            </a:r>
+            <a:endParaRPr lang="ko-KR" altLang="en-US" sz="1200" dirty="0">
+              <a:solidFill>
+                <a:schemeClr val="tx1"/>
+              </a:solidFill>
+            </a:endParaRPr>
+          </a:p>
+        </p:txBody>
+      </p:sp>
+      <p:cxnSp>
+        <p:nvCxnSpPr>
+          <p:cNvPr id="22" name="직선 화살표 연결선 21"/>
+          <p:cNvCxnSpPr>
+            <a:stCxn id="19" idx="2"/>
+            <a:endCxn id="26" idx="0"/>
+          </p:cNvCxnSpPr>
+          <p:nvPr/>
+        </p:nvCxnSpPr>
+        <p:spPr>
+          <a:xfrm>
+            <a:off x="9172987" y="4165147"/>
+            <a:ext cx="2664" cy="227416"/>
+          </a:xfrm>
+          <a:prstGeom prst="straightConnector1">
+            <a:avLst/>
+          </a:prstGeom>
+          <a:ln>
+            <a:tailEnd type="arrow"/>
+          </a:ln>
+        </p:spPr>
+        <p:style>
+          <a:lnRef idx="1">
+            <a:schemeClr val="accent1"/>
+          </a:lnRef>
+          <a:fillRef idx="0">
+            <a:schemeClr val="accent1"/>
+          </a:fillRef>
+          <a:effectRef idx="0">
+            <a:schemeClr val="accent1"/>
+          </a:effectRef>
+          <a:fontRef idx="minor">
+            <a:schemeClr val="tx1"/>
+          </a:fontRef>
+        </p:style>
+      </p:cxnSp>
+      <p:cxnSp>
+        <p:nvCxnSpPr>
+          <p:cNvPr id="23" name="직선 화살표 연결선 22"/>
+          <p:cNvCxnSpPr>
+            <a:stCxn id="26" idx="2"/>
+            <a:endCxn id="20" idx="0"/>
+          </p:cNvCxnSpPr>
+          <p:nvPr/>
+        </p:nvCxnSpPr>
+        <p:spPr>
+          <a:xfrm>
+            <a:off x="9175651" y="4831320"/>
+            <a:ext cx="0" cy="1459519"/>
+          </a:xfrm>
+          <a:prstGeom prst="straightConnector1">
+            <a:avLst/>
+          </a:prstGeom>
+          <a:ln>
+            <a:tailEnd type="arrow"/>
+          </a:ln>
+        </p:spPr>
+        <p:style>
+          <a:lnRef idx="1">
+            <a:schemeClr val="accent1"/>
+          </a:lnRef>
+          <a:fillRef idx="0">
+            <a:schemeClr val="accent1"/>
+          </a:fillRef>
+          <a:effectRef idx="0">
+            <a:schemeClr val="accent1"/>
+          </a:effectRef>
+          <a:fontRef idx="minor">
+            <a:schemeClr val="tx1"/>
+          </a:fontRef>
+        </p:style>
+      </p:cxnSp>
+      <p:sp>
+        <p:nvSpPr>
+          <p:cNvPr id="26" name="순서도: 판단 25"/>
+          <p:cNvSpPr/>
+          <p:nvPr/>
+        </p:nvSpPr>
+        <p:spPr>
+          <a:xfrm>
+            <a:off x="8027171" y="4392563"/>
+            <a:ext cx="2296960" cy="438757"/>
+          </a:xfrm>
+          <a:prstGeom prst="flowChartDecision">
+            <a:avLst/>
+          </a:prstGeom>
+          <a:noFill/>
+        </p:spPr>
+        <p:style>
+          <a:lnRef idx="2">
+            <a:schemeClr val="accent1">
+              <a:shade val="50000"/>
+            </a:schemeClr>
+          </a:lnRef>
+          <a:fillRef idx="1">
+            <a:schemeClr val="accent1"/>
+          </a:fillRef>
+          <a:effectRef idx="0">
+            <a:schemeClr val="accent1"/>
+          </a:effectRef>
+          <a:fontRef idx="minor">
+            <a:schemeClr val="lt1"/>
+          </a:fontRef>
+        </p:style>
+        <p:txBody>
+          <a:bodyPr lIns="0" tIns="9578" rIns="0" bIns="9578" rtlCol="0" anchor="ctr"/>
+          <a:lstStyle>
+            <a:defPPr>
+              <a:defRPr lang="ko-KR"/>
+            </a:defPPr>
+            <a:lvl1pPr marL="0" algn="l" defTabSz="914400" rtl="0" eaLnBrk="1" latinLnBrk="1" hangingPunct="1">
+              <a:defRPr sz="1800" kern="1200">
+                <a:solidFill>
+                  <a:schemeClr val="lt1"/>
+                </a:solidFill>
+                <a:latin typeface="+mn-lt"/>
+                <a:ea typeface="+mn-ea"/>
+                <a:cs typeface="+mn-cs"/>
+              </a:defRPr>
+            </a:lvl1pPr>
+            <a:lvl2pPr marL="457200" algn="l" defTabSz="914400" rtl="0" eaLnBrk="1" latinLnBrk="1" hangingPunct="1">
+              <a:defRPr sz="1800" kern="1200">
+                <a:solidFill>
+                  <a:schemeClr val="lt1"/>
+                </a:solidFill>
+                <a:latin typeface="+mn-lt"/>
+                <a:ea typeface="+mn-ea"/>
+                <a:cs typeface="+mn-cs"/>
+              </a:defRPr>
+            </a:lvl2pPr>
+            <a:lvl3pPr marL="914400" algn="l" defTabSz="914400" rtl="0" eaLnBrk="1" latinLnBrk="1" hangingPunct="1">
+              <a:defRPr sz="1800" kern="1200">
+                <a:solidFill>
+                  <a:schemeClr val="lt1"/>
+                </a:solidFill>
+                <a:latin typeface="+mn-lt"/>
+                <a:ea typeface="+mn-ea"/>
+                <a:cs typeface="+mn-cs"/>
+              </a:defRPr>
+            </a:lvl3pPr>
+            <a:lvl4pPr marL="1371600" algn="l" defTabSz="914400" rtl="0" eaLnBrk="1" latinLnBrk="1" hangingPunct="1">
+              <a:defRPr sz="1800" kern="1200">
+                <a:solidFill>
+                  <a:schemeClr val="lt1"/>
+                </a:solidFill>
+                <a:latin typeface="+mn-lt"/>
+                <a:ea typeface="+mn-ea"/>
+                <a:cs typeface="+mn-cs"/>
+              </a:defRPr>
+            </a:lvl4pPr>
+            <a:lvl5pPr marL="1828800" algn="l" defTabSz="914400" rtl="0" eaLnBrk="1" latinLnBrk="1" hangingPunct="1">
+              <a:defRPr sz="1800" kern="1200">
+                <a:solidFill>
+                  <a:schemeClr val="lt1"/>
+                </a:solidFill>
+                <a:latin typeface="+mn-lt"/>
+                <a:ea typeface="+mn-ea"/>
+                <a:cs typeface="+mn-cs"/>
+              </a:defRPr>
+            </a:lvl5pPr>
+            <a:lvl6pPr marL="2286000" algn="l" defTabSz="914400" rtl="0" eaLnBrk="1" latinLnBrk="1" hangingPunct="1">
+              <a:defRPr sz="1800" kern="1200">
+                <a:solidFill>
+                  <a:schemeClr val="lt1"/>
+                </a:solidFill>
+                <a:latin typeface="+mn-lt"/>
+                <a:ea typeface="+mn-ea"/>
+                <a:cs typeface="+mn-cs"/>
+              </a:defRPr>
+            </a:lvl6pPr>
+            <a:lvl7pPr marL="2743200" algn="l" defTabSz="914400" rtl="0" eaLnBrk="1" latinLnBrk="1" hangingPunct="1">
+              <a:defRPr sz="1800" kern="1200">
+                <a:solidFill>
+                  <a:schemeClr val="lt1"/>
+                </a:solidFill>
+                <a:latin typeface="+mn-lt"/>
+                <a:ea typeface="+mn-ea"/>
+                <a:cs typeface="+mn-cs"/>
+              </a:defRPr>
+            </a:lvl7pPr>
+            <a:lvl8pPr marL="3200400" algn="l" defTabSz="914400" rtl="0" eaLnBrk="1" latinLnBrk="1" hangingPunct="1">
+              <a:defRPr sz="1800" kern="1200">
+                <a:solidFill>
+                  <a:schemeClr val="lt1"/>
+                </a:solidFill>
+                <a:latin typeface="+mn-lt"/>
+                <a:ea typeface="+mn-ea"/>
+                <a:cs typeface="+mn-cs"/>
+              </a:defRPr>
+            </a:lvl8pPr>
+            <a:lvl9pPr marL="3657600" algn="l" defTabSz="914400" rtl="0" eaLnBrk="1" latinLnBrk="1" hangingPunct="1">
+              <a:defRPr sz="1800" kern="1200">
+                <a:solidFill>
+                  <a:schemeClr val="lt1"/>
+                </a:solidFill>
+                <a:latin typeface="+mn-lt"/>
+                <a:ea typeface="+mn-ea"/>
+                <a:cs typeface="+mn-cs"/>
+              </a:defRPr>
+            </a:lvl9pPr>
+          </a:lstStyle>
+          <a:p>
+            <a:pPr algn="ctr"/>
+            <a:r>
+              <a:rPr lang="en-US" altLang="ko-KR" sz="1200" smtClean="0">
+                <a:solidFill>
+                  <a:schemeClr val="tx1"/>
+                </a:solidFill>
+              </a:rPr>
+              <a:t>fCanvas&lt;&gt; nil</a:t>
+            </a:r>
+            <a:endParaRPr lang="ko-KR" altLang="en-US" sz="1200" dirty="0">
+              <a:solidFill>
+                <a:schemeClr val="tx1"/>
+              </a:solidFill>
+            </a:endParaRPr>
+          </a:p>
+        </p:txBody>
+      </p:sp>
+      <p:sp>
+        <p:nvSpPr>
+          <p:cNvPr id="41" name="직사각형 40"/>
+          <p:cNvSpPr/>
+          <p:nvPr/>
+        </p:nvSpPr>
+        <p:spPr>
+          <a:xfrm rot="10800000" flipV="1">
+            <a:off x="9289130" y="5040636"/>
+            <a:ext cx="4248474" cy="625641"/>
+          </a:xfrm>
+          <a:prstGeom prst="rect">
+            <a:avLst/>
+          </a:prstGeom>
+          <a:noFill/>
+        </p:spPr>
+        <p:style>
+          <a:lnRef idx="2">
+            <a:schemeClr val="accent1">
+              <a:shade val="50000"/>
+            </a:schemeClr>
+          </a:lnRef>
+          <a:fillRef idx="1">
+            <a:schemeClr val="accent1"/>
+          </a:fillRef>
+          <a:effectRef idx="0">
+            <a:schemeClr val="accent1"/>
+          </a:effectRef>
+          <a:fontRef idx="minor">
+            <a:schemeClr val="lt1"/>
+          </a:fontRef>
+        </p:style>
+        <p:txBody>
+          <a:bodyPr lIns="0" tIns="0" rIns="0" bIns="0" rtlCol="0" anchor="ctr"/>
+          <a:lstStyle>
+            <a:defPPr>
+              <a:defRPr lang="ko-KR"/>
+            </a:defPPr>
+            <a:lvl1pPr marL="0" algn="l" defTabSz="914400" rtl="0" eaLnBrk="1" latinLnBrk="1" hangingPunct="1">
+              <a:defRPr sz="1800" kern="1200">
+                <a:solidFill>
+                  <a:schemeClr val="lt1"/>
+                </a:solidFill>
+                <a:latin typeface="+mn-lt"/>
+                <a:ea typeface="+mn-ea"/>
+                <a:cs typeface="+mn-cs"/>
+              </a:defRPr>
+            </a:lvl1pPr>
+            <a:lvl2pPr marL="457200" algn="l" defTabSz="914400" rtl="0" eaLnBrk="1" latinLnBrk="1" hangingPunct="1">
+              <a:defRPr sz="1800" kern="1200">
+                <a:solidFill>
+                  <a:schemeClr val="lt1"/>
+                </a:solidFill>
+                <a:latin typeface="+mn-lt"/>
+                <a:ea typeface="+mn-ea"/>
+                <a:cs typeface="+mn-cs"/>
+              </a:defRPr>
+            </a:lvl2pPr>
+            <a:lvl3pPr marL="914400" algn="l" defTabSz="914400" rtl="0" eaLnBrk="1" latinLnBrk="1" hangingPunct="1">
+              <a:defRPr sz="1800" kern="1200">
+                <a:solidFill>
+                  <a:schemeClr val="lt1"/>
+                </a:solidFill>
+                <a:latin typeface="+mn-lt"/>
+                <a:ea typeface="+mn-ea"/>
+                <a:cs typeface="+mn-cs"/>
+              </a:defRPr>
+            </a:lvl3pPr>
+            <a:lvl4pPr marL="1371600" algn="l" defTabSz="914400" rtl="0" eaLnBrk="1" latinLnBrk="1" hangingPunct="1">
+              <a:defRPr sz="1800" kern="1200">
+                <a:solidFill>
+                  <a:schemeClr val="lt1"/>
+                </a:solidFill>
+                <a:latin typeface="+mn-lt"/>
+                <a:ea typeface="+mn-ea"/>
+                <a:cs typeface="+mn-cs"/>
+              </a:defRPr>
+            </a:lvl4pPr>
+            <a:lvl5pPr marL="1828800" algn="l" defTabSz="914400" rtl="0" eaLnBrk="1" latinLnBrk="1" hangingPunct="1">
+              <a:defRPr sz="1800" kern="1200">
+                <a:solidFill>
+                  <a:schemeClr val="lt1"/>
+                </a:solidFill>
+                <a:latin typeface="+mn-lt"/>
+                <a:ea typeface="+mn-ea"/>
+                <a:cs typeface="+mn-cs"/>
+              </a:defRPr>
+            </a:lvl5pPr>
+            <a:lvl6pPr marL="2286000" algn="l" defTabSz="914400" rtl="0" eaLnBrk="1" latinLnBrk="1" hangingPunct="1">
+              <a:defRPr sz="1800" kern="1200">
+                <a:solidFill>
+                  <a:schemeClr val="lt1"/>
+                </a:solidFill>
+                <a:latin typeface="+mn-lt"/>
+                <a:ea typeface="+mn-ea"/>
+                <a:cs typeface="+mn-cs"/>
+              </a:defRPr>
+            </a:lvl6pPr>
+            <a:lvl7pPr marL="2743200" algn="l" defTabSz="914400" rtl="0" eaLnBrk="1" latinLnBrk="1" hangingPunct="1">
+              <a:defRPr sz="1800" kern="1200">
+                <a:solidFill>
+                  <a:schemeClr val="lt1"/>
+                </a:solidFill>
+                <a:latin typeface="+mn-lt"/>
+                <a:ea typeface="+mn-ea"/>
+                <a:cs typeface="+mn-cs"/>
+              </a:defRPr>
+            </a:lvl7pPr>
+            <a:lvl8pPr marL="3200400" algn="l" defTabSz="914400" rtl="0" eaLnBrk="1" latinLnBrk="1" hangingPunct="1">
+              <a:defRPr sz="1800" kern="1200">
+                <a:solidFill>
+                  <a:schemeClr val="lt1"/>
+                </a:solidFill>
+                <a:latin typeface="+mn-lt"/>
+                <a:ea typeface="+mn-ea"/>
+                <a:cs typeface="+mn-cs"/>
+              </a:defRPr>
+            </a:lvl8pPr>
+            <a:lvl9pPr marL="3657600" algn="l" defTabSz="914400" rtl="0" eaLnBrk="1" latinLnBrk="1" hangingPunct="1">
+              <a:defRPr sz="1800" kern="1200">
+                <a:solidFill>
+                  <a:schemeClr val="lt1"/>
+                </a:solidFill>
+                <a:latin typeface="+mn-lt"/>
+                <a:ea typeface="+mn-ea"/>
+                <a:cs typeface="+mn-cs"/>
+              </a:defRPr>
+            </a:lvl9pPr>
+          </a:lstStyle>
+          <a:p>
+            <a:pPr algn="ctr"/>
+            <a:r>
+              <a:rPr lang="en-US" altLang="ko-KR" sz="1200" smtClean="0">
+                <a:solidFill>
+                  <a:schemeClr val="tx1"/>
+                </a:solidFill>
+              </a:rPr>
+              <a:t>fCanvas.Pen.Color </a:t>
+            </a:r>
+            <a:r>
+              <a:rPr lang="en-US" altLang="ko-KR" sz="1200" smtClean="0">
+                <a:solidFill>
+                  <a:schemeClr val="tx1"/>
+                </a:solidFill>
+              </a:rPr>
+              <a:t>= fColor</a:t>
+            </a:r>
+          </a:p>
+          <a:p>
+            <a:pPr algn="ctr"/>
+            <a:r>
+              <a:rPr lang="en-US" altLang="ko-KR" sz="1200" smtClean="0">
+                <a:solidFill>
+                  <a:schemeClr val="tx1"/>
+                </a:solidFill>
+              </a:rPr>
+              <a:t>fCanvas.Ellipse(fX - fSize, fY - fSize, fX + fSize, fY + fSize);</a:t>
+            </a:r>
+            <a:endParaRPr lang="en-US" altLang="ko-KR" sz="1200" dirty="0" smtClean="0">
+              <a:solidFill>
+                <a:schemeClr val="tx1"/>
+              </a:solidFill>
+            </a:endParaRPr>
+          </a:p>
+        </p:txBody>
+      </p:sp>
+      <p:cxnSp>
+        <p:nvCxnSpPr>
+          <p:cNvPr id="43" name="Shape 42"/>
+          <p:cNvCxnSpPr>
+            <a:stCxn id="26" idx="3"/>
+            <a:endCxn id="41" idx="0"/>
+          </p:cNvCxnSpPr>
+          <p:nvPr/>
+        </p:nvCxnSpPr>
+        <p:spPr>
+          <a:xfrm>
+            <a:off x="10324131" y="4611942"/>
+            <a:ext cx="1089236" cy="428694"/>
+          </a:xfrm>
+          <a:prstGeom prst="bentConnector2">
+            <a:avLst/>
+          </a:prstGeom>
+          <a:ln>
+            <a:tailEnd type="arrow"/>
+          </a:ln>
+        </p:spPr>
+        <p:style>
+          <a:lnRef idx="1">
+            <a:schemeClr val="accent1"/>
+          </a:lnRef>
+          <a:fillRef idx="0">
+            <a:schemeClr val="accent1"/>
+          </a:fillRef>
+          <a:effectRef idx="0">
+            <a:schemeClr val="accent1"/>
+          </a:effectRef>
+          <a:fontRef idx="minor">
+            <a:schemeClr val="tx1"/>
+          </a:fontRef>
+        </p:style>
+      </p:cxnSp>
+      <p:cxnSp>
+        <p:nvCxnSpPr>
+          <p:cNvPr id="45" name="Shape 44"/>
+          <p:cNvCxnSpPr>
+            <a:stCxn id="41" idx="2"/>
+          </p:cNvCxnSpPr>
+          <p:nvPr/>
+        </p:nvCxnSpPr>
+        <p:spPr>
+          <a:xfrm rot="5400000">
+            <a:off x="10101942" y="4737322"/>
+            <a:ext cx="382470" cy="2240380"/>
+          </a:xfrm>
+          <a:prstGeom prst="bentConnector2">
+            <a:avLst/>
+          </a:prstGeom>
+          <a:ln>
+            <a:tailEnd type="arrow"/>
+          </a:ln>
+        </p:spPr>
+        <p:style>
+          <a:lnRef idx="1">
+            <a:schemeClr val="accent1"/>
+          </a:lnRef>
+          <a:fillRef idx="0">
+            <a:schemeClr val="accent1"/>
+          </a:fillRef>
+          <a:effectRef idx="0">
+            <a:schemeClr val="accent1"/>
+          </a:effectRef>
+          <a:fontRef idx="minor">
+            <a:schemeClr val="tx1"/>
+          </a:fontRef>
+        </p:style>
+      </p:cxnSp>
+      <p:sp>
+        <p:nvSpPr>
+          <p:cNvPr id="46" name="TextBox 98"/>
+          <p:cNvSpPr txBox="1"/>
+          <p:nvPr/>
+        </p:nvSpPr>
+        <p:spPr>
+          <a:xfrm>
+            <a:off x="10047427" y="4409330"/>
+            <a:ext cx="276704" cy="127249"/>
+          </a:xfrm>
+          <a:prstGeom prst="rect">
+            <a:avLst/>
+          </a:prstGeom>
+          <a:noFill/>
+        </p:spPr>
+        <p:txBody>
+          <a:bodyPr wrap="square" lIns="0" tIns="0" rIns="0" bIns="0" rtlCol="0">
+            <a:spAutoFit/>
+          </a:bodyPr>
+          <a:lstStyle>
+            <a:defPPr>
+              <a:defRPr lang="ko-KR"/>
+            </a:defPPr>
+            <a:lvl1pPr marL="0" algn="l" defTabSz="914400" rtl="0" eaLnBrk="1" latinLnBrk="1" hangingPunct="1">
+              <a:defRPr sz="1800" kern="1200">
+                <a:solidFill>
+                  <a:schemeClr val="tx1"/>
+                </a:solidFill>
+                <a:latin typeface="+mn-lt"/>
+                <a:ea typeface="+mn-ea"/>
+                <a:cs typeface="+mn-cs"/>
+              </a:defRPr>
+            </a:lvl1pPr>
+            <a:lvl2pPr marL="457200" algn="l" defTabSz="914400" rtl="0" eaLnBrk="1" latinLnBrk="1" hangingPunct="1">
+              <a:defRPr sz="1800" kern="1200">
+                <a:solidFill>
+                  <a:schemeClr val="tx1"/>
+                </a:solidFill>
+                <a:latin typeface="+mn-lt"/>
+                <a:ea typeface="+mn-ea"/>
+                <a:cs typeface="+mn-cs"/>
+              </a:defRPr>
+            </a:lvl2pPr>
+            <a:lvl3pPr marL="914400" algn="l" defTabSz="914400" rtl="0" eaLnBrk="1" latinLnBrk="1" hangingPunct="1">
+              <a:defRPr sz="1800" kern="1200">
+                <a:solidFill>
+                  <a:schemeClr val="tx1"/>
+                </a:solidFill>
+                <a:latin typeface="+mn-lt"/>
+                <a:ea typeface="+mn-ea"/>
+                <a:cs typeface="+mn-cs"/>
+              </a:defRPr>
+            </a:lvl3pPr>
+            <a:lvl4pPr marL="1371600" algn="l" defTabSz="914400" rtl="0" eaLnBrk="1" latinLnBrk="1" hangingPunct="1">
+              <a:defRPr sz="1800" kern="1200">
+                <a:solidFill>
+                  <a:schemeClr val="tx1"/>
+                </a:solidFill>
+                <a:latin typeface="+mn-lt"/>
+                <a:ea typeface="+mn-ea"/>
+                <a:cs typeface="+mn-cs"/>
+              </a:defRPr>
+            </a:lvl4pPr>
+            <a:lvl5pPr marL="1828800" algn="l" defTabSz="914400" rtl="0" eaLnBrk="1" latinLnBrk="1" hangingPunct="1">
+              <a:defRPr sz="1800" kern="1200">
+                <a:solidFill>
+                  <a:schemeClr val="tx1"/>
+                </a:solidFill>
+                <a:latin typeface="+mn-lt"/>
+                <a:ea typeface="+mn-ea"/>
+                <a:cs typeface="+mn-cs"/>
+              </a:defRPr>
+            </a:lvl5pPr>
+            <a:lvl6pPr marL="2286000" algn="l" defTabSz="914400" rtl="0" eaLnBrk="1" latinLnBrk="1" hangingPunct="1">
+              <a:defRPr sz="1800" kern="1200">
+                <a:solidFill>
+                  <a:schemeClr val="tx1"/>
+                </a:solidFill>
+                <a:latin typeface="+mn-lt"/>
+                <a:ea typeface="+mn-ea"/>
+                <a:cs typeface="+mn-cs"/>
+              </a:defRPr>
+            </a:lvl6pPr>
+            <a:lvl7pPr marL="2743200" algn="l" defTabSz="914400" rtl="0" eaLnBrk="1" latinLnBrk="1" hangingPunct="1">
+              <a:defRPr sz="1800" kern="1200">
+                <a:solidFill>
+                  <a:schemeClr val="tx1"/>
+                </a:solidFill>
+                <a:latin typeface="+mn-lt"/>
+                <a:ea typeface="+mn-ea"/>
+                <a:cs typeface="+mn-cs"/>
+              </a:defRPr>
+            </a:lvl7pPr>
+            <a:lvl8pPr marL="3200400" algn="l" defTabSz="914400" rtl="0" eaLnBrk="1" latinLnBrk="1" hangingPunct="1">
+              <a:defRPr sz="1800" kern="1200">
+                <a:solidFill>
+                  <a:schemeClr val="tx1"/>
+                </a:solidFill>
+                <a:latin typeface="+mn-lt"/>
+                <a:ea typeface="+mn-ea"/>
+                <a:cs typeface="+mn-cs"/>
+              </a:defRPr>
+            </a:lvl8pPr>
+            <a:lvl9pPr marL="3657600" algn="l" defTabSz="914400" rtl="0" eaLnBrk="1" latinLnBrk="1" hangingPunct="1">
+              <a:defRPr sz="1800" kern="1200">
+                <a:solidFill>
+                  <a:schemeClr val="tx1"/>
+                </a:solidFill>
+                <a:latin typeface="+mn-lt"/>
+                <a:ea typeface="+mn-ea"/>
+                <a:cs typeface="+mn-cs"/>
+              </a:defRPr>
+            </a:lvl9pPr>
+          </a:lstStyle>
+          <a:p>
+            <a:r>
+              <a:rPr lang="en-US" altLang="ko-KR" sz="1200" dirty="0" smtClean="0"/>
+              <a:t>Yes</a:t>
+            </a:r>
+            <a:endParaRPr lang="ko-KR" altLang="en-US" sz="1200" dirty="0"/>
+          </a:p>
+        </p:txBody>
+      </p:sp>
+      <p:sp>
+        <p:nvSpPr>
+          <p:cNvPr id="47" name="TextBox 113"/>
+          <p:cNvSpPr txBox="1"/>
+          <p:nvPr/>
+        </p:nvSpPr>
+        <p:spPr>
+          <a:xfrm>
+            <a:off x="8798335" y="4831320"/>
+            <a:ext cx="209687" cy="127249"/>
+          </a:xfrm>
+          <a:prstGeom prst="rect">
+            <a:avLst/>
+          </a:prstGeom>
+          <a:noFill/>
+        </p:spPr>
+        <p:txBody>
+          <a:bodyPr wrap="square" lIns="0" tIns="0" rIns="0" bIns="0" rtlCol="0">
+            <a:spAutoFit/>
+          </a:bodyPr>
+          <a:lstStyle>
+            <a:defPPr>
+              <a:defRPr lang="ko-KR"/>
+            </a:defPPr>
+            <a:lvl1pPr marL="0" algn="l" defTabSz="914400" rtl="0" eaLnBrk="1" latinLnBrk="1" hangingPunct="1">
+              <a:defRPr sz="1800" kern="1200">
+                <a:solidFill>
+                  <a:schemeClr val="tx1"/>
+                </a:solidFill>
+                <a:latin typeface="+mn-lt"/>
+                <a:ea typeface="+mn-ea"/>
+                <a:cs typeface="+mn-cs"/>
+              </a:defRPr>
+            </a:lvl1pPr>
+            <a:lvl2pPr marL="457200" algn="l" defTabSz="914400" rtl="0" eaLnBrk="1" latinLnBrk="1" hangingPunct="1">
+              <a:defRPr sz="1800" kern="1200">
+                <a:solidFill>
+                  <a:schemeClr val="tx1"/>
+                </a:solidFill>
+                <a:latin typeface="+mn-lt"/>
+                <a:ea typeface="+mn-ea"/>
+                <a:cs typeface="+mn-cs"/>
+              </a:defRPr>
+            </a:lvl2pPr>
+            <a:lvl3pPr marL="914400" algn="l" defTabSz="914400" rtl="0" eaLnBrk="1" latinLnBrk="1" hangingPunct="1">
+              <a:defRPr sz="1800" kern="1200">
+                <a:solidFill>
+                  <a:schemeClr val="tx1"/>
+                </a:solidFill>
+                <a:latin typeface="+mn-lt"/>
+                <a:ea typeface="+mn-ea"/>
+                <a:cs typeface="+mn-cs"/>
+              </a:defRPr>
+            </a:lvl3pPr>
+            <a:lvl4pPr marL="1371600" algn="l" defTabSz="914400" rtl="0" eaLnBrk="1" latinLnBrk="1" hangingPunct="1">
+              <a:defRPr sz="1800" kern="1200">
+                <a:solidFill>
+                  <a:schemeClr val="tx1"/>
+                </a:solidFill>
+                <a:latin typeface="+mn-lt"/>
+                <a:ea typeface="+mn-ea"/>
+                <a:cs typeface="+mn-cs"/>
+              </a:defRPr>
+            </a:lvl4pPr>
+            <a:lvl5pPr marL="1828800" algn="l" defTabSz="914400" rtl="0" eaLnBrk="1" latinLnBrk="1" hangingPunct="1">
+              <a:defRPr sz="1800" kern="1200">
+                <a:solidFill>
+                  <a:schemeClr val="tx1"/>
+                </a:solidFill>
+                <a:latin typeface="+mn-lt"/>
+                <a:ea typeface="+mn-ea"/>
+                <a:cs typeface="+mn-cs"/>
+              </a:defRPr>
+            </a:lvl5pPr>
+            <a:lvl6pPr marL="2286000" algn="l" defTabSz="914400" rtl="0" eaLnBrk="1" latinLnBrk="1" hangingPunct="1">
+              <a:defRPr sz="1800" kern="1200">
+                <a:solidFill>
+                  <a:schemeClr val="tx1"/>
+                </a:solidFill>
+                <a:latin typeface="+mn-lt"/>
+                <a:ea typeface="+mn-ea"/>
+                <a:cs typeface="+mn-cs"/>
+              </a:defRPr>
+            </a:lvl6pPr>
+            <a:lvl7pPr marL="2743200" algn="l" defTabSz="914400" rtl="0" eaLnBrk="1" latinLnBrk="1" hangingPunct="1">
+              <a:defRPr sz="1800" kern="1200">
+                <a:solidFill>
+                  <a:schemeClr val="tx1"/>
+                </a:solidFill>
+                <a:latin typeface="+mn-lt"/>
+                <a:ea typeface="+mn-ea"/>
+                <a:cs typeface="+mn-cs"/>
+              </a:defRPr>
+            </a:lvl7pPr>
+            <a:lvl8pPr marL="3200400" algn="l" defTabSz="914400" rtl="0" eaLnBrk="1" latinLnBrk="1" hangingPunct="1">
+              <a:defRPr sz="1800" kern="1200">
+                <a:solidFill>
+                  <a:schemeClr val="tx1"/>
+                </a:solidFill>
+                <a:latin typeface="+mn-lt"/>
+                <a:ea typeface="+mn-ea"/>
+                <a:cs typeface="+mn-cs"/>
+              </a:defRPr>
+            </a:lvl8pPr>
+            <a:lvl9pPr marL="3657600" algn="l" defTabSz="914400" rtl="0" eaLnBrk="1" latinLnBrk="1" hangingPunct="1">
+              <a:defRPr sz="1800" kern="1200">
+                <a:solidFill>
+                  <a:schemeClr val="tx1"/>
+                </a:solidFill>
+                <a:latin typeface="+mn-lt"/>
+                <a:ea typeface="+mn-ea"/>
+                <a:cs typeface="+mn-cs"/>
+              </a:defRPr>
+            </a:lvl9pPr>
+          </a:lstStyle>
+          <a:p>
+            <a:r>
+              <a:rPr lang="en-US" altLang="ko-KR" sz="1200" dirty="0" smtClean="0"/>
+              <a:t>No</a:t>
+            </a:r>
+            <a:endParaRPr lang="ko-KR" altLang="en-US" sz="1200" dirty="0"/>
+          </a:p>
+        </p:txBody>
+      </p:sp>
     </p:spTree>
   </p:cSld>
   <p:clrMapOvr>
@@ -4719,8 +6061,8 @@
         </p:nvSpPr>
         <p:spPr>
           <a:xfrm>
-            <a:off x="12182746" y="148909"/>
-            <a:ext cx="2219054" cy="646331"/>
+            <a:off x="12182746" y="72083"/>
+            <a:ext cx="2219054" cy="1131079"/>
           </a:xfrm>
           <a:prstGeom prst="rect">
             <a:avLst/>
@@ -4840,15 +6182,57 @@
           <a:p>
             <a:r>
               <a:rPr lang="en-US" altLang="ko-KR" sz="1050" smtClean="0"/>
-              <a:t>fColor = Int</a:t>
+              <a:t>ffColor </a:t>
             </a:r>
-          </a:p>
-          <a:p>
             <a:r>
               <a:rPr lang="en-US" altLang="ko-KR" sz="1050" smtClean="0"/>
-              <a:t>fInterval = Int</a:t>
+              <a:t>= Int</a:t>
             </a:r>
-            <a:endParaRPr lang="en-US" altLang="ko-KR" sz="1050" dirty="0"/>
+          </a:p>
+          <a:p>
+            <a:r>
+              <a:rPr lang="en-US" altLang="ko-KR" sz="1050" smtClean="0"/>
+              <a:t>ffInterval </a:t>
+            </a:r>
+            <a:r>
+              <a:rPr lang="en-US" altLang="ko-KR" sz="1050" smtClean="0"/>
+              <a:t>= </a:t>
+            </a:r>
+            <a:r>
+              <a:rPr lang="en-US" altLang="ko-KR" sz="1050" smtClean="0"/>
+              <a:t>Int</a:t>
+            </a:r>
+          </a:p>
+          <a:p>
+            <a:r>
+              <a:rPr lang="en-US" altLang="ko-KR" sz="1050" smtClean="0"/>
+              <a:t>ffSize = Int</a:t>
+            </a:r>
+          </a:p>
+          <a:p>
+            <a:r>
+              <a:rPr lang="en-US" altLang="ko-KR" sz="1050" smtClean="0"/>
+              <a:t>Shape = String</a:t>
+            </a:r>
+          </a:p>
+          <a:p>
+            <a:r>
+              <a:rPr lang="en-US" altLang="ko-KR" sz="1050" smtClean="0"/>
+              <a:t>const </a:t>
+            </a:r>
+            <a:r>
+              <a:rPr lang="en-US" altLang="ko-KR" sz="1050" smtClean="0"/>
+              <a:t>SPEED </a:t>
+            </a:r>
+            <a:r>
+              <a:rPr lang="en-US" altLang="ko-KR" sz="1050" smtClean="0"/>
+              <a:t>= </a:t>
+            </a:r>
+            <a:r>
+              <a:rPr lang="en-US" altLang="ko-KR" sz="1050" smtClean="0"/>
+              <a:t>5</a:t>
+            </a:r>
+            <a:endParaRPr lang="en-US" altLang="ko-KR" sz="1050" smtClean="0"/>
           </a:p>
         </p:txBody>
       </p:sp>
@@ -5131,7 +6515,15 @@
                   <a:schemeClr val="tx1"/>
                 </a:solidFill>
               </a:rPr>
-              <a:t>TCustomDraw.Create(aCanvas : TCanvas; aX, aY, aSize :  Integer)</a:t>
+              <a:t>TCustomDraw.Create(aCanvas : TCanvas; aX, </a:t>
+            </a:r>
+            <a:r>
+              <a:rPr lang="en-US" altLang="ko-KR" sz="1200" smtClean="0">
+                <a:solidFill>
+                  <a:schemeClr val="tx1"/>
+                </a:solidFill>
+              </a:rPr>
+              <a:t>aY)</a:t>
             </a:r>
             <a:endParaRPr lang="ko-KR" altLang="en-US" sz="1200" dirty="0">
               <a:solidFill>
@@ -5605,8 +6997,29 @@
                   <a:schemeClr val="tx1"/>
                 </a:solidFill>
               </a:rPr>
-              <a:t>  fSize = aSize</a:t>
+              <a:t>  fSize = </a:t>
             </a:r>
+            <a:r>
+              <a:rPr lang="en-US" altLang="ko-KR" sz="1200" smtClean="0">
+                <a:solidFill>
+                  <a:schemeClr val="tx1"/>
+                </a:solidFill>
+              </a:rPr>
+              <a:t>f</a:t>
+            </a:r>
+            <a:r>
+              <a:rPr lang="en-US" altLang="ko-KR" sz="1200" smtClean="0">
+                <a:solidFill>
+                  <a:schemeClr val="tx1"/>
+                </a:solidFill>
+              </a:rPr>
+              <a:t>fSize</a:t>
+            </a:r>
+            <a:endParaRPr lang="en-US" altLang="ko-KR" sz="1200" smtClean="0">
+              <a:solidFill>
+                <a:schemeClr val="tx1"/>
+              </a:solidFill>
+            </a:endParaRPr>
           </a:p>
           <a:p>
             <a:pPr algn="ctr"/>
@@ -5616,7 +7029,50 @@
                   <a:schemeClr val="tx1"/>
                 </a:solidFill>
               </a:rPr>
-              <a:t>  fTimer = TTimer.Create(nil)</a:t>
+              <a:t>fColor = </a:t>
+            </a:r>
+            <a:r>
+              <a:rPr lang="en-US" altLang="ko-KR" sz="1200" smtClean="0">
+                <a:solidFill>
+                  <a:schemeClr val="tx1"/>
+                </a:solidFill>
+              </a:rPr>
+              <a:t>ffColor</a:t>
+            </a:r>
+          </a:p>
+          <a:p>
+            <a:pPr algn="ctr"/>
+            <a:r>
+              <a:rPr lang="en-US" altLang="ko-KR" sz="1200" smtClean="0">
+                <a:solidFill>
+                  <a:schemeClr val="tx1"/>
+                </a:solidFill>
+              </a:rPr>
+              <a:t>fTimer </a:t>
+            </a:r>
+            <a:r>
+              <a:rPr lang="en-US" altLang="ko-KR" sz="1200" smtClean="0">
+                <a:solidFill>
+                  <a:schemeClr val="tx1"/>
+                </a:solidFill>
+              </a:rPr>
+              <a:t>= </a:t>
+            </a:r>
+            <a:r>
+              <a:rPr lang="en-US" altLang="ko-KR" sz="1200" smtClean="0">
+                <a:solidFill>
+                  <a:schemeClr val="tx1"/>
+                </a:solidFill>
+              </a:rPr>
+              <a:t>TTimer.Create(null</a:t>
+            </a:r>
+            <a:r>
+              <a:rPr lang="en-US" altLang="ko-KR" sz="1200" smtClean="0">
+                <a:solidFill>
+                  <a:schemeClr val="tx1"/>
+                </a:solidFill>
+              </a:rPr>
+              <a:t>)</a:t>
             </a:r>
           </a:p>
           <a:p>
@@ -5651,8 +7107,8 @@
         </p:nvSpPr>
         <p:spPr>
           <a:xfrm rot="10800000" flipV="1">
-            <a:off x="488820" y="3405113"/>
-            <a:ext cx="2945557" cy="395876"/>
+            <a:off x="559134" y="3405113"/>
+            <a:ext cx="2804928" cy="395876"/>
           </a:xfrm>
           <a:prstGeom prst="rect">
             <a:avLst/>
@@ -5780,7 +7236,23 @@
                   <a:schemeClr val="tx1"/>
                 </a:solidFill>
               </a:rPr>
-              <a:t>fTimer.Interval = fInterval * 1000</a:t>
+              <a:t>fTimer.Interval = </a:t>
+            </a:r>
+            <a:r>
+              <a:rPr lang="en-US" altLang="ko-KR" sz="1200" smtClean="0">
+                <a:solidFill>
+                  <a:schemeClr val="tx1"/>
+                </a:solidFill>
+              </a:rPr>
+              <a:t>ffInterval </a:t>
+            </a:r>
+            <a:r>
+              <a:rPr lang="en-US" altLang="ko-KR" sz="1200" smtClean="0">
+                <a:solidFill>
+                  <a:schemeClr val="tx1"/>
+                </a:solidFill>
+              </a:rPr>
+              <a:t>* 1000</a:t>
             </a:r>
           </a:p>
           <a:p>
@@ -5949,41 +7421,21 @@
                   <a:schemeClr val="tx1"/>
                 </a:solidFill>
               </a:rPr>
-              <a:t>fCanvas.Brush.Style = bsClear</a:t>
+              <a:t>fCanvas.Brush.Style = </a:t>
             </a:r>
-          </a:p>
-          <a:p>
-            <a:pPr algn="ctr"/>
             <a:r>
               <a:rPr lang="en-US" altLang="ko-KR" sz="1200" smtClean="0">
                 <a:solidFill>
                   <a:schemeClr val="tx1"/>
                 </a:solidFill>
               </a:rPr>
-              <a:t>fCanvas.Pen.Color = fColor</a:t>
+              <a:t>bsClear</a:t>
             </a:r>
-          </a:p>
-          <a:p>
-            <a:pPr algn="ctr"/>
-            <a:r>
-              <a:rPr lang="en-US" altLang="ko-KR" sz="1200" smtClean="0">
-                <a:solidFill>
-                  <a:schemeClr val="tx1"/>
-                </a:solidFill>
-              </a:rPr>
-              <a:t>fCanvas.Pen.Mode = pmNotXor</a:t>
-            </a:r>
-          </a:p>
-          <a:p>
-            <a:pPr algn="ctr"/>
-            <a:r>
-              <a:rPr lang="en-US" altLang="ko-KR" sz="1200" smtClean="0">
-                <a:solidFill>
-                  <a:schemeClr val="tx1"/>
-                </a:solidFill>
-              </a:rPr>
-              <a:t>    fCanvas.Brush.Style = bsClear</a:t>
-            </a:r>
+            <a:endParaRPr lang="en-US" altLang="ko-KR" sz="1200" smtClean="0">
+              <a:solidFill>
+                <a:schemeClr val="tx1"/>
+              </a:solidFill>
+            </a:endParaRPr>
           </a:p>
         </p:txBody>
       </p:sp>
@@ -6465,8 +7917,8 @@
         </p:nvCxnSpPr>
         <p:spPr>
           <a:xfrm flipH="1">
-            <a:off x="1961006" y="3800986"/>
-            <a:ext cx="592" cy="174186"/>
+            <a:off x="1961005" y="3800989"/>
+            <a:ext cx="593" cy="174183"/>
           </a:xfrm>
           <a:prstGeom prst="straightConnector1">
             <a:avLst/>
@@ -6787,7 +8239,7 @@
         </p:nvGrpSpPr>
         <p:grpSpPr>
           <a:xfrm>
-            <a:off x="9314532" y="720155"/>
+            <a:off x="9314532" y="1225395"/>
             <a:ext cx="5025232" cy="6407528"/>
             <a:chOff x="4926744" y="1573086"/>
             <a:chExt cx="2570647" cy="1627701"/>
@@ -7091,7 +8543,7 @@
         </p:nvSpPr>
         <p:spPr>
           <a:xfrm>
-            <a:off x="10368341" y="1286532"/>
+            <a:off x="10368341" y="1935788"/>
             <a:ext cx="1900293" cy="283452"/>
           </a:xfrm>
           <a:prstGeom prst="flowChartTerminator">
@@ -7238,7 +8690,7 @@
         </p:nvSpPr>
         <p:spPr>
           <a:xfrm>
-            <a:off x="10256416" y="5932236"/>
+            <a:off x="10256416" y="6581492"/>
             <a:ext cx="2096233" cy="332535"/>
           </a:xfrm>
           <a:prstGeom prst="flowChartTerminator">
@@ -7385,7 +8837,7 @@
         </p:nvSpPr>
         <p:spPr>
           <a:xfrm rot="10800000" flipV="1">
-            <a:off x="10673071" y="1885148"/>
+            <a:off x="10673071" y="2534404"/>
             <a:ext cx="1312329" cy="395876"/>
           </a:xfrm>
           <a:prstGeom prst="rect">
@@ -7532,7 +8984,7 @@
         </p:nvSpPr>
         <p:spPr>
           <a:xfrm rot="10800000" flipV="1">
-            <a:off x="11555782" y="2993475"/>
+            <a:off x="11555782" y="3642731"/>
             <a:ext cx="2351834" cy="395876"/>
           </a:xfrm>
           <a:prstGeom prst="rect">
@@ -7690,7 +9142,7 @@
         </p:nvSpPr>
         <p:spPr>
           <a:xfrm>
-            <a:off x="10206710" y="2455208"/>
+            <a:off x="10206710" y="3104464"/>
             <a:ext cx="2243863" cy="494042"/>
           </a:xfrm>
           <a:prstGeom prst="flowChartDecision">
@@ -7837,7 +9289,7 @@
         </p:nvSpPr>
         <p:spPr>
           <a:xfrm>
-            <a:off x="12222669" y="2455207"/>
+            <a:off x="12222669" y="3104463"/>
             <a:ext cx="276704" cy="127249"/>
           </a:xfrm>
           <a:prstGeom prst="rect">
@@ -7961,7 +9413,7 @@
         </p:nvSpPr>
         <p:spPr>
           <a:xfrm>
-            <a:off x="10973577" y="2952434"/>
+            <a:off x="10973577" y="3601690"/>
             <a:ext cx="209687" cy="127249"/>
           </a:xfrm>
           <a:prstGeom prst="rect">
@@ -8088,7 +9540,7 @@
         </p:nvCxnSpPr>
         <p:spPr>
           <a:xfrm>
-            <a:off x="12450573" y="2702230"/>
+            <a:off x="12450573" y="3351486"/>
             <a:ext cx="281125" cy="291245"/>
           </a:xfrm>
           <a:prstGeom prst="bentConnector2">
@@ -8124,7 +9576,7 @@
         </p:nvCxnSpPr>
         <p:spPr>
           <a:xfrm>
-            <a:off x="11318488" y="1569984"/>
+            <a:off x="11318488" y="2219240"/>
             <a:ext cx="10747" cy="315164"/>
           </a:xfrm>
           <a:prstGeom prst="straightConnector1">
@@ -8160,7 +9612,7 @@
         </p:nvCxnSpPr>
         <p:spPr>
           <a:xfrm flipH="1">
-            <a:off x="11328642" y="2281023"/>
+            <a:off x="11328642" y="2930279"/>
             <a:ext cx="593" cy="174184"/>
           </a:xfrm>
           <a:prstGeom prst="straightConnector1">
@@ -8196,7 +9648,7 @@
         </p:nvCxnSpPr>
         <p:spPr>
           <a:xfrm flipH="1">
-            <a:off x="11314794" y="2949250"/>
+            <a:off x="11314794" y="3598506"/>
             <a:ext cx="13848" cy="1011265"/>
           </a:xfrm>
           <a:prstGeom prst="straightConnector1">
@@ -8231,7 +9683,7 @@
         </p:nvCxnSpPr>
         <p:spPr>
           <a:xfrm rot="5400000">
-            <a:off x="11953663" y="2769539"/>
+            <a:off x="11953663" y="3418795"/>
             <a:ext cx="158227" cy="1397848"/>
           </a:xfrm>
           <a:prstGeom prst="bentConnector2">
@@ -8393,7 +9845,23 @@
                   <a:schemeClr val="tx1"/>
                 </a:solidFill>
               </a:rPr>
-              <a:t>fIndex = fObjList.add(PSelf)</a:t>
+              <a:t>fIndex = </a:t>
+            </a:r>
+            <a:r>
+              <a:rPr lang="en-US" altLang="ko-KR" sz="1200" smtClean="0">
+                <a:solidFill>
+                  <a:schemeClr val="tx1"/>
+                </a:solidFill>
+              </a:rPr>
+              <a:t>fObjList.add(Self</a:t>
+            </a:r>
+            <a:r>
+              <a:rPr lang="en-US" altLang="ko-KR" sz="1200" smtClean="0">
+                <a:solidFill>
+                  <a:schemeClr val="tx1"/>
+                </a:solidFill>
+              </a:rPr>
+              <a:t>)</a:t>
             </a:r>
             <a:endParaRPr lang="en-US" altLang="ko-KR" sz="1200" dirty="0" smtClean="0">
               <a:solidFill>
@@ -11856,7 +13324,7 @@
         </p:nvSpPr>
         <p:spPr>
           <a:xfrm>
-            <a:off x="9370044" y="3960515"/>
+            <a:off x="9370044" y="4609771"/>
             <a:ext cx="3889500" cy="494042"/>
           </a:xfrm>
           <a:prstGeom prst="flowChartDecision">
@@ -11985,15 +13453,7 @@
                   <a:schemeClr val="tx1"/>
                 </a:solidFill>
               </a:rPr>
-              <a:t>fObjList[fIndex</a:t>
-            </a:r>
-            <a:r>
-              <a:rPr lang="en-US" altLang="ko-KR" sz="1200" smtClean="0">
-                <a:solidFill>
-                  <a:schemeClr val="tx1"/>
-                </a:solidFill>
-              </a:rPr>
-              <a:t>] &lt;&gt; null</a:t>
+              <a:t>fObjList[fIndex] &lt;&gt; null</a:t>
             </a:r>
             <a:endParaRPr lang="ko-KR" altLang="en-US" sz="1200" dirty="0">
               <a:solidFill>
@@ -12011,7 +13471,7 @@
         </p:nvSpPr>
         <p:spPr>
           <a:xfrm rot="10800000" flipV="1">
-            <a:off x="12241460" y="4796787"/>
+            <a:off x="12241460" y="5446043"/>
             <a:ext cx="1996086" cy="395876"/>
           </a:xfrm>
           <a:prstGeom prst="rect">
@@ -12161,7 +13621,7 @@
         </p:nvCxnSpPr>
         <p:spPr>
           <a:xfrm flipH="1">
-            <a:off x="13239503" y="4207536"/>
+            <a:off x="13239503" y="4856792"/>
             <a:ext cx="20041" cy="589251"/>
           </a:xfrm>
           <a:prstGeom prst="straightConnector1">
@@ -12197,7 +13657,7 @@
         </p:nvCxnSpPr>
         <p:spPr>
           <a:xfrm flipH="1">
-            <a:off x="11304533" y="4454557"/>
+            <a:off x="11304533" y="5103813"/>
             <a:ext cx="10261" cy="1477679"/>
           </a:xfrm>
           <a:prstGeom prst="straightConnector1">
@@ -12230,7 +13690,7 @@
         </p:nvSpPr>
         <p:spPr>
           <a:xfrm>
-            <a:off x="12961540" y="3960515"/>
+            <a:off x="12961540" y="4609771"/>
             <a:ext cx="276704" cy="127249"/>
           </a:xfrm>
           <a:prstGeom prst="rect">
@@ -12354,7 +13814,7 @@
         </p:nvSpPr>
         <p:spPr>
           <a:xfrm>
-            <a:off x="10973577" y="4513439"/>
+            <a:off x="10973577" y="5162695"/>
             <a:ext cx="209687" cy="127249"/>
           </a:xfrm>
           <a:prstGeom prst="rect">
@@ -12480,7 +13940,7 @@
         </p:nvCxnSpPr>
         <p:spPr>
           <a:xfrm rot="5400000">
-            <a:off x="12023638" y="4502878"/>
+            <a:off x="12023638" y="5152134"/>
             <a:ext cx="526080" cy="1905651"/>
           </a:xfrm>
           <a:prstGeom prst="bentConnector2">
@@ -12699,7 +14159,7 @@
           <p:spPr>
             <a:xfrm rot="10800000" flipV="1">
               <a:off x="4926751" y="1599099"/>
-              <a:ext cx="2570640" cy="73674"/>
+              <a:ext cx="3052615" cy="79579"/>
             </a:xfrm>
             <a:prstGeom prst="rect">
               <a:avLst/>
@@ -13213,8 +14673,8 @@
         </p:nvSpPr>
         <p:spPr>
           <a:xfrm rot="10800000" flipV="1">
-            <a:off x="951126" y="1409690"/>
-            <a:ext cx="6249769" cy="5791185"/>
+            <a:off x="951125" y="1409690"/>
+            <a:ext cx="7761942" cy="5791185"/>
           </a:xfrm>
           <a:prstGeom prst="rect">
             <a:avLst/>
@@ -13352,8 +14812,8 @@
         </p:nvSpPr>
         <p:spPr>
           <a:xfrm rot="10800000" flipV="1">
-            <a:off x="951344" y="1080196"/>
-            <a:ext cx="6249765" cy="329493"/>
+            <a:off x="951343" y="1080196"/>
+            <a:ext cx="7761723" cy="329493"/>
           </a:xfrm>
           <a:prstGeom prst="rect">
             <a:avLst/>
@@ -13531,7 +14991,7 @@
         </p:nvSpPr>
         <p:spPr>
           <a:xfrm rot="10800000" flipV="1">
-            <a:off x="1498316" y="2851693"/>
+            <a:off x="3024436" y="2851693"/>
             <a:ext cx="2489368" cy="182249"/>
           </a:xfrm>
           <a:prstGeom prst="rect">
@@ -13674,7 +15134,7 @@
         <p:spPr>
           <a:xfrm>
             <a:off x="167802" y="476375"/>
-            <a:ext cx="1900292" cy="335315"/>
+            <a:ext cx="1900292" cy="461665"/>
           </a:xfrm>
           <a:prstGeom prst="rect">
             <a:avLst/>
@@ -13783,7 +15243,7 @@
           <a:p>
             <a:r>
               <a:rPr lang="en-US" altLang="ko-KR" sz="1200" smtClean="0"/>
-              <a:t>aObj : PTCustumDraw</a:t>
+              <a:t>aObj : PTCustomDraw</a:t>
             </a:r>
           </a:p>
           <a:p>
@@ -13802,7 +15262,7 @@
         </p:nvSpPr>
         <p:spPr>
           <a:xfrm rot="10800000" flipV="1">
-            <a:off x="1641563" y="6552803"/>
+            <a:off x="3167683" y="6552803"/>
             <a:ext cx="2160447" cy="230798"/>
           </a:xfrm>
           <a:prstGeom prst="rect">
@@ -13951,7 +15411,7 @@
         </p:nvCxnSpPr>
         <p:spPr>
           <a:xfrm flipH="1">
-            <a:off x="2735571" y="3033942"/>
+            <a:off x="4261691" y="3033942"/>
             <a:ext cx="7429" cy="195394"/>
           </a:xfrm>
           <a:prstGeom prst="straightConnector1">
@@ -13984,7 +15444,7 @@
         </p:nvSpPr>
         <p:spPr>
           <a:xfrm>
-            <a:off x="1928136" y="3249967"/>
+            <a:off x="3454256" y="3249967"/>
             <a:ext cx="1614872" cy="520744"/>
           </a:xfrm>
           <a:prstGeom prst="flowChartDecision">
@@ -14142,7 +15602,7 @@
         </p:nvSpPr>
         <p:spPr>
           <a:xfrm rot="10800000" flipV="1">
-            <a:off x="4248365" y="3698703"/>
+            <a:off x="5774485" y="3698703"/>
             <a:ext cx="2160447" cy="230798"/>
           </a:xfrm>
           <a:prstGeom prst="rect">
@@ -14271,7 +15731,15 @@
                   <a:schemeClr val="tx1"/>
                 </a:solidFill>
               </a:rPr>
-              <a:t>aObj.fY = aObj.fY - 5</a:t>
+              <a:t>aObj.fY = aObj.fY - </a:t>
+            </a:r>
+            <a:r>
+              <a:rPr lang="en-US" altLang="ko-KR" sz="1200" smtClean="0">
+                <a:solidFill>
+                  <a:schemeClr val="tx1"/>
+                </a:solidFill>
+              </a:rPr>
+              <a:t>SPEED</a:t>
             </a:r>
             <a:endParaRPr lang="en-US" altLang="ko-KR" sz="1200" dirty="0" smtClean="0">
               <a:solidFill>
@@ -14289,7 +15757,7 @@
         </p:nvSpPr>
         <p:spPr>
           <a:xfrm rot="10800000" flipV="1">
-            <a:off x="1656286" y="3914727"/>
+            <a:off x="3182406" y="3914727"/>
             <a:ext cx="2160447" cy="230798"/>
           </a:xfrm>
           <a:prstGeom prst="rect">
@@ -14418,7 +15886,15 @@
                   <a:schemeClr val="tx1"/>
                 </a:solidFill>
               </a:rPr>
-              <a:t>aObj.fY = aObj.fY + 5</a:t>
+              <a:t>aObj.fY = aObj.fY + </a:t>
+            </a:r>
+            <a:r>
+              <a:rPr lang="en-US" altLang="ko-KR" sz="1200" smtClean="0">
+                <a:solidFill>
+                  <a:schemeClr val="tx1"/>
+                </a:solidFill>
+              </a:rPr>
+              <a:t>SPEED</a:t>
             </a:r>
             <a:endParaRPr lang="en-US" altLang="ko-KR" sz="1200" dirty="0" smtClean="0">
               <a:solidFill>
@@ -14436,7 +15912,7 @@
         </p:nvSpPr>
         <p:spPr>
           <a:xfrm>
-            <a:off x="1913622" y="4490791"/>
+            <a:off x="3439742" y="4490791"/>
             <a:ext cx="1614872" cy="520744"/>
           </a:xfrm>
           <a:prstGeom prst="flowChartDecision">
@@ -14594,7 +16070,7 @@
         </p:nvSpPr>
         <p:spPr>
           <a:xfrm rot="10800000" flipV="1">
-            <a:off x="4248365" y="4953395"/>
+            <a:off x="5774485" y="4953395"/>
             <a:ext cx="2160447" cy="230798"/>
           </a:xfrm>
           <a:prstGeom prst="rect">
@@ -14723,7 +16199,15 @@
                   <a:schemeClr val="tx1"/>
                 </a:solidFill>
               </a:rPr>
-              <a:t>aObj.fX = aObj.fX -5</a:t>
+              <a:t>aObj.fX = aObj.fX </a:t>
+            </a:r>
+            <a:r>
+              <a:rPr lang="en-US" altLang="ko-KR" sz="1200" smtClean="0">
+                <a:solidFill>
+                  <a:schemeClr val="tx1"/>
+                </a:solidFill>
+              </a:rPr>
+              <a:t>- SPEED</a:t>
             </a:r>
             <a:endParaRPr lang="en-US" altLang="ko-KR" sz="1200" dirty="0" smtClean="0">
               <a:solidFill>
@@ -14741,7 +16225,7 @@
         </p:nvSpPr>
         <p:spPr>
           <a:xfrm rot="10800000" flipV="1">
-            <a:off x="1641772" y="5228675"/>
+            <a:off x="3167892" y="5228675"/>
             <a:ext cx="2160447" cy="230798"/>
           </a:xfrm>
           <a:prstGeom prst="rect">
@@ -14870,7 +16354,15 @@
                   <a:schemeClr val="tx1"/>
                 </a:solidFill>
               </a:rPr>
-              <a:t>aObj.fX = aObj.fX + 5</a:t>
+              <a:t>aObj.fX = aObj.fX + </a:t>
+            </a:r>
+            <a:r>
+              <a:rPr lang="en-US" altLang="ko-KR" sz="1200" smtClean="0">
+                <a:solidFill>
+                  <a:schemeClr val="tx1"/>
+                </a:solidFill>
+              </a:rPr>
+              <a:t>SPEED</a:t>
             </a:r>
             <a:endParaRPr lang="en-US" altLang="ko-KR" sz="1200" dirty="0" smtClean="0">
               <a:solidFill>
@@ -14891,7 +16383,7 @@
         </p:nvCxnSpPr>
         <p:spPr>
           <a:xfrm>
-            <a:off x="3543008" y="3510339"/>
+            <a:off x="5069128" y="3510339"/>
             <a:ext cx="1785580" cy="188364"/>
           </a:xfrm>
           <a:prstGeom prst="bentConnector2">
@@ -14927,7 +16419,7 @@
         </p:nvCxnSpPr>
         <p:spPr>
           <a:xfrm>
-            <a:off x="2735572" y="3770711"/>
+            <a:off x="4261692" y="3770711"/>
             <a:ext cx="937" cy="144016"/>
           </a:xfrm>
           <a:prstGeom prst="straightConnector1">
@@ -14963,7 +16455,7 @@
         </p:nvCxnSpPr>
         <p:spPr>
           <a:xfrm flipH="1">
-            <a:off x="2721058" y="4145525"/>
+            <a:off x="4247178" y="4145525"/>
             <a:ext cx="15451" cy="345266"/>
           </a:xfrm>
           <a:prstGeom prst="straightConnector1">
@@ -14998,7 +16490,7 @@
         </p:nvCxnSpPr>
         <p:spPr>
           <a:xfrm rot="5400000">
-            <a:off x="3858546" y="2799445"/>
+            <a:off x="5384666" y="2799445"/>
             <a:ext cx="339987" cy="2600099"/>
           </a:xfrm>
           <a:prstGeom prst="bentConnector2">
@@ -15034,7 +16526,7 @@
         </p:nvCxnSpPr>
         <p:spPr>
           <a:xfrm>
-            <a:off x="3528494" y="4751163"/>
+            <a:off x="5054614" y="4751163"/>
             <a:ext cx="1800094" cy="202232"/>
           </a:xfrm>
           <a:prstGeom prst="bentConnector2">
@@ -15070,7 +16562,7 @@
         </p:nvCxnSpPr>
         <p:spPr>
           <a:xfrm>
-            <a:off x="2721058" y="5011535"/>
+            <a:off x="4247178" y="5011535"/>
             <a:ext cx="937" cy="217140"/>
           </a:xfrm>
           <a:prstGeom prst="straightConnector1">
@@ -15105,45 +16597,10 @@
         </p:nvCxnSpPr>
         <p:spPr>
           <a:xfrm rot="5400000">
-            <a:off x="3834250" y="4086455"/>
+            <a:off x="5360370" y="4086455"/>
             <a:ext cx="396600" cy="2592077"/>
           </a:xfrm>
           <a:prstGeom prst="bentConnector2">
-            <a:avLst/>
-          </a:prstGeom>
-          <a:ln>
-            <a:tailEnd type="arrow"/>
-          </a:ln>
-        </p:spPr>
-        <p:style>
-          <a:lnRef idx="1">
-            <a:schemeClr val="accent1"/>
-          </a:lnRef>
-          <a:fillRef idx="0">
-            <a:schemeClr val="accent1"/>
-          </a:fillRef>
-          <a:effectRef idx="0">
-            <a:schemeClr val="accent1"/>
-          </a:effectRef>
-          <a:fontRef idx="minor">
-            <a:schemeClr val="tx1"/>
-          </a:fontRef>
-        </p:style>
-      </p:cxnSp>
-      <p:cxnSp>
-        <p:nvCxnSpPr>
-          <p:cNvPr id="136" name="직선 화살표 연결선 135"/>
-          <p:cNvCxnSpPr>
-            <a:stCxn id="82" idx="2"/>
-          </p:cNvCxnSpPr>
-          <p:nvPr/>
-        </p:nvCxnSpPr>
-        <p:spPr>
-          <a:xfrm flipH="1">
-            <a:off x="2721058" y="6783601"/>
-            <a:ext cx="728" cy="417274"/>
-          </a:xfrm>
-          <a:prstGeom prst="straightConnector1">
             <a:avLst/>
           </a:prstGeom>
           <a:ln>
@@ -15210,7 +16667,7 @@
         </p:nvCxnSpPr>
         <p:spPr>
           <a:xfrm>
-            <a:off x="2721995" y="5459473"/>
+            <a:off x="4248115" y="5459473"/>
             <a:ext cx="0" cy="445258"/>
           </a:xfrm>
           <a:prstGeom prst="straightConnector1">
@@ -15382,14 +16839,13 @@
           <p:cNvPr id="167" name="직선 화살표 연결선 166"/>
           <p:cNvCxnSpPr>
             <a:stCxn id="104" idx="2"/>
-            <a:endCxn id="62" idx="0"/>
           </p:cNvCxnSpPr>
           <p:nvPr/>
         </p:nvCxnSpPr>
         <p:spPr>
-          <a:xfrm>
-            <a:off x="2743000" y="2587843"/>
-            <a:ext cx="0" cy="263850"/>
+          <a:xfrm flipH="1">
+            <a:off x="2736511" y="2587843"/>
+            <a:ext cx="6489" cy="4613032"/>
           </a:xfrm>
           <a:prstGeom prst="straightConnector1">
             <a:avLst/>
@@ -15415,154 +16871,13 @@
       </p:cxnSp>
       <p:sp>
         <p:nvSpPr>
-          <p:cNvPr id="56" name="직사각형 55"/>
-          <p:cNvSpPr/>
-          <p:nvPr/>
-        </p:nvSpPr>
-        <p:spPr>
-          <a:xfrm>
-            <a:off x="13256219" y="148909"/>
-            <a:ext cx="1073473" cy="646331"/>
-          </a:xfrm>
-          <a:prstGeom prst="rect">
-            <a:avLst/>
-          </a:prstGeom>
-        </p:spPr>
-        <p:txBody>
-          <a:bodyPr wrap="square" lIns="0" tIns="0" rIns="0" bIns="0">
-            <a:spAutoFit/>
-          </a:bodyPr>
-          <a:lstStyle>
-            <a:defPPr>
-              <a:defRPr lang="ko-KR"/>
-            </a:defPPr>
-            <a:lvl1pPr marL="0" algn="l" defTabSz="914400" rtl="0" eaLnBrk="1" latinLnBrk="1" hangingPunct="1">
-              <a:defRPr sz="1800" kern="1200">
-                <a:solidFill>
-                  <a:schemeClr val="tx1"/>
-                </a:solidFill>
-                <a:latin typeface="+mn-lt"/>
-                <a:ea typeface="+mn-ea"/>
-                <a:cs typeface="+mn-cs"/>
-              </a:defRPr>
-            </a:lvl1pPr>
-            <a:lvl2pPr marL="457200" algn="l" defTabSz="914400" rtl="0" eaLnBrk="1" latinLnBrk="1" hangingPunct="1">
-              <a:defRPr sz="1800" kern="1200">
-                <a:solidFill>
-                  <a:schemeClr val="tx1"/>
-                </a:solidFill>
-                <a:latin typeface="+mn-lt"/>
-                <a:ea typeface="+mn-ea"/>
-                <a:cs typeface="+mn-cs"/>
-              </a:defRPr>
-            </a:lvl2pPr>
-            <a:lvl3pPr marL="914400" algn="l" defTabSz="914400" rtl="0" eaLnBrk="1" latinLnBrk="1" hangingPunct="1">
-              <a:defRPr sz="1800" kern="1200">
-                <a:solidFill>
-                  <a:schemeClr val="tx1"/>
-                </a:solidFill>
-                <a:latin typeface="+mn-lt"/>
-                <a:ea typeface="+mn-ea"/>
-                <a:cs typeface="+mn-cs"/>
-              </a:defRPr>
-            </a:lvl3pPr>
-            <a:lvl4pPr marL="1371600" algn="l" defTabSz="914400" rtl="0" eaLnBrk="1" latinLnBrk="1" hangingPunct="1">
-              <a:defRPr sz="1800" kern="1200">
-                <a:solidFill>
-                  <a:schemeClr val="tx1"/>
-                </a:solidFill>
-                <a:latin typeface="+mn-lt"/>
-                <a:ea typeface="+mn-ea"/>
-                <a:cs typeface="+mn-cs"/>
-              </a:defRPr>
-            </a:lvl4pPr>
-            <a:lvl5pPr marL="1828800" algn="l" defTabSz="914400" rtl="0" eaLnBrk="1" latinLnBrk="1" hangingPunct="1">
-              <a:defRPr sz="1800" kern="1200">
-                <a:solidFill>
-                  <a:schemeClr val="tx1"/>
-                </a:solidFill>
-                <a:latin typeface="+mn-lt"/>
-                <a:ea typeface="+mn-ea"/>
-                <a:cs typeface="+mn-cs"/>
-              </a:defRPr>
-            </a:lvl5pPr>
-            <a:lvl6pPr marL="2286000" algn="l" defTabSz="914400" rtl="0" eaLnBrk="1" latinLnBrk="1" hangingPunct="1">
-              <a:defRPr sz="1800" kern="1200">
-                <a:solidFill>
-                  <a:schemeClr val="tx1"/>
-                </a:solidFill>
-                <a:latin typeface="+mn-lt"/>
-                <a:ea typeface="+mn-ea"/>
-                <a:cs typeface="+mn-cs"/>
-              </a:defRPr>
-            </a:lvl6pPr>
-            <a:lvl7pPr marL="2743200" algn="l" defTabSz="914400" rtl="0" eaLnBrk="1" latinLnBrk="1" hangingPunct="1">
-              <a:defRPr sz="1800" kern="1200">
-                <a:solidFill>
-                  <a:schemeClr val="tx1"/>
-                </a:solidFill>
-                <a:latin typeface="+mn-lt"/>
-                <a:ea typeface="+mn-ea"/>
-                <a:cs typeface="+mn-cs"/>
-              </a:defRPr>
-            </a:lvl7pPr>
-            <a:lvl8pPr marL="3200400" algn="l" defTabSz="914400" rtl="0" eaLnBrk="1" latinLnBrk="1" hangingPunct="1">
-              <a:defRPr sz="1800" kern="1200">
-                <a:solidFill>
-                  <a:schemeClr val="tx1"/>
-                </a:solidFill>
-                <a:latin typeface="+mn-lt"/>
-                <a:ea typeface="+mn-ea"/>
-                <a:cs typeface="+mn-cs"/>
-              </a:defRPr>
-            </a:lvl8pPr>
-            <a:lvl9pPr marL="3657600" algn="l" defTabSz="914400" rtl="0" eaLnBrk="1" latinLnBrk="1" hangingPunct="1">
-              <a:defRPr sz="1800" kern="1200">
-                <a:solidFill>
-                  <a:schemeClr val="tx1"/>
-                </a:solidFill>
-                <a:latin typeface="+mn-lt"/>
-                <a:ea typeface="+mn-ea"/>
-                <a:cs typeface="+mn-cs"/>
-              </a:defRPr>
-            </a:lvl9pPr>
-          </a:lstStyle>
-          <a:p>
-            <a:r>
-              <a:rPr lang="en-US" altLang="ko-KR" sz="1050" smtClean="0"/>
-              <a:t>fTimer = TTimer</a:t>
-            </a:r>
-          </a:p>
-          <a:p>
-            <a:r>
-              <a:rPr lang="en-US" altLang="ko-KR" sz="1050" smtClean="0"/>
-              <a:t>fObjList = TList</a:t>
-            </a:r>
-          </a:p>
-          <a:p>
-            <a:r>
-              <a:rPr lang="en-US" altLang="ko-KR" sz="1050" smtClean="0"/>
-              <a:t>fColor = Int</a:t>
-            </a:r>
-          </a:p>
-          <a:p>
-            <a:r>
-              <a:rPr lang="en-US" altLang="ko-KR" sz="1050" smtClean="0"/>
-              <a:t>fInterval = Int</a:t>
-            </a:r>
-            <a:endParaRPr lang="en-US" altLang="ko-KR" sz="1050" dirty="0"/>
-          </a:p>
-        </p:txBody>
-      </p:sp>
-      <p:sp>
-        <p:nvSpPr>
           <p:cNvPr id="68" name="직사각형 67"/>
           <p:cNvSpPr/>
           <p:nvPr/>
         </p:nvSpPr>
         <p:spPr>
           <a:xfrm rot="10800000" flipV="1">
-            <a:off x="1641563" y="5904731"/>
+            <a:off x="3167683" y="5904731"/>
             <a:ext cx="2160447" cy="230798"/>
           </a:xfrm>
           <a:prstGeom prst="rect">
@@ -15691,7 +17006,7 @@
                   <a:schemeClr val="tx1"/>
                 </a:solidFill>
               </a:rPr>
-              <a:t>CheckHit(i)</a:t>
+              <a:t>CheckCrash(i)</a:t>
             </a:r>
             <a:endParaRPr lang="en-US" altLang="ko-KR" sz="1200" dirty="0" smtClean="0">
               <a:solidFill>
@@ -15712,7 +17027,7 @@
         </p:nvCxnSpPr>
         <p:spPr>
           <a:xfrm>
-            <a:off x="2721786" y="6135529"/>
+            <a:off x="4247906" y="6135529"/>
             <a:ext cx="0" cy="417274"/>
           </a:xfrm>
           <a:prstGeom prst="straightConnector1">
@@ -15745,7 +17060,7 @@
         </p:nvSpPr>
         <p:spPr>
           <a:xfrm>
-            <a:off x="3266304" y="3229336"/>
+            <a:off x="4792424" y="3229336"/>
             <a:ext cx="276704" cy="127249"/>
           </a:xfrm>
           <a:prstGeom prst="rect">
@@ -15869,7 +17184,7 @@
         </p:nvSpPr>
         <p:spPr>
           <a:xfrm>
-            <a:off x="2310693" y="3672483"/>
+            <a:off x="3836813" y="3672483"/>
             <a:ext cx="209687" cy="127249"/>
           </a:xfrm>
           <a:prstGeom prst="rect">
@@ -15993,7 +17308,7 @@
         </p:nvSpPr>
         <p:spPr>
           <a:xfrm>
-            <a:off x="3266304" y="4510248"/>
+            <a:off x="4792424" y="4510248"/>
             <a:ext cx="276704" cy="127249"/>
           </a:xfrm>
           <a:prstGeom prst="rect">
@@ -16117,7 +17432,7 @@
         </p:nvSpPr>
         <p:spPr>
           <a:xfrm>
-            <a:off x="2310693" y="4953395"/>
+            <a:off x="3836813" y="4953395"/>
             <a:ext cx="209687" cy="127249"/>
           </a:xfrm>
           <a:prstGeom prst="rect">
@@ -16370,7 +17685,7 @@
                   <a:schemeClr val="tx1"/>
                 </a:solidFill>
               </a:rPr>
-              <a:t>aObj = null</a:t>
+              <a:t>aObj &lt;&gt; null</a:t>
             </a:r>
             <a:endParaRPr lang="ko-KR" altLang="en-US" sz="1200" dirty="0">
               <a:solidFill>
@@ -16666,20 +17981,24 @@
       </p:sp>
       <p:cxnSp>
         <p:nvCxnSpPr>
-          <p:cNvPr id="151" name="Shape 150"/>
+          <p:cNvPr id="49" name="Shape 48"/>
           <p:cNvCxnSpPr>
-            <a:stCxn id="62" idx="1"/>
+            <a:stCxn id="104" idx="3"/>
+            <a:endCxn id="62" idx="0"/>
           </p:cNvCxnSpPr>
           <p:nvPr/>
         </p:nvCxnSpPr>
         <p:spPr>
           <a:xfrm>
-            <a:off x="3987684" y="2942818"/>
-            <a:ext cx="2781168" cy="4042033"/>
+            <a:off x="3550436" y="2327471"/>
+            <a:ext cx="718684" cy="524222"/>
           </a:xfrm>
           <a:prstGeom prst="bentConnector2">
             <a:avLst/>
           </a:prstGeom>
+          <a:ln>
+            <a:tailEnd type="arrow"/>
+          </a:ln>
         </p:spPr>
         <p:style>
           <a:lnRef idx="1">
@@ -16698,16 +18017,18 @@
       </p:cxnSp>
       <p:cxnSp>
         <p:nvCxnSpPr>
-          <p:cNvPr id="155" name="직선 화살표 연결선 154"/>
-          <p:cNvCxnSpPr/>
+          <p:cNvPr id="57" name="Shape 56"/>
+          <p:cNvCxnSpPr>
+            <a:stCxn id="82" idx="2"/>
+          </p:cNvCxnSpPr>
           <p:nvPr/>
         </p:nvCxnSpPr>
         <p:spPr>
-          <a:xfrm flipH="1">
-            <a:off x="2728491" y="6984851"/>
-            <a:ext cx="4040362" cy="0"/>
+          <a:xfrm rot="5400000">
+            <a:off x="3394828" y="6131773"/>
+            <a:ext cx="201250" cy="1504906"/>
           </a:xfrm>
-          <a:prstGeom prst="straightConnector1">
+          <a:prstGeom prst="bentConnector2">
             <a:avLst/>
           </a:prstGeom>
           <a:ln>
@@ -16729,6 +18050,177 @@
           </a:fontRef>
         </p:style>
       </p:cxnSp>
+      <p:sp>
+        <p:nvSpPr>
+          <p:cNvPr id="46" name="직사각형 45"/>
+          <p:cNvSpPr/>
+          <p:nvPr/>
+        </p:nvSpPr>
+        <p:spPr>
+          <a:xfrm>
+            <a:off x="12182746" y="72083"/>
+            <a:ext cx="2219054" cy="1131079"/>
+          </a:xfrm>
+          <a:prstGeom prst="rect">
+            <a:avLst/>
+          </a:prstGeom>
+        </p:spPr>
+        <p:txBody>
+          <a:bodyPr wrap="square" lIns="0" tIns="0" rIns="0" bIns="0">
+            <a:spAutoFit/>
+          </a:bodyPr>
+          <a:lstStyle>
+            <a:defPPr>
+              <a:defRPr lang="ko-KR"/>
+            </a:defPPr>
+            <a:lvl1pPr marL="0" algn="l" defTabSz="914400" rtl="0" eaLnBrk="1" latinLnBrk="1" hangingPunct="1">
+              <a:defRPr sz="1800" kern="1200">
+                <a:solidFill>
+                  <a:schemeClr val="tx1"/>
+                </a:solidFill>
+                <a:latin typeface="+mn-lt"/>
+                <a:ea typeface="+mn-ea"/>
+                <a:cs typeface="+mn-cs"/>
+              </a:defRPr>
+            </a:lvl1pPr>
+            <a:lvl2pPr marL="457200" algn="l" defTabSz="914400" rtl="0" eaLnBrk="1" latinLnBrk="1" hangingPunct="1">
+              <a:defRPr sz="1800" kern="1200">
+                <a:solidFill>
+                  <a:schemeClr val="tx1"/>
+                </a:solidFill>
+                <a:latin typeface="+mn-lt"/>
+                <a:ea typeface="+mn-ea"/>
+                <a:cs typeface="+mn-cs"/>
+              </a:defRPr>
+            </a:lvl2pPr>
+            <a:lvl3pPr marL="914400" algn="l" defTabSz="914400" rtl="0" eaLnBrk="1" latinLnBrk="1" hangingPunct="1">
+              <a:defRPr sz="1800" kern="1200">
+                <a:solidFill>
+                  <a:schemeClr val="tx1"/>
+                </a:solidFill>
+                <a:latin typeface="+mn-lt"/>
+                <a:ea typeface="+mn-ea"/>
+                <a:cs typeface="+mn-cs"/>
+              </a:defRPr>
+            </a:lvl3pPr>
+            <a:lvl4pPr marL="1371600" algn="l" defTabSz="914400" rtl="0" eaLnBrk="1" latinLnBrk="1" hangingPunct="1">
+              <a:defRPr sz="1800" kern="1200">
+                <a:solidFill>
+                  <a:schemeClr val="tx1"/>
+                </a:solidFill>
+                <a:latin typeface="+mn-lt"/>
+                <a:ea typeface="+mn-ea"/>
+                <a:cs typeface="+mn-cs"/>
+              </a:defRPr>
+            </a:lvl4pPr>
+            <a:lvl5pPr marL="1828800" algn="l" defTabSz="914400" rtl="0" eaLnBrk="1" latinLnBrk="1" hangingPunct="1">
+              <a:defRPr sz="1800" kern="1200">
+                <a:solidFill>
+                  <a:schemeClr val="tx1"/>
+                </a:solidFill>
+                <a:latin typeface="+mn-lt"/>
+                <a:ea typeface="+mn-ea"/>
+                <a:cs typeface="+mn-cs"/>
+              </a:defRPr>
+            </a:lvl5pPr>
+            <a:lvl6pPr marL="2286000" algn="l" defTabSz="914400" rtl="0" eaLnBrk="1" latinLnBrk="1" hangingPunct="1">
+              <a:defRPr sz="1800" kern="1200">
+                <a:solidFill>
+                  <a:schemeClr val="tx1"/>
+                </a:solidFill>
+                <a:latin typeface="+mn-lt"/>
+                <a:ea typeface="+mn-ea"/>
+                <a:cs typeface="+mn-cs"/>
+              </a:defRPr>
+            </a:lvl6pPr>
+            <a:lvl7pPr marL="2743200" algn="l" defTabSz="914400" rtl="0" eaLnBrk="1" latinLnBrk="1" hangingPunct="1">
+              <a:defRPr sz="1800" kern="1200">
+                <a:solidFill>
+                  <a:schemeClr val="tx1"/>
+                </a:solidFill>
+                <a:latin typeface="+mn-lt"/>
+                <a:ea typeface="+mn-ea"/>
+                <a:cs typeface="+mn-cs"/>
+              </a:defRPr>
+            </a:lvl7pPr>
+            <a:lvl8pPr marL="3200400" algn="l" defTabSz="914400" rtl="0" eaLnBrk="1" latinLnBrk="1" hangingPunct="1">
+              <a:defRPr sz="1800" kern="1200">
+                <a:solidFill>
+                  <a:schemeClr val="tx1"/>
+                </a:solidFill>
+                <a:latin typeface="+mn-lt"/>
+                <a:ea typeface="+mn-ea"/>
+                <a:cs typeface="+mn-cs"/>
+              </a:defRPr>
+            </a:lvl8pPr>
+            <a:lvl9pPr marL="3657600" algn="l" defTabSz="914400" rtl="0" eaLnBrk="1" latinLnBrk="1" hangingPunct="1">
+              <a:defRPr sz="1800" kern="1200">
+                <a:solidFill>
+                  <a:schemeClr val="tx1"/>
+                </a:solidFill>
+                <a:latin typeface="+mn-lt"/>
+                <a:ea typeface="+mn-ea"/>
+                <a:cs typeface="+mn-cs"/>
+              </a:defRPr>
+            </a:lvl9pPr>
+          </a:lstStyle>
+          <a:p>
+            <a:r>
+              <a:rPr lang="en-US" altLang="ko-KR" sz="1050" smtClean="0"/>
+              <a:t>fTimer = TTimer(interval = 41)</a:t>
+            </a:r>
+          </a:p>
+          <a:p>
+            <a:r>
+              <a:rPr lang="en-US" altLang="ko-KR" sz="1050" smtClean="0"/>
+              <a:t>fObjList = TList</a:t>
+            </a:r>
+          </a:p>
+          <a:p>
+            <a:r>
+              <a:rPr lang="en-US" altLang="ko-KR" sz="1050" smtClean="0"/>
+              <a:t>fColor = Int</a:t>
+            </a:r>
+          </a:p>
+          <a:p>
+            <a:r>
+              <a:rPr lang="en-US" altLang="ko-KR" sz="1050" smtClean="0"/>
+              <a:t>fInterval = </a:t>
+            </a:r>
+            <a:r>
+              <a:rPr lang="en-US" altLang="ko-KR" sz="1050" smtClean="0"/>
+              <a:t>Int</a:t>
+            </a:r>
+          </a:p>
+          <a:p>
+            <a:r>
+              <a:rPr lang="en-US" altLang="ko-KR" sz="1050" smtClean="0"/>
+              <a:t>fSize = Int</a:t>
+            </a:r>
+          </a:p>
+          <a:p>
+            <a:r>
+              <a:rPr lang="en-US" altLang="ko-KR" sz="1050" smtClean="0"/>
+              <a:t>Shape = String</a:t>
+            </a:r>
+          </a:p>
+          <a:p>
+            <a:r>
+              <a:rPr lang="en-US" altLang="ko-KR" sz="1050" smtClean="0"/>
+              <a:t>define SPEED </a:t>
+            </a:r>
+            <a:r>
+              <a:rPr lang="en-US" altLang="ko-KR" sz="1050" smtClean="0"/>
+              <a:t>= </a:t>
+            </a:r>
+            <a:r>
+              <a:rPr lang="en-US" altLang="ko-KR" sz="1050" smtClean="0"/>
+              <a:t>5</a:t>
+            </a:r>
+            <a:endParaRPr lang="en-US" altLang="ko-KR" sz="1050" smtClean="0"/>
+          </a:p>
+        </p:txBody>
+      </p:sp>
     </p:spTree>
   </p:cSld>
   <p:clrMapOvr>
@@ -17054,13 +18546,8 @@
                     <a:schemeClr val="tx1"/>
                   </a:solidFill>
                 </a:rPr>
-                <a:t>CheckHit(aIndex : Int)</a:t>
+                <a:t>CheckCrash(aIndex : Int)</a:t>
               </a:r>
-              <a:endParaRPr lang="en-US" altLang="ko-KR" sz="1200" smtClean="0">
-                <a:solidFill>
-                  <a:schemeClr val="tx1"/>
-                </a:solidFill>
-              </a:endParaRPr>
             </a:p>
           </p:txBody>
         </p:sp>
@@ -17216,15 +18703,14 @@
         <p:nvCxnSpPr>
           <p:cNvPr id="244" name="직선 화살표 연결선 243"/>
           <p:cNvCxnSpPr>
-            <a:stCxn id="94" idx="2"/>
             <a:endCxn id="221" idx="0"/>
           </p:cNvCxnSpPr>
           <p:nvPr/>
         </p:nvCxnSpPr>
         <p:spPr>
-          <a:xfrm flipH="1">
-            <a:off x="4648617" y="9937179"/>
-            <a:ext cx="3458" cy="225556"/>
+          <a:xfrm>
+            <a:off x="4648493" y="9937179"/>
+            <a:ext cx="124" cy="225556"/>
           </a:xfrm>
           <a:prstGeom prst="straightConnector1">
             <a:avLst/>
@@ -17256,8 +18742,8 @@
         </p:nvSpPr>
         <p:spPr>
           <a:xfrm rot="10800000" flipV="1">
-            <a:off x="663091" y="5400675"/>
-            <a:ext cx="7977969" cy="4536504"/>
+            <a:off x="663090" y="5400675"/>
+            <a:ext cx="9202105" cy="4536504"/>
           </a:xfrm>
           <a:prstGeom prst="rect">
             <a:avLst/>
@@ -17395,8 +18881,8 @@
         </p:nvSpPr>
         <p:spPr>
           <a:xfrm rot="10800000" flipV="1">
-            <a:off x="663310" y="5071181"/>
-            <a:ext cx="7977749" cy="329493"/>
+            <a:off x="663309" y="5071181"/>
+            <a:ext cx="9201851" cy="329493"/>
           </a:xfrm>
           <a:prstGeom prst="rect">
             <a:avLst/>
@@ -17574,8 +19060,8 @@
         </p:nvSpPr>
         <p:spPr>
           <a:xfrm>
-            <a:off x="167802" y="476376"/>
-            <a:ext cx="1704506" cy="461665"/>
+            <a:off x="167801" y="476376"/>
+            <a:ext cx="2216341" cy="646331"/>
           </a:xfrm>
           <a:prstGeom prst="rect">
             <a:avLst/>
@@ -17690,15 +19176,17 @@
           <a:p>
             <a:r>
               <a:rPr lang="en-US" altLang="ko-KR" sz="1200" smtClean="0"/>
-              <a:t>aObj </a:t>
+              <a:t>aObj : </a:t>
             </a:r>
             <a:r>
               <a:rPr lang="en-US" altLang="ko-KR" sz="1200" smtClean="0"/>
-              <a:t>: </a:t>
+              <a:t>PTCustomDraw</a:t>
             </a:r>
+          </a:p>
+          <a:p>
             <a:r>
               <a:rPr lang="en-US" altLang="ko-KR" sz="1200" smtClean="0"/>
-              <a:t>PTCustumDraw</a:t>
+              <a:t>aOtherObj : PTcustomDraw</a:t>
             </a:r>
             <a:endParaRPr lang="en-US" altLang="ko-KR" sz="1200" smtClean="0"/>
           </a:p>
@@ -17712,7 +19200,7 @@
         </p:nvSpPr>
         <p:spPr>
           <a:xfrm rot="10800000" flipV="1">
-            <a:off x="5650633" y="8453628"/>
+            <a:off x="7162801" y="8453628"/>
             <a:ext cx="2160447" cy="475440"/>
           </a:xfrm>
           <a:prstGeom prst="rect">
@@ -17852,178 +19340,8 @@
                   <a:schemeClr val="tx1"/>
                 </a:solidFill>
               </a:rPr>
-              <a:t>aObj.fLeft </a:t>
+              <a:t>aObj.fLeft = !aObj.fLeft</a:t>
             </a:r>
-            <a:r>
-              <a:rPr lang="en-US" altLang="ko-KR" sz="1200" smtClean="0">
-                <a:solidFill>
-                  <a:schemeClr val="tx1"/>
-                </a:solidFill>
-              </a:rPr>
-              <a:t>= </a:t>
-            </a:r>
-            <a:r>
-              <a:rPr lang="en-US" altLang="ko-KR" sz="1200" smtClean="0">
-                <a:solidFill>
-                  <a:schemeClr val="tx1"/>
-                </a:solidFill>
-              </a:rPr>
-              <a:t>!</a:t>
-            </a:r>
-            <a:r>
-              <a:rPr lang="en-US" altLang="ko-KR" sz="1200" smtClean="0">
-                <a:solidFill>
-                  <a:schemeClr val="tx1"/>
-                </a:solidFill>
-              </a:rPr>
-              <a:t>aObj.fLeft</a:t>
-            </a:r>
-            <a:endParaRPr lang="en-US" altLang="ko-KR" sz="1200" smtClean="0">
-              <a:solidFill>
-                <a:schemeClr val="tx1"/>
-              </a:solidFill>
-            </a:endParaRPr>
-          </a:p>
-        </p:txBody>
-      </p:sp>
-      <p:sp>
-        <p:nvSpPr>
-          <p:cNvPr id="56" name="직사각형 55"/>
-          <p:cNvSpPr/>
-          <p:nvPr/>
-        </p:nvSpPr>
-        <p:spPr>
-          <a:xfrm>
-            <a:off x="13256219" y="148909"/>
-            <a:ext cx="1073473" cy="646331"/>
-          </a:xfrm>
-          <a:prstGeom prst="rect">
-            <a:avLst/>
-          </a:prstGeom>
-        </p:spPr>
-        <p:txBody>
-          <a:bodyPr wrap="square" lIns="0" tIns="0" rIns="0" bIns="0">
-            <a:spAutoFit/>
-          </a:bodyPr>
-          <a:lstStyle>
-            <a:defPPr>
-              <a:defRPr lang="ko-KR"/>
-            </a:defPPr>
-            <a:lvl1pPr marL="0" algn="l" defTabSz="914400" rtl="0" eaLnBrk="1" latinLnBrk="1" hangingPunct="1">
-              <a:defRPr sz="1800" kern="1200">
-                <a:solidFill>
-                  <a:schemeClr val="tx1"/>
-                </a:solidFill>
-                <a:latin typeface="+mn-lt"/>
-                <a:ea typeface="+mn-ea"/>
-                <a:cs typeface="+mn-cs"/>
-              </a:defRPr>
-            </a:lvl1pPr>
-            <a:lvl2pPr marL="457200" algn="l" defTabSz="914400" rtl="0" eaLnBrk="1" latinLnBrk="1" hangingPunct="1">
-              <a:defRPr sz="1800" kern="1200">
-                <a:solidFill>
-                  <a:schemeClr val="tx1"/>
-                </a:solidFill>
-                <a:latin typeface="+mn-lt"/>
-                <a:ea typeface="+mn-ea"/>
-                <a:cs typeface="+mn-cs"/>
-              </a:defRPr>
-            </a:lvl2pPr>
-            <a:lvl3pPr marL="914400" algn="l" defTabSz="914400" rtl="0" eaLnBrk="1" latinLnBrk="1" hangingPunct="1">
-              <a:defRPr sz="1800" kern="1200">
-                <a:solidFill>
-                  <a:schemeClr val="tx1"/>
-                </a:solidFill>
-                <a:latin typeface="+mn-lt"/>
-                <a:ea typeface="+mn-ea"/>
-                <a:cs typeface="+mn-cs"/>
-              </a:defRPr>
-            </a:lvl3pPr>
-            <a:lvl4pPr marL="1371600" algn="l" defTabSz="914400" rtl="0" eaLnBrk="1" latinLnBrk="1" hangingPunct="1">
-              <a:defRPr sz="1800" kern="1200">
-                <a:solidFill>
-                  <a:schemeClr val="tx1"/>
-                </a:solidFill>
-                <a:latin typeface="+mn-lt"/>
-                <a:ea typeface="+mn-ea"/>
-                <a:cs typeface="+mn-cs"/>
-              </a:defRPr>
-            </a:lvl4pPr>
-            <a:lvl5pPr marL="1828800" algn="l" defTabSz="914400" rtl="0" eaLnBrk="1" latinLnBrk="1" hangingPunct="1">
-              <a:defRPr sz="1800" kern="1200">
-                <a:solidFill>
-                  <a:schemeClr val="tx1"/>
-                </a:solidFill>
-                <a:latin typeface="+mn-lt"/>
-                <a:ea typeface="+mn-ea"/>
-                <a:cs typeface="+mn-cs"/>
-              </a:defRPr>
-            </a:lvl5pPr>
-            <a:lvl6pPr marL="2286000" algn="l" defTabSz="914400" rtl="0" eaLnBrk="1" latinLnBrk="1" hangingPunct="1">
-              <a:defRPr sz="1800" kern="1200">
-                <a:solidFill>
-                  <a:schemeClr val="tx1"/>
-                </a:solidFill>
-                <a:latin typeface="+mn-lt"/>
-                <a:ea typeface="+mn-ea"/>
-                <a:cs typeface="+mn-cs"/>
-              </a:defRPr>
-            </a:lvl6pPr>
-            <a:lvl7pPr marL="2743200" algn="l" defTabSz="914400" rtl="0" eaLnBrk="1" latinLnBrk="1" hangingPunct="1">
-              <a:defRPr sz="1800" kern="1200">
-                <a:solidFill>
-                  <a:schemeClr val="tx1"/>
-                </a:solidFill>
-                <a:latin typeface="+mn-lt"/>
-                <a:ea typeface="+mn-ea"/>
-                <a:cs typeface="+mn-cs"/>
-              </a:defRPr>
-            </a:lvl7pPr>
-            <a:lvl8pPr marL="3200400" algn="l" defTabSz="914400" rtl="0" eaLnBrk="1" latinLnBrk="1" hangingPunct="1">
-              <a:defRPr sz="1800" kern="1200">
-                <a:solidFill>
-                  <a:schemeClr val="tx1"/>
-                </a:solidFill>
-                <a:latin typeface="+mn-lt"/>
-                <a:ea typeface="+mn-ea"/>
-                <a:cs typeface="+mn-cs"/>
-              </a:defRPr>
-            </a:lvl8pPr>
-            <a:lvl9pPr marL="3657600" algn="l" defTabSz="914400" rtl="0" eaLnBrk="1" latinLnBrk="1" hangingPunct="1">
-              <a:defRPr sz="1800" kern="1200">
-                <a:solidFill>
-                  <a:schemeClr val="tx1"/>
-                </a:solidFill>
-                <a:latin typeface="+mn-lt"/>
-                <a:ea typeface="+mn-ea"/>
-                <a:cs typeface="+mn-cs"/>
-              </a:defRPr>
-            </a:lvl9pPr>
-          </a:lstStyle>
-          <a:p>
-            <a:r>
-              <a:rPr lang="en-US" altLang="ko-KR" sz="1050" smtClean="0"/>
-              <a:t>fTimer = TTimer</a:t>
-            </a:r>
-          </a:p>
-          <a:p>
-            <a:r>
-              <a:rPr lang="en-US" altLang="ko-KR" sz="1050" smtClean="0"/>
-              <a:t>fObjList = TList</a:t>
-            </a:r>
-          </a:p>
-          <a:p>
-            <a:r>
-              <a:rPr lang="en-US" altLang="ko-KR" sz="1050" smtClean="0"/>
-              <a:t>fColor = Int</a:t>
-            </a:r>
-          </a:p>
-          <a:p>
-            <a:r>
-              <a:rPr lang="en-US" altLang="ko-KR" sz="1050" smtClean="0"/>
-              <a:t>fInterval = Int</a:t>
-            </a:r>
-            <a:endParaRPr lang="en-US" altLang="ko-KR" sz="1050" dirty="0"/>
           </a:p>
         </p:txBody>
       </p:sp>
@@ -18311,21 +19629,8 @@
                   <a:schemeClr val="tx1"/>
                 </a:solidFill>
               </a:rPr>
-              <a:t>aObj = </a:t>
+              <a:t>aObj = fObjList[aIndex]</a:t>
             </a:r>
-            <a:r>
-              <a:rPr lang="en-US" altLang="ko-KR" sz="1200" smtClean="0">
-                <a:solidFill>
-                  <a:schemeClr val="tx1"/>
-                </a:solidFill>
-              </a:rPr>
-              <a:t>fObjList[aIndex]</a:t>
-            </a:r>
-            <a:endParaRPr lang="en-US" altLang="ko-KR" sz="1200" smtClean="0">
-              <a:solidFill>
-                <a:schemeClr val="tx1"/>
-              </a:solidFill>
-            </a:endParaRPr>
           </a:p>
         </p:txBody>
       </p:sp>
@@ -18337,8 +19642,8 @@
         </p:nvSpPr>
         <p:spPr>
           <a:xfrm>
-            <a:off x="1204638" y="6392099"/>
-            <a:ext cx="3054612" cy="520744"/>
+            <a:off x="3004188" y="6392099"/>
+            <a:ext cx="2479848" cy="520744"/>
           </a:xfrm>
           <a:prstGeom prst="flowChartDecision">
             <a:avLst/>
@@ -18468,11 +19773,6 @@
               </a:rPr>
               <a:t>aIndex &lt;&gt; i </a:t>
             </a:r>
-            <a:endParaRPr lang="en-US" altLang="ko-KR" sz="1200" smtClean="0">
-              <a:solidFill>
-                <a:schemeClr val="tx1"/>
-              </a:solidFill>
-            </a:endParaRPr>
           </a:p>
         </p:txBody>
       </p:sp>
@@ -18484,7 +19784,7 @@
         </p:nvSpPr>
         <p:spPr>
           <a:xfrm>
-            <a:off x="4189060" y="7560915"/>
+            <a:off x="5701228" y="7560915"/>
             <a:ext cx="2541692" cy="664760"/>
           </a:xfrm>
           <a:prstGeom prst="flowChartDecision">
@@ -18613,7 +19913,15 @@
                   <a:schemeClr val="tx1"/>
                 </a:solidFill>
               </a:rPr>
-              <a:t>aDist &lt; aObj.Size + fObjList[i].Size</a:t>
+              <a:t>aDist &lt; aObj.Size + fObjList[i</a:t>
+            </a:r>
+            <a:r>
+              <a:rPr lang="en-US" altLang="ko-KR" sz="1200" smtClean="0">
+                <a:solidFill>
+                  <a:schemeClr val="tx1"/>
+                </a:solidFill>
+              </a:rPr>
+              <a:t>].fSize</a:t>
             </a:r>
             <a:endParaRPr lang="en-US" altLang="ko-KR" sz="1200" smtClean="0">
               <a:solidFill>
@@ -18631,7 +19939,7 @@
         </p:nvSpPr>
         <p:spPr>
           <a:xfrm rot="10800000" flipV="1">
-            <a:off x="3010390" y="6984850"/>
+            <a:off x="4522558" y="6984850"/>
             <a:ext cx="4910590" cy="360041"/>
           </a:xfrm>
           <a:prstGeom prst="rect">
@@ -18760,13 +20068,56 @@
                   <a:schemeClr val="tx1"/>
                 </a:solidFill>
               </a:rPr>
-              <a:t>aDist= Sqrt(Sqr(aObj.fX - fObjList[i]) + Sqr(fXaObj.fY - fObjList[i].fY))</a:t>
+              <a:t>aDist= Sqrt(Sqr(aObj.fX - </a:t>
             </a:r>
-            <a:endParaRPr lang="en-US" altLang="ko-KR" sz="1200" smtClean="0">
-              <a:solidFill>
-                <a:schemeClr val="tx1"/>
-              </a:solidFill>
-            </a:endParaRPr>
+            <a:r>
+              <a:rPr lang="en-US" altLang="ko-KR" sz="1200" smtClean="0">
+                <a:solidFill>
+                  <a:schemeClr val="tx1"/>
+                </a:solidFill>
+              </a:rPr>
+              <a:t>aOtherObj </a:t>
+            </a:r>
+            <a:r>
+              <a:rPr lang="en-US" altLang="ko-KR" sz="1200" smtClean="0">
+                <a:solidFill>
+                  <a:schemeClr val="tx1"/>
+                </a:solidFill>
+              </a:rPr>
+              <a:t>.fX) </a:t>
+            </a:r>
+            <a:r>
+              <a:rPr lang="en-US" altLang="ko-KR" sz="1200" smtClean="0">
+                <a:solidFill>
+                  <a:schemeClr val="tx1"/>
+                </a:solidFill>
+              </a:rPr>
+              <a:t>+ Sqr(aObj.fY - </a:t>
+            </a:r>
+            <a:r>
+              <a:rPr lang="en-US" altLang="ko-KR" sz="1200" smtClean="0">
+                <a:solidFill>
+                  <a:schemeClr val="tx1"/>
+                </a:solidFill>
+              </a:rPr>
+              <a:t>OtherObj </a:t>
+            </a:r>
+            <a:r>
+              <a:rPr lang="en-US" altLang="ko-KR" sz="1200" smtClean="0">
+                <a:solidFill>
+                  <a:schemeClr val="tx1"/>
+                </a:solidFill>
+              </a:rPr>
+              <a:t>.</a:t>
+            </a:r>
+            <a:r>
+              <a:rPr lang="en-US" altLang="ko-KR" sz="1200" smtClean="0">
+                <a:solidFill>
+                  <a:schemeClr val="tx1"/>
+                </a:solidFill>
+              </a:rPr>
+              <a:t>fY))</a:t>
+            </a:r>
           </a:p>
         </p:txBody>
       </p:sp>
@@ -18781,45 +20132,10 @@
         </p:nvCxnSpPr>
         <p:spPr>
           <a:xfrm>
-            <a:off x="4259250" y="6652471"/>
-            <a:ext cx="1206435" cy="332379"/>
+            <a:off x="5484036" y="6652471"/>
+            <a:ext cx="1493817" cy="332379"/>
           </a:xfrm>
           <a:prstGeom prst="bentConnector2">
-            <a:avLst/>
-          </a:prstGeom>
-          <a:ln>
-            <a:tailEnd type="arrow"/>
-          </a:ln>
-        </p:spPr>
-        <p:style>
-          <a:lnRef idx="1">
-            <a:schemeClr val="accent1"/>
-          </a:lnRef>
-          <a:fillRef idx="0">
-            <a:schemeClr val="accent1"/>
-          </a:fillRef>
-          <a:effectRef idx="0">
-            <a:schemeClr val="accent1"/>
-          </a:effectRef>
-          <a:fontRef idx="minor">
-            <a:schemeClr val="tx1"/>
-          </a:fontRef>
-        </p:style>
-      </p:cxnSp>
-      <p:cxnSp>
-        <p:nvCxnSpPr>
-          <p:cNvPr id="153" name="직선 화살표 연결선 152"/>
-          <p:cNvCxnSpPr>
-            <a:stCxn id="112" idx="2"/>
-          </p:cNvCxnSpPr>
-          <p:nvPr/>
-        </p:nvCxnSpPr>
-        <p:spPr>
-          <a:xfrm>
-            <a:off x="2731944" y="6912843"/>
-            <a:ext cx="20874" cy="3024336"/>
-          </a:xfrm>
-          <a:prstGeom prst="straightConnector1">
             <a:avLst/>
           </a:prstGeom>
           <a:ln>
@@ -18852,7 +20168,7 @@
         </p:nvCxnSpPr>
         <p:spPr>
           <a:xfrm flipH="1">
-            <a:off x="5459906" y="7344891"/>
+            <a:off x="6972074" y="7344891"/>
             <a:ext cx="5779" cy="216024"/>
           </a:xfrm>
           <a:prstGeom prst="straightConnector1">
@@ -18888,7 +20204,7 @@
         </p:nvCxnSpPr>
         <p:spPr>
           <a:xfrm>
-            <a:off x="6730752" y="7893295"/>
+            <a:off x="8242920" y="7893295"/>
             <a:ext cx="104" cy="560333"/>
           </a:xfrm>
           <a:prstGeom prst="bentConnector2">
@@ -18923,8 +20239,8 @@
         </p:nvCxnSpPr>
         <p:spPr>
           <a:xfrm rot="5400000">
-            <a:off x="4418339" y="7264621"/>
-            <a:ext cx="648071" cy="3976964"/>
+            <a:off x="5160547" y="6494663"/>
+            <a:ext cx="648073" cy="5516882"/>
           </a:xfrm>
           <a:prstGeom prst="bentConnector2">
             <a:avLst/>
@@ -18958,7 +20274,7 @@
         </p:nvCxnSpPr>
         <p:spPr>
           <a:xfrm>
-            <a:off x="5459906" y="8225675"/>
+            <a:off x="6972074" y="8225675"/>
             <a:ext cx="20803" cy="1351464"/>
           </a:xfrm>
           <a:prstGeom prst="straightConnector1">
@@ -18988,14 +20304,13 @@
           <p:cNvPr id="86" name="직선 화살표 연결선 85"/>
           <p:cNvCxnSpPr>
             <a:stCxn id="81" idx="2"/>
-            <a:endCxn id="95" idx="0"/>
           </p:cNvCxnSpPr>
           <p:nvPr/>
         </p:nvCxnSpPr>
         <p:spPr>
           <a:xfrm>
             <a:off x="4638060" y="4759803"/>
-            <a:ext cx="1424" cy="311378"/>
+            <a:ext cx="0" cy="311378"/>
           </a:xfrm>
           <a:prstGeom prst="straightConnector1">
             <a:avLst/>
@@ -19027,8 +20342,8 @@
         </p:nvSpPr>
         <p:spPr>
           <a:xfrm>
-            <a:off x="3125268" y="1639571"/>
-            <a:ext cx="3054612" cy="520744"/>
+            <a:off x="2896336" y="1639571"/>
+            <a:ext cx="3512476" cy="520744"/>
           </a:xfrm>
           <a:prstGeom prst="flowChartDecision">
             <a:avLst/>
@@ -19474,8 +20789,8 @@
         </p:nvSpPr>
         <p:spPr>
           <a:xfrm>
-            <a:off x="3125268" y="2520355"/>
-            <a:ext cx="3054612" cy="520744"/>
+            <a:off x="2896336" y="2520355"/>
+            <a:ext cx="3512476" cy="520744"/>
           </a:xfrm>
           <a:prstGeom prst="flowChartDecision">
             <a:avLst/>
@@ -19774,8 +21089,8 @@
         </p:nvSpPr>
         <p:spPr>
           <a:xfrm>
-            <a:off x="3125268" y="3384451"/>
-            <a:ext cx="3054612" cy="520744"/>
+            <a:off x="2896336" y="3384451"/>
+            <a:ext cx="3512476" cy="520744"/>
           </a:xfrm>
           <a:prstGeom prst="flowChartDecision">
             <a:avLst/>
@@ -20056,7 +21371,7 @@
                   <a:schemeClr val="tx1"/>
                 </a:solidFill>
               </a:rPr>
-              <a:t>aObj.fLeft = False</a:t>
+              <a:t>aObj.fLeft = True</a:t>
             </a:r>
             <a:endParaRPr lang="en-US" altLang="ko-KR" sz="1200" dirty="0" smtClean="0">
               <a:solidFill>
@@ -20074,8 +21389,8 @@
         </p:nvSpPr>
         <p:spPr>
           <a:xfrm>
-            <a:off x="3110754" y="4239059"/>
-            <a:ext cx="3054612" cy="520744"/>
+            <a:off x="2881822" y="4239059"/>
+            <a:ext cx="3512476" cy="520744"/>
           </a:xfrm>
           <a:prstGeom prst="flowChartDecision">
             <a:avLst/>
@@ -20230,8 +21545,8 @@
         </p:nvCxnSpPr>
         <p:spPr>
           <a:xfrm>
-            <a:off x="6179880" y="1899943"/>
-            <a:ext cx="1080224" cy="146912"/>
+            <a:off x="6408812" y="1899943"/>
+            <a:ext cx="851292" cy="146912"/>
           </a:xfrm>
           <a:prstGeom prst="bentConnector2">
             <a:avLst/>
@@ -20337,8 +21652,8 @@
         </p:nvCxnSpPr>
         <p:spPr>
           <a:xfrm>
-            <a:off x="6179880" y="2780727"/>
-            <a:ext cx="1080224" cy="156901"/>
+            <a:off x="6408812" y="2780727"/>
+            <a:ext cx="851292" cy="156901"/>
           </a:xfrm>
           <a:prstGeom prst="bentConnector2">
             <a:avLst/>
@@ -20444,8 +21759,8 @@
         </p:nvCxnSpPr>
         <p:spPr>
           <a:xfrm>
-            <a:off x="6179880" y="3644823"/>
-            <a:ext cx="1080224" cy="162188"/>
+            <a:off x="6408812" y="3644823"/>
+            <a:ext cx="851292" cy="162188"/>
           </a:xfrm>
           <a:prstGeom prst="bentConnector2">
             <a:avLst/>
@@ -20551,8 +21866,8 @@
         </p:nvCxnSpPr>
         <p:spPr>
           <a:xfrm>
-            <a:off x="6165366" y="4499431"/>
-            <a:ext cx="1080224" cy="166389"/>
+            <a:off x="6394298" y="4499431"/>
+            <a:ext cx="851292" cy="166389"/>
           </a:xfrm>
           <a:prstGeom prst="bentConnector2">
             <a:avLst/>
@@ -20619,7 +21934,7 @@
         </p:nvSpPr>
         <p:spPr>
           <a:xfrm>
-            <a:off x="5877984" y="1601018"/>
+            <a:off x="5877984" y="1673026"/>
             <a:ext cx="276704" cy="127249"/>
           </a:xfrm>
           <a:prstGeom prst="rect">
@@ -21611,7 +22926,7 @@
         </p:nvSpPr>
         <p:spPr>
           <a:xfrm>
-            <a:off x="3971868" y="6408787"/>
+            <a:off x="5484036" y="6408787"/>
             <a:ext cx="276704" cy="127249"/>
           </a:xfrm>
           <a:prstGeom prst="rect">
@@ -21735,7 +23050,7 @@
         </p:nvSpPr>
         <p:spPr>
           <a:xfrm>
-            <a:off x="2384143" y="7031584"/>
+            <a:off x="3966877" y="6912843"/>
             <a:ext cx="209687" cy="127249"/>
           </a:xfrm>
           <a:prstGeom prst="rect">
@@ -21859,7 +23174,7 @@
         </p:nvSpPr>
         <p:spPr>
           <a:xfrm>
-            <a:off x="6592505" y="7649690"/>
+            <a:off x="8104673" y="7649690"/>
             <a:ext cx="276704" cy="127249"/>
           </a:xfrm>
           <a:prstGeom prst="rect">
@@ -21983,7 +23298,7 @@
         </p:nvSpPr>
         <p:spPr>
           <a:xfrm>
-            <a:off x="5119005" y="8153746"/>
+            <a:off x="6631173" y="8153746"/>
             <a:ext cx="209687" cy="127249"/>
           </a:xfrm>
           <a:prstGeom prst="rect">
@@ -22318,71 +23633,6 @@
           </a:fontRef>
         </p:style>
       </p:cxnSp>
-      <p:cxnSp>
-        <p:nvCxnSpPr>
-          <p:cNvPr id="202" name="Shape 201"/>
-          <p:cNvCxnSpPr>
-            <a:stCxn id="186" idx="3"/>
-          </p:cNvCxnSpPr>
-          <p:nvPr/>
-        </p:nvCxnSpPr>
-        <p:spPr>
-          <a:xfrm>
-            <a:off x="5455929" y="1354397"/>
-            <a:ext cx="4133811" cy="8664322"/>
-          </a:xfrm>
-          <a:prstGeom prst="bentConnector2">
-            <a:avLst/>
-          </a:prstGeom>
-        </p:spPr>
-        <p:style>
-          <a:lnRef idx="1">
-            <a:schemeClr val="accent1"/>
-          </a:lnRef>
-          <a:fillRef idx="0">
-            <a:schemeClr val="accent1"/>
-          </a:fillRef>
-          <a:effectRef idx="0">
-            <a:schemeClr val="accent1"/>
-          </a:effectRef>
-          <a:fontRef idx="minor">
-            <a:schemeClr val="tx1"/>
-          </a:fontRef>
-        </p:style>
-      </p:cxnSp>
-      <p:cxnSp>
-        <p:nvCxnSpPr>
-          <p:cNvPr id="204" name="직선 화살표 연결선 203"/>
-          <p:cNvCxnSpPr/>
-          <p:nvPr/>
-        </p:nvCxnSpPr>
-        <p:spPr>
-          <a:xfrm flipH="1">
-            <a:off x="4648618" y="10018719"/>
-            <a:ext cx="4941122" cy="0"/>
-          </a:xfrm>
-          <a:prstGeom prst="straightConnector1">
-            <a:avLst/>
-          </a:prstGeom>
-          <a:ln>
-            <a:tailEnd type="arrow"/>
-          </a:ln>
-        </p:spPr>
-        <p:style>
-          <a:lnRef idx="1">
-            <a:schemeClr val="accent1"/>
-          </a:lnRef>
-          <a:fillRef idx="0">
-            <a:schemeClr val="accent1"/>
-          </a:fillRef>
-          <a:effectRef idx="0">
-            <a:schemeClr val="accent1"/>
-          </a:effectRef>
-          <a:fontRef idx="minor">
-            <a:schemeClr val="tx1"/>
-          </a:fontRef>
-        </p:style>
-      </p:cxnSp>
       <p:sp>
         <p:nvSpPr>
           <p:cNvPr id="215" name="순서도: 판단 214"/>
@@ -22391,7 +23641,7 @@
         </p:nvSpPr>
         <p:spPr>
           <a:xfrm>
-            <a:off x="1198836" y="5667827"/>
+            <a:off x="1198836" y="5960051"/>
             <a:ext cx="3054612" cy="520744"/>
           </a:xfrm>
           <a:prstGeom prst="flowChartDecision">
@@ -22520,96 +23770,32 @@
                   <a:schemeClr val="tx1"/>
                 </a:solidFill>
               </a:rPr>
-              <a:t>fObjList[i] = null</a:t>
+              <a:t>aOtherObj&lt;&gt; </a:t>
             </a:r>
-            <a:endParaRPr lang="en-US" altLang="ko-KR" sz="1200" smtClean="0">
-              <a:solidFill>
-                <a:schemeClr val="tx1"/>
-              </a:solidFill>
-            </a:endParaRPr>
+            <a:r>
+              <a:rPr lang="en-US" altLang="ko-KR" sz="1200" smtClean="0">
+                <a:solidFill>
+                  <a:schemeClr val="tx1"/>
+                </a:solidFill>
+              </a:rPr>
+              <a:t>null</a:t>
+            </a:r>
           </a:p>
         </p:txBody>
       </p:sp>
       <p:cxnSp>
         <p:nvCxnSpPr>
-          <p:cNvPr id="224" name="꺾인 연결선 223"/>
+          <p:cNvPr id="229" name="직선 화살표 연결선 228"/>
           <p:cNvCxnSpPr>
             <a:stCxn id="215" idx="3"/>
-          </p:cNvCxnSpPr>
-          <p:nvPr/>
-        </p:nvCxnSpPr>
-        <p:spPr>
-          <a:xfrm>
-            <a:off x="4253448" y="5928199"/>
-            <a:ext cx="3955564" cy="3648940"/>
-          </a:xfrm>
-          <a:prstGeom prst="bentConnector3">
-            <a:avLst>
-              <a:gd name="adj1" fmla="val 99765"/>
-            </a:avLst>
-          </a:prstGeom>
-        </p:spPr>
-        <p:style>
-          <a:lnRef idx="1">
-            <a:schemeClr val="accent1"/>
-          </a:lnRef>
-          <a:fillRef idx="0">
-            <a:schemeClr val="accent1"/>
-          </a:fillRef>
-          <a:effectRef idx="0">
-            <a:schemeClr val="accent1"/>
-          </a:effectRef>
-          <a:fontRef idx="minor">
-            <a:schemeClr val="tx1"/>
-          </a:fontRef>
-        </p:style>
-      </p:cxnSp>
-      <p:cxnSp>
-        <p:nvCxnSpPr>
-          <p:cNvPr id="227" name="직선 화살표 연결선 226"/>
-          <p:cNvCxnSpPr/>
-          <p:nvPr/>
-        </p:nvCxnSpPr>
-        <p:spPr>
-          <a:xfrm flipH="1">
-            <a:off x="6730857" y="9577139"/>
-            <a:ext cx="1478155" cy="0"/>
-          </a:xfrm>
-          <a:prstGeom prst="straightConnector1">
-            <a:avLst/>
-          </a:prstGeom>
-          <a:ln>
-            <a:tailEnd type="arrow"/>
-          </a:ln>
-        </p:spPr>
-        <p:style>
-          <a:lnRef idx="1">
-            <a:schemeClr val="accent1"/>
-          </a:lnRef>
-          <a:fillRef idx="0">
-            <a:schemeClr val="accent1"/>
-          </a:fillRef>
-          <a:effectRef idx="0">
-            <a:schemeClr val="accent1"/>
-          </a:effectRef>
-          <a:fontRef idx="minor">
-            <a:schemeClr val="tx1"/>
-          </a:fontRef>
-        </p:style>
-      </p:cxnSp>
-      <p:cxnSp>
-        <p:nvCxnSpPr>
-          <p:cNvPr id="229" name="직선 화살표 연결선 228"/>
-          <p:cNvCxnSpPr>
-            <a:stCxn id="215" idx="2"/>
             <a:endCxn id="112" idx="0"/>
           </p:cNvCxnSpPr>
           <p:nvPr/>
         </p:nvCxnSpPr>
         <p:spPr>
-          <a:xfrm>
-            <a:off x="2726142" y="6188571"/>
-            <a:ext cx="5802" cy="203528"/>
+          <a:xfrm flipH="1">
+            <a:off x="4244112" y="6220423"/>
+            <a:ext cx="9336" cy="171676"/>
           </a:xfrm>
           <a:prstGeom prst="straightConnector1">
             <a:avLst/>
@@ -22641,7 +23827,7 @@
         </p:nvSpPr>
         <p:spPr>
           <a:xfrm>
-            <a:off x="3971868" y="5688707"/>
+            <a:off x="3976744" y="5960051"/>
             <a:ext cx="276704" cy="127249"/>
           </a:xfrm>
           <a:prstGeom prst="rect">
@@ -22765,7 +23951,7 @@
         </p:nvSpPr>
         <p:spPr>
           <a:xfrm>
-            <a:off x="2384143" y="6137522"/>
+            <a:off x="2384143" y="6425554"/>
             <a:ext cx="209687" cy="127249"/>
           </a:xfrm>
           <a:prstGeom prst="rect">
@@ -22885,14 +24071,15 @@
         <p:nvCxnSpPr>
           <p:cNvPr id="233" name="직선 화살표 연결선 232"/>
           <p:cNvCxnSpPr>
+            <a:stCxn id="76" idx="2"/>
             <a:endCxn id="215" idx="0"/>
           </p:cNvCxnSpPr>
           <p:nvPr/>
         </p:nvCxnSpPr>
         <p:spPr>
           <a:xfrm>
-            <a:off x="2726142" y="5400675"/>
-            <a:ext cx="0" cy="267152"/>
+            <a:off x="2726141" y="5775489"/>
+            <a:ext cx="1" cy="184562"/>
           </a:xfrm>
           <a:prstGeom prst="straightConnector1">
             <a:avLst/>
@@ -23197,6 +24384,612 @@
               <a:t>No</a:t>
             </a:r>
             <a:endParaRPr lang="ko-KR" altLang="en-US" sz="1200" dirty="0"/>
+          </a:p>
+        </p:txBody>
+      </p:sp>
+      <p:sp>
+        <p:nvSpPr>
+          <p:cNvPr id="74" name="직사각형 73"/>
+          <p:cNvSpPr/>
+          <p:nvPr/>
+        </p:nvSpPr>
+        <p:spPr>
+          <a:xfrm rot="10800000" flipV="1">
+            <a:off x="7488725" y="1584251"/>
+            <a:ext cx="2160447" cy="230798"/>
+          </a:xfrm>
+          <a:prstGeom prst="rect">
+            <a:avLst/>
+          </a:prstGeom>
+          <a:noFill/>
+        </p:spPr>
+        <p:style>
+          <a:lnRef idx="2">
+            <a:schemeClr val="accent1">
+              <a:shade val="50000"/>
+            </a:schemeClr>
+          </a:lnRef>
+          <a:fillRef idx="1">
+            <a:schemeClr val="accent1"/>
+          </a:fillRef>
+          <a:effectRef idx="0">
+            <a:schemeClr val="accent1"/>
+          </a:effectRef>
+          <a:fontRef idx="minor">
+            <a:schemeClr val="lt1"/>
+          </a:fontRef>
+        </p:style>
+        <p:txBody>
+          <a:bodyPr lIns="0" tIns="0" rIns="0" bIns="0" rtlCol="0" anchor="ctr"/>
+          <a:lstStyle>
+            <a:defPPr>
+              <a:defRPr lang="ko-KR"/>
+            </a:defPPr>
+            <a:lvl1pPr marL="0" algn="l" defTabSz="914400" rtl="0" eaLnBrk="1" latinLnBrk="1" hangingPunct="1">
+              <a:defRPr sz="1800" kern="1200">
+                <a:solidFill>
+                  <a:schemeClr val="lt1"/>
+                </a:solidFill>
+                <a:latin typeface="+mn-lt"/>
+                <a:ea typeface="+mn-ea"/>
+                <a:cs typeface="+mn-cs"/>
+              </a:defRPr>
+            </a:lvl1pPr>
+            <a:lvl2pPr marL="457200" algn="l" defTabSz="914400" rtl="0" eaLnBrk="1" latinLnBrk="1" hangingPunct="1">
+              <a:defRPr sz="1800" kern="1200">
+                <a:solidFill>
+                  <a:schemeClr val="lt1"/>
+                </a:solidFill>
+                <a:latin typeface="+mn-lt"/>
+                <a:ea typeface="+mn-ea"/>
+                <a:cs typeface="+mn-cs"/>
+              </a:defRPr>
+            </a:lvl2pPr>
+            <a:lvl3pPr marL="914400" algn="l" defTabSz="914400" rtl="0" eaLnBrk="1" latinLnBrk="1" hangingPunct="1">
+              <a:defRPr sz="1800" kern="1200">
+                <a:solidFill>
+                  <a:schemeClr val="lt1"/>
+                </a:solidFill>
+                <a:latin typeface="+mn-lt"/>
+                <a:ea typeface="+mn-ea"/>
+                <a:cs typeface="+mn-cs"/>
+              </a:defRPr>
+            </a:lvl3pPr>
+            <a:lvl4pPr marL="1371600" algn="l" defTabSz="914400" rtl="0" eaLnBrk="1" latinLnBrk="1" hangingPunct="1">
+              <a:defRPr sz="1800" kern="1200">
+                <a:solidFill>
+                  <a:schemeClr val="lt1"/>
+                </a:solidFill>
+                <a:latin typeface="+mn-lt"/>
+                <a:ea typeface="+mn-ea"/>
+                <a:cs typeface="+mn-cs"/>
+              </a:defRPr>
+            </a:lvl4pPr>
+            <a:lvl5pPr marL="1828800" algn="l" defTabSz="914400" rtl="0" eaLnBrk="1" latinLnBrk="1" hangingPunct="1">
+              <a:defRPr sz="1800" kern="1200">
+                <a:solidFill>
+                  <a:schemeClr val="lt1"/>
+                </a:solidFill>
+                <a:latin typeface="+mn-lt"/>
+                <a:ea typeface="+mn-ea"/>
+                <a:cs typeface="+mn-cs"/>
+              </a:defRPr>
+            </a:lvl5pPr>
+            <a:lvl6pPr marL="2286000" algn="l" defTabSz="914400" rtl="0" eaLnBrk="1" latinLnBrk="1" hangingPunct="1">
+              <a:defRPr sz="1800" kern="1200">
+                <a:solidFill>
+                  <a:schemeClr val="lt1"/>
+                </a:solidFill>
+                <a:latin typeface="+mn-lt"/>
+                <a:ea typeface="+mn-ea"/>
+                <a:cs typeface="+mn-cs"/>
+              </a:defRPr>
+            </a:lvl6pPr>
+            <a:lvl7pPr marL="2743200" algn="l" defTabSz="914400" rtl="0" eaLnBrk="1" latinLnBrk="1" hangingPunct="1">
+              <a:defRPr sz="1800" kern="1200">
+                <a:solidFill>
+                  <a:schemeClr val="lt1"/>
+                </a:solidFill>
+                <a:latin typeface="+mn-lt"/>
+                <a:ea typeface="+mn-ea"/>
+                <a:cs typeface="+mn-cs"/>
+              </a:defRPr>
+            </a:lvl7pPr>
+            <a:lvl8pPr marL="3200400" algn="l" defTabSz="914400" rtl="0" eaLnBrk="1" latinLnBrk="1" hangingPunct="1">
+              <a:defRPr sz="1800" kern="1200">
+                <a:solidFill>
+                  <a:schemeClr val="lt1"/>
+                </a:solidFill>
+                <a:latin typeface="+mn-lt"/>
+                <a:ea typeface="+mn-ea"/>
+                <a:cs typeface="+mn-cs"/>
+              </a:defRPr>
+            </a:lvl8pPr>
+            <a:lvl9pPr marL="3657600" algn="l" defTabSz="914400" rtl="0" eaLnBrk="1" latinLnBrk="1" hangingPunct="1">
+              <a:defRPr sz="1800" kern="1200">
+                <a:solidFill>
+                  <a:schemeClr val="lt1"/>
+                </a:solidFill>
+                <a:latin typeface="+mn-lt"/>
+                <a:ea typeface="+mn-ea"/>
+                <a:cs typeface="+mn-cs"/>
+              </a:defRPr>
+            </a:lvl9pPr>
+          </a:lstStyle>
+          <a:p>
+            <a:pPr algn="ctr"/>
+            <a:r>
+              <a:rPr lang="en-US" altLang="ko-KR" sz="1200" smtClean="0">
+                <a:solidFill>
+                  <a:schemeClr val="tx1"/>
+                </a:solidFill>
+              </a:rPr>
+              <a:t>Exit</a:t>
+            </a:r>
+            <a:endParaRPr lang="en-US" altLang="ko-KR" sz="1200" dirty="0" smtClean="0">
+              <a:solidFill>
+                <a:schemeClr val="tx1"/>
+              </a:solidFill>
+            </a:endParaRPr>
+          </a:p>
+        </p:txBody>
+      </p:sp>
+      <p:cxnSp>
+        <p:nvCxnSpPr>
+          <p:cNvPr id="84" name="Shape 83"/>
+          <p:cNvCxnSpPr>
+            <a:stCxn id="186" idx="3"/>
+            <a:endCxn id="74" idx="0"/>
+          </p:cNvCxnSpPr>
+          <p:nvPr/>
+        </p:nvCxnSpPr>
+        <p:spPr>
+          <a:xfrm>
+            <a:off x="5455929" y="1354397"/>
+            <a:ext cx="3113019" cy="229854"/>
+          </a:xfrm>
+          <a:prstGeom prst="bentConnector2">
+            <a:avLst/>
+          </a:prstGeom>
+          <a:ln>
+            <a:tailEnd type="arrow"/>
+          </a:ln>
+        </p:spPr>
+        <p:style>
+          <a:lnRef idx="1">
+            <a:schemeClr val="accent1"/>
+          </a:lnRef>
+          <a:fillRef idx="0">
+            <a:schemeClr val="accent1"/>
+          </a:fillRef>
+          <a:effectRef idx="0">
+            <a:schemeClr val="accent1"/>
+          </a:effectRef>
+          <a:fontRef idx="minor">
+            <a:schemeClr val="tx1"/>
+          </a:fontRef>
+        </p:style>
+      </p:cxnSp>
+      <p:cxnSp>
+        <p:nvCxnSpPr>
+          <p:cNvPr id="90" name="직선 화살표 연결선 89"/>
+          <p:cNvCxnSpPr>
+            <a:stCxn id="215" idx="2"/>
+          </p:cNvCxnSpPr>
+          <p:nvPr/>
+        </p:nvCxnSpPr>
+        <p:spPr>
+          <a:xfrm>
+            <a:off x="2726142" y="6480795"/>
+            <a:ext cx="0" cy="3456384"/>
+          </a:xfrm>
+          <a:prstGeom prst="straightConnector1">
+            <a:avLst/>
+          </a:prstGeom>
+          <a:ln>
+            <a:tailEnd type="arrow"/>
+          </a:ln>
+        </p:spPr>
+        <p:style>
+          <a:lnRef idx="1">
+            <a:schemeClr val="accent1"/>
+          </a:lnRef>
+          <a:fillRef idx="0">
+            <a:schemeClr val="accent1"/>
+          </a:fillRef>
+          <a:effectRef idx="0">
+            <a:schemeClr val="accent1"/>
+          </a:effectRef>
+          <a:fontRef idx="minor">
+            <a:schemeClr val="tx1"/>
+          </a:fontRef>
+        </p:style>
+      </p:cxnSp>
+      <p:cxnSp>
+        <p:nvCxnSpPr>
+          <p:cNvPr id="98" name="직선 화살표 연결선 97"/>
+          <p:cNvCxnSpPr>
+            <a:stCxn id="112" idx="2"/>
+          </p:cNvCxnSpPr>
+          <p:nvPr/>
+        </p:nvCxnSpPr>
+        <p:spPr>
+          <a:xfrm>
+            <a:off x="4244112" y="6912843"/>
+            <a:ext cx="0" cy="2664296"/>
+          </a:xfrm>
+          <a:prstGeom prst="straightConnector1">
+            <a:avLst/>
+          </a:prstGeom>
+          <a:ln>
+            <a:tailEnd type="arrow"/>
+          </a:ln>
+        </p:spPr>
+        <p:style>
+          <a:lnRef idx="1">
+            <a:schemeClr val="accent1"/>
+          </a:lnRef>
+          <a:fillRef idx="0">
+            <a:schemeClr val="accent1"/>
+          </a:fillRef>
+          <a:effectRef idx="0">
+            <a:schemeClr val="accent1"/>
+          </a:effectRef>
+          <a:fontRef idx="minor">
+            <a:schemeClr val="tx1"/>
+          </a:fontRef>
+        </p:style>
+      </p:cxnSp>
+      <p:sp>
+        <p:nvSpPr>
+          <p:cNvPr id="76" name="직사각형 75"/>
+          <p:cNvSpPr/>
+          <p:nvPr/>
+        </p:nvSpPr>
+        <p:spPr>
+          <a:xfrm rot="10800000" flipV="1">
+            <a:off x="1645918" y="5544691"/>
+            <a:ext cx="2160447" cy="230798"/>
+          </a:xfrm>
+          <a:prstGeom prst="rect">
+            <a:avLst/>
+          </a:prstGeom>
+          <a:noFill/>
+        </p:spPr>
+        <p:style>
+          <a:lnRef idx="2">
+            <a:schemeClr val="accent1">
+              <a:shade val="50000"/>
+            </a:schemeClr>
+          </a:lnRef>
+          <a:fillRef idx="1">
+            <a:schemeClr val="accent1"/>
+          </a:fillRef>
+          <a:effectRef idx="0">
+            <a:schemeClr val="accent1"/>
+          </a:effectRef>
+          <a:fontRef idx="minor">
+            <a:schemeClr val="lt1"/>
+          </a:fontRef>
+        </p:style>
+        <p:txBody>
+          <a:bodyPr lIns="0" tIns="0" rIns="0" bIns="0" rtlCol="0" anchor="ctr"/>
+          <a:lstStyle>
+            <a:defPPr>
+              <a:defRPr lang="ko-KR"/>
+            </a:defPPr>
+            <a:lvl1pPr marL="0" algn="l" defTabSz="914400" rtl="0" eaLnBrk="1" latinLnBrk="1" hangingPunct="1">
+              <a:defRPr sz="1800" kern="1200">
+                <a:solidFill>
+                  <a:schemeClr val="lt1"/>
+                </a:solidFill>
+                <a:latin typeface="+mn-lt"/>
+                <a:ea typeface="+mn-ea"/>
+                <a:cs typeface="+mn-cs"/>
+              </a:defRPr>
+            </a:lvl1pPr>
+            <a:lvl2pPr marL="457200" algn="l" defTabSz="914400" rtl="0" eaLnBrk="1" latinLnBrk="1" hangingPunct="1">
+              <a:defRPr sz="1800" kern="1200">
+                <a:solidFill>
+                  <a:schemeClr val="lt1"/>
+                </a:solidFill>
+                <a:latin typeface="+mn-lt"/>
+                <a:ea typeface="+mn-ea"/>
+                <a:cs typeface="+mn-cs"/>
+              </a:defRPr>
+            </a:lvl2pPr>
+            <a:lvl3pPr marL="914400" algn="l" defTabSz="914400" rtl="0" eaLnBrk="1" latinLnBrk="1" hangingPunct="1">
+              <a:defRPr sz="1800" kern="1200">
+                <a:solidFill>
+                  <a:schemeClr val="lt1"/>
+                </a:solidFill>
+                <a:latin typeface="+mn-lt"/>
+                <a:ea typeface="+mn-ea"/>
+                <a:cs typeface="+mn-cs"/>
+              </a:defRPr>
+            </a:lvl3pPr>
+            <a:lvl4pPr marL="1371600" algn="l" defTabSz="914400" rtl="0" eaLnBrk="1" latinLnBrk="1" hangingPunct="1">
+              <a:defRPr sz="1800" kern="1200">
+                <a:solidFill>
+                  <a:schemeClr val="lt1"/>
+                </a:solidFill>
+                <a:latin typeface="+mn-lt"/>
+                <a:ea typeface="+mn-ea"/>
+                <a:cs typeface="+mn-cs"/>
+              </a:defRPr>
+            </a:lvl4pPr>
+            <a:lvl5pPr marL="1828800" algn="l" defTabSz="914400" rtl="0" eaLnBrk="1" latinLnBrk="1" hangingPunct="1">
+              <a:defRPr sz="1800" kern="1200">
+                <a:solidFill>
+                  <a:schemeClr val="lt1"/>
+                </a:solidFill>
+                <a:latin typeface="+mn-lt"/>
+                <a:ea typeface="+mn-ea"/>
+                <a:cs typeface="+mn-cs"/>
+              </a:defRPr>
+            </a:lvl5pPr>
+            <a:lvl6pPr marL="2286000" algn="l" defTabSz="914400" rtl="0" eaLnBrk="1" latinLnBrk="1" hangingPunct="1">
+              <a:defRPr sz="1800" kern="1200">
+                <a:solidFill>
+                  <a:schemeClr val="lt1"/>
+                </a:solidFill>
+                <a:latin typeface="+mn-lt"/>
+                <a:ea typeface="+mn-ea"/>
+                <a:cs typeface="+mn-cs"/>
+              </a:defRPr>
+            </a:lvl6pPr>
+            <a:lvl7pPr marL="2743200" algn="l" defTabSz="914400" rtl="0" eaLnBrk="1" latinLnBrk="1" hangingPunct="1">
+              <a:defRPr sz="1800" kern="1200">
+                <a:solidFill>
+                  <a:schemeClr val="lt1"/>
+                </a:solidFill>
+                <a:latin typeface="+mn-lt"/>
+                <a:ea typeface="+mn-ea"/>
+                <a:cs typeface="+mn-cs"/>
+              </a:defRPr>
+            </a:lvl7pPr>
+            <a:lvl8pPr marL="3200400" algn="l" defTabSz="914400" rtl="0" eaLnBrk="1" latinLnBrk="1" hangingPunct="1">
+              <a:defRPr sz="1800" kern="1200">
+                <a:solidFill>
+                  <a:schemeClr val="lt1"/>
+                </a:solidFill>
+                <a:latin typeface="+mn-lt"/>
+                <a:ea typeface="+mn-ea"/>
+                <a:cs typeface="+mn-cs"/>
+              </a:defRPr>
+            </a:lvl8pPr>
+            <a:lvl9pPr marL="3657600" algn="l" defTabSz="914400" rtl="0" eaLnBrk="1" latinLnBrk="1" hangingPunct="1">
+              <a:defRPr sz="1800" kern="1200">
+                <a:solidFill>
+                  <a:schemeClr val="lt1"/>
+                </a:solidFill>
+                <a:latin typeface="+mn-lt"/>
+                <a:ea typeface="+mn-ea"/>
+                <a:cs typeface="+mn-cs"/>
+              </a:defRPr>
+            </a:lvl9pPr>
+          </a:lstStyle>
+          <a:p>
+            <a:pPr algn="ctr"/>
+            <a:r>
+              <a:rPr lang="en-US" altLang="ko-KR" sz="1200" smtClean="0">
+                <a:solidFill>
+                  <a:schemeClr val="tx1"/>
+                </a:solidFill>
+              </a:rPr>
+              <a:t>aOtherObj = fObjList[i]</a:t>
+            </a:r>
+            <a:endParaRPr lang="en-US" altLang="ko-KR" sz="1200" dirty="0" smtClean="0">
+              <a:solidFill>
+                <a:schemeClr val="tx1"/>
+              </a:solidFill>
+            </a:endParaRPr>
+          </a:p>
+        </p:txBody>
+      </p:sp>
+      <p:cxnSp>
+        <p:nvCxnSpPr>
+          <p:cNvPr id="91" name="직선 화살표 연결선 90"/>
+          <p:cNvCxnSpPr>
+            <a:endCxn id="76" idx="0"/>
+          </p:cNvCxnSpPr>
+          <p:nvPr/>
+        </p:nvCxnSpPr>
+        <p:spPr>
+          <a:xfrm>
+            <a:off x="2726141" y="5400675"/>
+            <a:ext cx="0" cy="144016"/>
+          </a:xfrm>
+          <a:prstGeom prst="straightConnector1">
+            <a:avLst/>
+          </a:prstGeom>
+          <a:ln>
+            <a:tailEnd type="arrow"/>
+          </a:ln>
+        </p:spPr>
+        <p:style>
+          <a:lnRef idx="1">
+            <a:schemeClr val="accent1"/>
+          </a:lnRef>
+          <a:fillRef idx="0">
+            <a:schemeClr val="accent1"/>
+          </a:fillRef>
+          <a:effectRef idx="0">
+            <a:schemeClr val="accent1"/>
+          </a:effectRef>
+          <a:fontRef idx="minor">
+            <a:schemeClr val="tx1"/>
+          </a:fontRef>
+        </p:style>
+      </p:cxnSp>
+      <p:sp>
+        <p:nvSpPr>
+          <p:cNvPr id="97" name="직사각형 96"/>
+          <p:cNvSpPr/>
+          <p:nvPr/>
+        </p:nvSpPr>
+        <p:spPr>
+          <a:xfrm>
+            <a:off x="12182746" y="72083"/>
+            <a:ext cx="2219054" cy="1131079"/>
+          </a:xfrm>
+          <a:prstGeom prst="rect">
+            <a:avLst/>
+          </a:prstGeom>
+        </p:spPr>
+        <p:txBody>
+          <a:bodyPr wrap="square" lIns="0" tIns="0" rIns="0" bIns="0">
+            <a:spAutoFit/>
+          </a:bodyPr>
+          <a:lstStyle>
+            <a:defPPr>
+              <a:defRPr lang="ko-KR"/>
+            </a:defPPr>
+            <a:lvl1pPr marL="0" algn="l" defTabSz="914400" rtl="0" eaLnBrk="1" latinLnBrk="1" hangingPunct="1">
+              <a:defRPr sz="1800" kern="1200">
+                <a:solidFill>
+                  <a:schemeClr val="tx1"/>
+                </a:solidFill>
+                <a:latin typeface="+mn-lt"/>
+                <a:ea typeface="+mn-ea"/>
+                <a:cs typeface="+mn-cs"/>
+              </a:defRPr>
+            </a:lvl1pPr>
+            <a:lvl2pPr marL="457200" algn="l" defTabSz="914400" rtl="0" eaLnBrk="1" latinLnBrk="1" hangingPunct="1">
+              <a:defRPr sz="1800" kern="1200">
+                <a:solidFill>
+                  <a:schemeClr val="tx1"/>
+                </a:solidFill>
+                <a:latin typeface="+mn-lt"/>
+                <a:ea typeface="+mn-ea"/>
+                <a:cs typeface="+mn-cs"/>
+              </a:defRPr>
+            </a:lvl2pPr>
+            <a:lvl3pPr marL="914400" algn="l" defTabSz="914400" rtl="0" eaLnBrk="1" latinLnBrk="1" hangingPunct="1">
+              <a:defRPr sz="1800" kern="1200">
+                <a:solidFill>
+                  <a:schemeClr val="tx1"/>
+                </a:solidFill>
+                <a:latin typeface="+mn-lt"/>
+                <a:ea typeface="+mn-ea"/>
+                <a:cs typeface="+mn-cs"/>
+              </a:defRPr>
+            </a:lvl3pPr>
+            <a:lvl4pPr marL="1371600" algn="l" defTabSz="914400" rtl="0" eaLnBrk="1" latinLnBrk="1" hangingPunct="1">
+              <a:defRPr sz="1800" kern="1200">
+                <a:solidFill>
+                  <a:schemeClr val="tx1"/>
+                </a:solidFill>
+                <a:latin typeface="+mn-lt"/>
+                <a:ea typeface="+mn-ea"/>
+                <a:cs typeface="+mn-cs"/>
+              </a:defRPr>
+            </a:lvl4pPr>
+            <a:lvl5pPr marL="1828800" algn="l" defTabSz="914400" rtl="0" eaLnBrk="1" latinLnBrk="1" hangingPunct="1">
+              <a:defRPr sz="1800" kern="1200">
+                <a:solidFill>
+                  <a:schemeClr val="tx1"/>
+                </a:solidFill>
+                <a:latin typeface="+mn-lt"/>
+                <a:ea typeface="+mn-ea"/>
+                <a:cs typeface="+mn-cs"/>
+              </a:defRPr>
+            </a:lvl5pPr>
+            <a:lvl6pPr marL="2286000" algn="l" defTabSz="914400" rtl="0" eaLnBrk="1" latinLnBrk="1" hangingPunct="1">
+              <a:defRPr sz="1800" kern="1200">
+                <a:solidFill>
+                  <a:schemeClr val="tx1"/>
+                </a:solidFill>
+                <a:latin typeface="+mn-lt"/>
+                <a:ea typeface="+mn-ea"/>
+                <a:cs typeface="+mn-cs"/>
+              </a:defRPr>
+            </a:lvl6pPr>
+            <a:lvl7pPr marL="2743200" algn="l" defTabSz="914400" rtl="0" eaLnBrk="1" latinLnBrk="1" hangingPunct="1">
+              <a:defRPr sz="1800" kern="1200">
+                <a:solidFill>
+                  <a:schemeClr val="tx1"/>
+                </a:solidFill>
+                <a:latin typeface="+mn-lt"/>
+                <a:ea typeface="+mn-ea"/>
+                <a:cs typeface="+mn-cs"/>
+              </a:defRPr>
+            </a:lvl7pPr>
+            <a:lvl8pPr marL="3200400" algn="l" defTabSz="914400" rtl="0" eaLnBrk="1" latinLnBrk="1" hangingPunct="1">
+              <a:defRPr sz="1800" kern="1200">
+                <a:solidFill>
+                  <a:schemeClr val="tx1"/>
+                </a:solidFill>
+                <a:latin typeface="+mn-lt"/>
+                <a:ea typeface="+mn-ea"/>
+                <a:cs typeface="+mn-cs"/>
+              </a:defRPr>
+            </a:lvl8pPr>
+            <a:lvl9pPr marL="3657600" algn="l" defTabSz="914400" rtl="0" eaLnBrk="1" latinLnBrk="1" hangingPunct="1">
+              <a:defRPr sz="1800" kern="1200">
+                <a:solidFill>
+                  <a:schemeClr val="tx1"/>
+                </a:solidFill>
+                <a:latin typeface="+mn-lt"/>
+                <a:ea typeface="+mn-ea"/>
+                <a:cs typeface="+mn-cs"/>
+              </a:defRPr>
+            </a:lvl9pPr>
+          </a:lstStyle>
+          <a:p>
+            <a:r>
+              <a:rPr lang="en-US" altLang="ko-KR" sz="1050" smtClean="0"/>
+              <a:t>fTimer = TTimer(interval = 41)</a:t>
+            </a:r>
+          </a:p>
+          <a:p>
+            <a:r>
+              <a:rPr lang="en-US" altLang="ko-KR" sz="1050" smtClean="0"/>
+              <a:t>fObjList = TList</a:t>
+            </a:r>
+          </a:p>
+          <a:p>
+            <a:r>
+              <a:rPr lang="en-US" altLang="ko-KR" sz="1050" smtClean="0"/>
+              <a:t>fColor = Int</a:t>
+            </a:r>
+          </a:p>
+          <a:p>
+            <a:r>
+              <a:rPr lang="en-US" altLang="ko-KR" sz="1050" smtClean="0"/>
+              <a:t>fInterval = </a:t>
+            </a:r>
+            <a:r>
+              <a:rPr lang="en-US" altLang="ko-KR" sz="1050" smtClean="0"/>
+              <a:t>Int</a:t>
+            </a:r>
+          </a:p>
+          <a:p>
+            <a:r>
+              <a:rPr lang="en-US" altLang="ko-KR" sz="1050" smtClean="0"/>
+              <a:t>fSize = Int</a:t>
+            </a:r>
+          </a:p>
+          <a:p>
+            <a:r>
+              <a:rPr lang="en-US" altLang="ko-KR" sz="1050" smtClean="0"/>
+              <a:t>Shape = String</a:t>
+            </a:r>
+          </a:p>
+          <a:p>
+            <a:r>
+              <a:rPr lang="en-US" altLang="ko-KR" sz="1050" smtClean="0"/>
+              <a:t>define SPEED </a:t>
+            </a:r>
+            <a:r>
+              <a:rPr lang="en-US" altLang="ko-KR" sz="1050" smtClean="0"/>
+              <a:t>= </a:t>
+            </a:r>
+            <a:r>
+              <a:rPr lang="en-US" altLang="ko-KR" sz="1050" smtClean="0"/>
+              <a:t>5</a:t>
+            </a:r>
+            <a:endParaRPr lang="en-US" altLang="ko-KR" sz="1050" smtClean="0"/>
           </a:p>
         </p:txBody>
       </p:sp>

--- a/0207DrawAndMoving_Design2/DrawAndMoving_Design2.pptx
+++ b/0207DrawAndMoving_Design2/DrawAndMoving_Design2.pptx
@@ -3979,15 +3979,7 @@
                   <a:schemeClr val="tx1"/>
                 </a:solidFill>
               </a:rPr>
-              <a:t>    fSize = </a:t>
-            </a:r>
-            <a:r>
-              <a:rPr lang="en-US" altLang="ko-KR" sz="1200" smtClean="0">
-                <a:solidFill>
-                  <a:schemeClr val="tx1"/>
-                </a:solidFill>
-              </a:rPr>
-              <a:t>Int</a:t>
+              <a:t>    fSize = Int</a:t>
             </a:r>
           </a:p>
           <a:p>
@@ -4009,15 +4001,7 @@
                   <a:schemeClr val="tx1"/>
                 </a:solidFill>
               </a:rPr>
-              <a:t>fTimer </a:t>
-            </a:r>
-            <a:r>
-              <a:rPr lang="en-US" altLang="ko-KR" sz="1200" smtClean="0">
-                <a:solidFill>
-                  <a:schemeClr val="tx1"/>
-                </a:solidFill>
-              </a:rPr>
-              <a:t>= TTimer</a:t>
+              <a:t>fTimer = TTimer</a:t>
             </a:r>
           </a:p>
           <a:p>
@@ -4050,21 +4034,8 @@
                   <a:schemeClr val="tx1"/>
                 </a:solidFill>
               </a:rPr>
-              <a:t>fIndex = </a:t>
+              <a:t>fIndex = Int</a:t>
             </a:r>
-            <a:r>
-              <a:rPr lang="en-US" altLang="ko-KR" sz="1200" smtClean="0">
-                <a:solidFill>
-                  <a:schemeClr val="tx1"/>
-                </a:solidFill>
-              </a:rPr>
-              <a:t>Int</a:t>
-            </a:r>
-            <a:endParaRPr lang="en-US" altLang="ko-KR" sz="1200" smtClean="0">
-              <a:solidFill>
-                <a:schemeClr val="tx1"/>
-              </a:solidFill>
-            </a:endParaRPr>
           </a:p>
         </p:txBody>
       </p:sp>
@@ -4727,10 +4698,10 @@
         </p:nvGrpSpPr>
         <p:grpSpPr>
           <a:xfrm>
-            <a:off x="7920980" y="3064443"/>
-            <a:ext cx="5688735" cy="3848400"/>
-            <a:chOff x="4926744" y="1573086"/>
-            <a:chExt cx="3363885" cy="661692"/>
+            <a:off x="7920979" y="216099"/>
+            <a:ext cx="5688737" cy="3272337"/>
+            <a:chOff x="4926743" y="1622610"/>
+            <a:chExt cx="3363886" cy="562644"/>
           </a:xfrm>
         </p:grpSpPr>
         <p:sp>
@@ -4741,8 +4712,8 @@
           </p:nvSpPr>
           <p:spPr>
             <a:xfrm rot="10800000" flipV="1">
-              <a:off x="4926744" y="1678678"/>
-              <a:ext cx="3363885" cy="556100"/>
+              <a:off x="4926743" y="1678678"/>
+              <a:ext cx="3363885" cy="506576"/>
             </a:xfrm>
             <a:prstGeom prst="rect">
               <a:avLst/>
@@ -4880,8 +4851,8 @@
           </p:nvSpPr>
           <p:spPr>
             <a:xfrm rot="10800000" flipV="1">
-              <a:off x="4926751" y="1573086"/>
-              <a:ext cx="3363878" cy="99687"/>
+              <a:off x="4926751" y="1622610"/>
+              <a:ext cx="3363878" cy="50163"/>
             </a:xfrm>
             <a:prstGeom prst="rect">
               <a:avLst/>
@@ -5031,7 +5002,7 @@
         </p:nvSpPr>
         <p:spPr>
           <a:xfrm>
-            <a:off x="8222840" y="3880470"/>
+            <a:off x="8222840" y="744095"/>
             <a:ext cx="1900293" cy="284677"/>
           </a:xfrm>
           <a:prstGeom prst="flowChartTerminator">
@@ -5178,7 +5149,7 @@
         </p:nvSpPr>
         <p:spPr>
           <a:xfrm>
-            <a:off x="8127534" y="6290839"/>
+            <a:off x="8127534" y="3096419"/>
             <a:ext cx="2096233" cy="333972"/>
           </a:xfrm>
           <a:prstGeom prst="flowChartTerminator">
@@ -5328,7 +5299,7 @@
         </p:nvCxnSpPr>
         <p:spPr>
           <a:xfrm>
-            <a:off x="9172987" y="4165147"/>
+            <a:off x="9172987" y="1028772"/>
             <a:ext cx="2664" cy="227416"/>
           </a:xfrm>
           <a:prstGeom prst="straightConnector1">
@@ -5364,8 +5335,8 @@
         </p:nvCxnSpPr>
         <p:spPr>
           <a:xfrm>
-            <a:off x="9175651" y="4831320"/>
-            <a:ext cx="0" cy="1459519"/>
+            <a:off x="9175651" y="1694945"/>
+            <a:ext cx="0" cy="1401474"/>
           </a:xfrm>
           <a:prstGeom prst="straightConnector1">
             <a:avLst/>
@@ -5397,7 +5368,7 @@
         </p:nvSpPr>
         <p:spPr>
           <a:xfrm>
-            <a:off x="8027171" y="4392563"/>
+            <a:off x="8027171" y="1256188"/>
             <a:ext cx="2296960" cy="438757"/>
           </a:xfrm>
           <a:prstGeom prst="flowChartDecision">
@@ -5544,7 +5515,7 @@
         </p:nvSpPr>
         <p:spPr>
           <a:xfrm rot="10800000" flipV="1">
-            <a:off x="9289130" y="5040636"/>
+            <a:off x="9289130" y="1904261"/>
             <a:ext cx="4248474" cy="625641"/>
           </a:xfrm>
           <a:prstGeom prst="rect">
@@ -5673,7 +5644,7 @@
                   <a:schemeClr val="tx1"/>
                 </a:solidFill>
               </a:rPr>
-              <a:t>fCanvas.Pen.Color </a:t>
+              <a:t>fCanvas.Ellipse(fX </a:t>
             </a:r>
             <a:r>
               <a:rPr lang="en-US" altLang="ko-KR" sz="1200" smtClean="0">
@@ -5681,18 +5652,7 @@
                   <a:schemeClr val="tx1"/>
                 </a:solidFill>
               </a:rPr>
-              <a:t>= fColor</a:t>
-            </a:r>
-          </a:p>
-          <a:p>
-            <a:pPr algn="ctr"/>
-            <a:r>
-              <a:rPr lang="en-US" altLang="ko-KR" sz="1200" smtClean="0">
-                <a:solidFill>
-                  <a:schemeClr val="tx1"/>
-                </a:solidFill>
-              </a:rPr>
-              <a:t>fCanvas.Ellipse(fX - fSize, fY - fSize, fX + fSize, fY + fSize);</a:t>
+              <a:t>- fSize, fY - fSize, fX + fSize, fY + fSize);</a:t>
             </a:r>
             <a:endParaRPr lang="en-US" altLang="ko-KR" sz="1200" dirty="0" smtClean="0">
               <a:solidFill>
@@ -5713,7 +5673,7 @@
         </p:nvCxnSpPr>
         <p:spPr>
           <a:xfrm>
-            <a:off x="10324131" y="4611942"/>
+            <a:off x="10324131" y="1475567"/>
             <a:ext cx="1089236" cy="428694"/>
           </a:xfrm>
           <a:prstGeom prst="bentConnector2">
@@ -5748,7 +5708,7 @@
         </p:nvCxnSpPr>
         <p:spPr>
           <a:xfrm rot="5400000">
-            <a:off x="10101942" y="4737322"/>
+            <a:off x="10101942" y="1600947"/>
             <a:ext cx="382470" cy="2240380"/>
           </a:xfrm>
           <a:prstGeom prst="bentConnector2">
@@ -5781,7 +5741,7 @@
         </p:nvSpPr>
         <p:spPr>
           <a:xfrm>
-            <a:off x="10047427" y="4409330"/>
+            <a:off x="10047427" y="1272955"/>
             <a:ext cx="276704" cy="127249"/>
           </a:xfrm>
           <a:prstGeom prst="rect">
@@ -5905,7 +5865,2633 @@
         </p:nvSpPr>
         <p:spPr>
           <a:xfrm>
-            <a:off x="8798335" y="4831320"/>
+            <a:off x="8798335" y="1694945"/>
+            <a:ext cx="209687" cy="127249"/>
+          </a:xfrm>
+          <a:prstGeom prst="rect">
+            <a:avLst/>
+          </a:prstGeom>
+          <a:noFill/>
+        </p:spPr>
+        <p:txBody>
+          <a:bodyPr wrap="square" lIns="0" tIns="0" rIns="0" bIns="0" rtlCol="0">
+            <a:spAutoFit/>
+          </a:bodyPr>
+          <a:lstStyle>
+            <a:defPPr>
+              <a:defRPr lang="ko-KR"/>
+            </a:defPPr>
+            <a:lvl1pPr marL="0" algn="l" defTabSz="914400" rtl="0" eaLnBrk="1" latinLnBrk="1" hangingPunct="1">
+              <a:defRPr sz="1800" kern="1200">
+                <a:solidFill>
+                  <a:schemeClr val="tx1"/>
+                </a:solidFill>
+                <a:latin typeface="+mn-lt"/>
+                <a:ea typeface="+mn-ea"/>
+                <a:cs typeface="+mn-cs"/>
+              </a:defRPr>
+            </a:lvl1pPr>
+            <a:lvl2pPr marL="457200" algn="l" defTabSz="914400" rtl="0" eaLnBrk="1" latinLnBrk="1" hangingPunct="1">
+              <a:defRPr sz="1800" kern="1200">
+                <a:solidFill>
+                  <a:schemeClr val="tx1"/>
+                </a:solidFill>
+                <a:latin typeface="+mn-lt"/>
+                <a:ea typeface="+mn-ea"/>
+                <a:cs typeface="+mn-cs"/>
+              </a:defRPr>
+            </a:lvl2pPr>
+            <a:lvl3pPr marL="914400" algn="l" defTabSz="914400" rtl="0" eaLnBrk="1" latinLnBrk="1" hangingPunct="1">
+              <a:defRPr sz="1800" kern="1200">
+                <a:solidFill>
+                  <a:schemeClr val="tx1"/>
+                </a:solidFill>
+                <a:latin typeface="+mn-lt"/>
+                <a:ea typeface="+mn-ea"/>
+                <a:cs typeface="+mn-cs"/>
+              </a:defRPr>
+            </a:lvl3pPr>
+            <a:lvl4pPr marL="1371600" algn="l" defTabSz="914400" rtl="0" eaLnBrk="1" latinLnBrk="1" hangingPunct="1">
+              <a:defRPr sz="1800" kern="1200">
+                <a:solidFill>
+                  <a:schemeClr val="tx1"/>
+                </a:solidFill>
+                <a:latin typeface="+mn-lt"/>
+                <a:ea typeface="+mn-ea"/>
+                <a:cs typeface="+mn-cs"/>
+              </a:defRPr>
+            </a:lvl4pPr>
+            <a:lvl5pPr marL="1828800" algn="l" defTabSz="914400" rtl="0" eaLnBrk="1" latinLnBrk="1" hangingPunct="1">
+              <a:defRPr sz="1800" kern="1200">
+                <a:solidFill>
+                  <a:schemeClr val="tx1"/>
+                </a:solidFill>
+                <a:latin typeface="+mn-lt"/>
+                <a:ea typeface="+mn-ea"/>
+                <a:cs typeface="+mn-cs"/>
+              </a:defRPr>
+            </a:lvl5pPr>
+            <a:lvl6pPr marL="2286000" algn="l" defTabSz="914400" rtl="0" eaLnBrk="1" latinLnBrk="1" hangingPunct="1">
+              <a:defRPr sz="1800" kern="1200">
+                <a:solidFill>
+                  <a:schemeClr val="tx1"/>
+                </a:solidFill>
+                <a:latin typeface="+mn-lt"/>
+                <a:ea typeface="+mn-ea"/>
+                <a:cs typeface="+mn-cs"/>
+              </a:defRPr>
+            </a:lvl6pPr>
+            <a:lvl7pPr marL="2743200" algn="l" defTabSz="914400" rtl="0" eaLnBrk="1" latinLnBrk="1" hangingPunct="1">
+              <a:defRPr sz="1800" kern="1200">
+                <a:solidFill>
+                  <a:schemeClr val="tx1"/>
+                </a:solidFill>
+                <a:latin typeface="+mn-lt"/>
+                <a:ea typeface="+mn-ea"/>
+                <a:cs typeface="+mn-cs"/>
+              </a:defRPr>
+            </a:lvl7pPr>
+            <a:lvl8pPr marL="3200400" algn="l" defTabSz="914400" rtl="0" eaLnBrk="1" latinLnBrk="1" hangingPunct="1">
+              <a:defRPr sz="1800" kern="1200">
+                <a:solidFill>
+                  <a:schemeClr val="tx1"/>
+                </a:solidFill>
+                <a:latin typeface="+mn-lt"/>
+                <a:ea typeface="+mn-ea"/>
+                <a:cs typeface="+mn-cs"/>
+              </a:defRPr>
+            </a:lvl8pPr>
+            <a:lvl9pPr marL="3657600" algn="l" defTabSz="914400" rtl="0" eaLnBrk="1" latinLnBrk="1" hangingPunct="1">
+              <a:defRPr sz="1800" kern="1200">
+                <a:solidFill>
+                  <a:schemeClr val="tx1"/>
+                </a:solidFill>
+                <a:latin typeface="+mn-lt"/>
+                <a:ea typeface="+mn-ea"/>
+                <a:cs typeface="+mn-cs"/>
+              </a:defRPr>
+            </a:lvl9pPr>
+          </a:lstStyle>
+          <a:p>
+            <a:r>
+              <a:rPr lang="en-US" altLang="ko-KR" sz="1200" dirty="0" smtClean="0"/>
+              <a:t>No</a:t>
+            </a:r>
+            <a:endParaRPr lang="ko-KR" altLang="en-US" sz="1200" dirty="0"/>
+          </a:p>
+        </p:txBody>
+      </p:sp>
+      <p:grpSp>
+        <p:nvGrpSpPr>
+          <p:cNvPr id="30" name="그룹 184"/>
+          <p:cNvGrpSpPr/>
+          <p:nvPr/>
+        </p:nvGrpSpPr>
+        <p:grpSpPr>
+          <a:xfrm>
+            <a:off x="7920979" y="3672483"/>
+            <a:ext cx="5688737" cy="3344339"/>
+            <a:chOff x="4926743" y="1619169"/>
+            <a:chExt cx="3363886" cy="575024"/>
+          </a:xfrm>
+        </p:grpSpPr>
+        <p:sp>
+          <p:nvSpPr>
+            <p:cNvPr id="31" name="직사각형 30"/>
+            <p:cNvSpPr/>
+            <p:nvPr/>
+          </p:nvSpPr>
+          <p:spPr>
+            <a:xfrm rot="10800000" flipV="1">
+              <a:off x="4926743" y="1678678"/>
+              <a:ext cx="3363885" cy="515515"/>
+            </a:xfrm>
+            <a:prstGeom prst="rect">
+              <a:avLst/>
+            </a:prstGeom>
+            <a:noFill/>
+          </p:spPr>
+          <p:style>
+            <a:lnRef idx="2">
+              <a:schemeClr val="accent1">
+                <a:shade val="50000"/>
+              </a:schemeClr>
+            </a:lnRef>
+            <a:fillRef idx="1">
+              <a:schemeClr val="accent1"/>
+            </a:fillRef>
+            <a:effectRef idx="0">
+              <a:schemeClr val="accent1"/>
+            </a:effectRef>
+            <a:fontRef idx="minor">
+              <a:schemeClr val="lt1"/>
+            </a:fontRef>
+          </p:style>
+          <p:txBody>
+            <a:bodyPr lIns="0" tIns="0" rIns="0" bIns="0" rtlCol="0" anchor="ctr"/>
+            <a:lstStyle>
+              <a:defPPr>
+                <a:defRPr lang="ko-KR"/>
+              </a:defPPr>
+              <a:lvl1pPr marL="0" algn="l" defTabSz="914400" rtl="0" eaLnBrk="1" latinLnBrk="1" hangingPunct="1">
+                <a:defRPr sz="1800" kern="1200">
+                  <a:solidFill>
+                    <a:schemeClr val="lt1"/>
+                  </a:solidFill>
+                  <a:latin typeface="+mn-lt"/>
+                  <a:ea typeface="+mn-ea"/>
+                  <a:cs typeface="+mn-cs"/>
+                </a:defRPr>
+              </a:lvl1pPr>
+              <a:lvl2pPr marL="457200" algn="l" defTabSz="914400" rtl="0" eaLnBrk="1" latinLnBrk="1" hangingPunct="1">
+                <a:defRPr sz="1800" kern="1200">
+                  <a:solidFill>
+                    <a:schemeClr val="lt1"/>
+                  </a:solidFill>
+                  <a:latin typeface="+mn-lt"/>
+                  <a:ea typeface="+mn-ea"/>
+                  <a:cs typeface="+mn-cs"/>
+                </a:defRPr>
+              </a:lvl2pPr>
+              <a:lvl3pPr marL="914400" algn="l" defTabSz="914400" rtl="0" eaLnBrk="1" latinLnBrk="1" hangingPunct="1">
+                <a:defRPr sz="1800" kern="1200">
+                  <a:solidFill>
+                    <a:schemeClr val="lt1"/>
+                  </a:solidFill>
+                  <a:latin typeface="+mn-lt"/>
+                  <a:ea typeface="+mn-ea"/>
+                  <a:cs typeface="+mn-cs"/>
+                </a:defRPr>
+              </a:lvl3pPr>
+              <a:lvl4pPr marL="1371600" algn="l" defTabSz="914400" rtl="0" eaLnBrk="1" latinLnBrk="1" hangingPunct="1">
+                <a:defRPr sz="1800" kern="1200">
+                  <a:solidFill>
+                    <a:schemeClr val="lt1"/>
+                  </a:solidFill>
+                  <a:latin typeface="+mn-lt"/>
+                  <a:ea typeface="+mn-ea"/>
+                  <a:cs typeface="+mn-cs"/>
+                </a:defRPr>
+              </a:lvl4pPr>
+              <a:lvl5pPr marL="1828800" algn="l" defTabSz="914400" rtl="0" eaLnBrk="1" latinLnBrk="1" hangingPunct="1">
+                <a:defRPr sz="1800" kern="1200">
+                  <a:solidFill>
+                    <a:schemeClr val="lt1"/>
+                  </a:solidFill>
+                  <a:latin typeface="+mn-lt"/>
+                  <a:ea typeface="+mn-ea"/>
+                  <a:cs typeface="+mn-cs"/>
+                </a:defRPr>
+              </a:lvl5pPr>
+              <a:lvl6pPr marL="2286000" algn="l" defTabSz="914400" rtl="0" eaLnBrk="1" latinLnBrk="1" hangingPunct="1">
+                <a:defRPr sz="1800" kern="1200">
+                  <a:solidFill>
+                    <a:schemeClr val="lt1"/>
+                  </a:solidFill>
+                  <a:latin typeface="+mn-lt"/>
+                  <a:ea typeface="+mn-ea"/>
+                  <a:cs typeface="+mn-cs"/>
+                </a:defRPr>
+              </a:lvl6pPr>
+              <a:lvl7pPr marL="2743200" algn="l" defTabSz="914400" rtl="0" eaLnBrk="1" latinLnBrk="1" hangingPunct="1">
+                <a:defRPr sz="1800" kern="1200">
+                  <a:solidFill>
+                    <a:schemeClr val="lt1"/>
+                  </a:solidFill>
+                  <a:latin typeface="+mn-lt"/>
+                  <a:ea typeface="+mn-ea"/>
+                  <a:cs typeface="+mn-cs"/>
+                </a:defRPr>
+              </a:lvl7pPr>
+              <a:lvl8pPr marL="3200400" algn="l" defTabSz="914400" rtl="0" eaLnBrk="1" latinLnBrk="1" hangingPunct="1">
+                <a:defRPr sz="1800" kern="1200">
+                  <a:solidFill>
+                    <a:schemeClr val="lt1"/>
+                  </a:solidFill>
+                  <a:latin typeface="+mn-lt"/>
+                  <a:ea typeface="+mn-ea"/>
+                  <a:cs typeface="+mn-cs"/>
+                </a:defRPr>
+              </a:lvl8pPr>
+              <a:lvl9pPr marL="3657600" algn="l" defTabSz="914400" rtl="0" eaLnBrk="1" latinLnBrk="1" hangingPunct="1">
+                <a:defRPr sz="1800" kern="1200">
+                  <a:solidFill>
+                    <a:schemeClr val="lt1"/>
+                  </a:solidFill>
+                  <a:latin typeface="+mn-lt"/>
+                  <a:ea typeface="+mn-ea"/>
+                  <a:cs typeface="+mn-cs"/>
+                </a:defRPr>
+              </a:lvl9pPr>
+            </a:lstStyle>
+            <a:p>
+              <a:pPr algn="ctr"/>
+              <a:endParaRPr lang="ko-KR" altLang="en-US" sz="1200" dirty="0">
+                <a:solidFill>
+                  <a:schemeClr val="tx1"/>
+                </a:solidFill>
+              </a:endParaRPr>
+            </a:p>
+          </p:txBody>
+        </p:sp>
+        <p:sp>
+          <p:nvSpPr>
+            <p:cNvPr id="32" name="직사각형 31"/>
+            <p:cNvSpPr/>
+            <p:nvPr/>
+          </p:nvSpPr>
+          <p:spPr>
+            <a:xfrm rot="10800000" flipV="1">
+              <a:off x="4926751" y="1619169"/>
+              <a:ext cx="3363878" cy="53604"/>
+            </a:xfrm>
+            <a:prstGeom prst="rect">
+              <a:avLst/>
+            </a:prstGeom>
+            <a:noFill/>
+            <a:ln>
+              <a:noFill/>
+            </a:ln>
+          </p:spPr>
+          <p:style>
+            <a:lnRef idx="2">
+              <a:schemeClr val="accent1">
+                <a:shade val="50000"/>
+              </a:schemeClr>
+            </a:lnRef>
+            <a:fillRef idx="1">
+              <a:schemeClr val="accent1"/>
+            </a:fillRef>
+            <a:effectRef idx="0">
+              <a:schemeClr val="accent1"/>
+            </a:effectRef>
+            <a:fontRef idx="minor">
+              <a:schemeClr val="lt1"/>
+            </a:fontRef>
+          </p:style>
+          <p:txBody>
+            <a:bodyPr lIns="0" tIns="0" rIns="0" bIns="0" rtlCol="0" anchor="ctr"/>
+            <a:lstStyle>
+              <a:defPPr>
+                <a:defRPr lang="ko-KR"/>
+              </a:defPPr>
+              <a:lvl1pPr marL="0" algn="l" defTabSz="914400" rtl="0" eaLnBrk="1" latinLnBrk="1" hangingPunct="1">
+                <a:defRPr sz="1800" kern="1200">
+                  <a:solidFill>
+                    <a:schemeClr val="lt1"/>
+                  </a:solidFill>
+                  <a:latin typeface="+mn-lt"/>
+                  <a:ea typeface="+mn-ea"/>
+                  <a:cs typeface="+mn-cs"/>
+                </a:defRPr>
+              </a:lvl1pPr>
+              <a:lvl2pPr marL="457200" algn="l" defTabSz="914400" rtl="0" eaLnBrk="1" latinLnBrk="1" hangingPunct="1">
+                <a:defRPr sz="1800" kern="1200">
+                  <a:solidFill>
+                    <a:schemeClr val="lt1"/>
+                  </a:solidFill>
+                  <a:latin typeface="+mn-lt"/>
+                  <a:ea typeface="+mn-ea"/>
+                  <a:cs typeface="+mn-cs"/>
+                </a:defRPr>
+              </a:lvl2pPr>
+              <a:lvl3pPr marL="914400" algn="l" defTabSz="914400" rtl="0" eaLnBrk="1" latinLnBrk="1" hangingPunct="1">
+                <a:defRPr sz="1800" kern="1200">
+                  <a:solidFill>
+                    <a:schemeClr val="lt1"/>
+                  </a:solidFill>
+                  <a:latin typeface="+mn-lt"/>
+                  <a:ea typeface="+mn-ea"/>
+                  <a:cs typeface="+mn-cs"/>
+                </a:defRPr>
+              </a:lvl3pPr>
+              <a:lvl4pPr marL="1371600" algn="l" defTabSz="914400" rtl="0" eaLnBrk="1" latinLnBrk="1" hangingPunct="1">
+                <a:defRPr sz="1800" kern="1200">
+                  <a:solidFill>
+                    <a:schemeClr val="lt1"/>
+                  </a:solidFill>
+                  <a:latin typeface="+mn-lt"/>
+                  <a:ea typeface="+mn-ea"/>
+                  <a:cs typeface="+mn-cs"/>
+                </a:defRPr>
+              </a:lvl4pPr>
+              <a:lvl5pPr marL="1828800" algn="l" defTabSz="914400" rtl="0" eaLnBrk="1" latinLnBrk="1" hangingPunct="1">
+                <a:defRPr sz="1800" kern="1200">
+                  <a:solidFill>
+                    <a:schemeClr val="lt1"/>
+                  </a:solidFill>
+                  <a:latin typeface="+mn-lt"/>
+                  <a:ea typeface="+mn-ea"/>
+                  <a:cs typeface="+mn-cs"/>
+                </a:defRPr>
+              </a:lvl5pPr>
+              <a:lvl6pPr marL="2286000" algn="l" defTabSz="914400" rtl="0" eaLnBrk="1" latinLnBrk="1" hangingPunct="1">
+                <a:defRPr sz="1800" kern="1200">
+                  <a:solidFill>
+                    <a:schemeClr val="lt1"/>
+                  </a:solidFill>
+                  <a:latin typeface="+mn-lt"/>
+                  <a:ea typeface="+mn-ea"/>
+                  <a:cs typeface="+mn-cs"/>
+                </a:defRPr>
+              </a:lvl6pPr>
+              <a:lvl7pPr marL="2743200" algn="l" defTabSz="914400" rtl="0" eaLnBrk="1" latinLnBrk="1" hangingPunct="1">
+                <a:defRPr sz="1800" kern="1200">
+                  <a:solidFill>
+                    <a:schemeClr val="lt1"/>
+                  </a:solidFill>
+                  <a:latin typeface="+mn-lt"/>
+                  <a:ea typeface="+mn-ea"/>
+                  <a:cs typeface="+mn-cs"/>
+                </a:defRPr>
+              </a:lvl7pPr>
+              <a:lvl8pPr marL="3200400" algn="l" defTabSz="914400" rtl="0" eaLnBrk="1" latinLnBrk="1" hangingPunct="1">
+                <a:defRPr sz="1800" kern="1200">
+                  <a:solidFill>
+                    <a:schemeClr val="lt1"/>
+                  </a:solidFill>
+                  <a:latin typeface="+mn-lt"/>
+                  <a:ea typeface="+mn-ea"/>
+                  <a:cs typeface="+mn-cs"/>
+                </a:defRPr>
+              </a:lvl8pPr>
+              <a:lvl9pPr marL="3657600" algn="l" defTabSz="914400" rtl="0" eaLnBrk="1" latinLnBrk="1" hangingPunct="1">
+                <a:defRPr sz="1800" kern="1200">
+                  <a:solidFill>
+                    <a:schemeClr val="lt1"/>
+                  </a:solidFill>
+                  <a:latin typeface="+mn-lt"/>
+                  <a:ea typeface="+mn-ea"/>
+                  <a:cs typeface="+mn-cs"/>
+                </a:defRPr>
+              </a:lvl9pPr>
+            </a:lstStyle>
+            <a:p>
+              <a:pPr algn="ctr"/>
+              <a:r>
+                <a:rPr lang="en-US" altLang="ko-KR" sz="1200" smtClean="0">
+                  <a:solidFill>
+                    <a:schemeClr val="tx1"/>
+                  </a:solidFill>
+                </a:rPr>
+                <a:t>TTriangle.Draw</a:t>
+              </a:r>
+              <a:endParaRPr lang="ko-KR" altLang="en-US" sz="1200" dirty="0">
+                <a:solidFill>
+                  <a:schemeClr val="tx1"/>
+                </a:solidFill>
+              </a:endParaRPr>
+            </a:p>
+          </p:txBody>
+        </p:sp>
+      </p:grpSp>
+      <p:sp>
+        <p:nvSpPr>
+          <p:cNvPr id="33" name="순서도: 수행의 시작/종료 32"/>
+          <p:cNvSpPr/>
+          <p:nvPr/>
+        </p:nvSpPr>
+        <p:spPr>
+          <a:xfrm>
+            <a:off x="8222840" y="4272480"/>
+            <a:ext cx="1900293" cy="284677"/>
+          </a:xfrm>
+          <a:prstGeom prst="flowChartTerminator">
+            <a:avLst/>
+          </a:prstGeom>
+          <a:noFill/>
+        </p:spPr>
+        <p:style>
+          <a:lnRef idx="2">
+            <a:schemeClr val="accent1">
+              <a:shade val="50000"/>
+            </a:schemeClr>
+          </a:lnRef>
+          <a:fillRef idx="1">
+            <a:schemeClr val="accent1"/>
+          </a:fillRef>
+          <a:effectRef idx="0">
+            <a:schemeClr val="accent1"/>
+          </a:effectRef>
+          <a:fontRef idx="minor">
+            <a:schemeClr val="lt1"/>
+          </a:fontRef>
+        </p:style>
+        <p:txBody>
+          <a:bodyPr lIns="0" tIns="0" rIns="0" bIns="0" rtlCol="0" anchor="ctr"/>
+          <a:lstStyle>
+            <a:defPPr>
+              <a:defRPr lang="ko-KR"/>
+            </a:defPPr>
+            <a:lvl1pPr marL="0" algn="l" defTabSz="914400" rtl="0" eaLnBrk="1" latinLnBrk="1" hangingPunct="1">
+              <a:defRPr sz="1800" kern="1200">
+                <a:solidFill>
+                  <a:schemeClr val="lt1"/>
+                </a:solidFill>
+                <a:latin typeface="+mn-lt"/>
+                <a:ea typeface="+mn-ea"/>
+                <a:cs typeface="+mn-cs"/>
+              </a:defRPr>
+            </a:lvl1pPr>
+            <a:lvl2pPr marL="457200" algn="l" defTabSz="914400" rtl="0" eaLnBrk="1" latinLnBrk="1" hangingPunct="1">
+              <a:defRPr sz="1800" kern="1200">
+                <a:solidFill>
+                  <a:schemeClr val="lt1"/>
+                </a:solidFill>
+                <a:latin typeface="+mn-lt"/>
+                <a:ea typeface="+mn-ea"/>
+                <a:cs typeface="+mn-cs"/>
+              </a:defRPr>
+            </a:lvl2pPr>
+            <a:lvl3pPr marL="914400" algn="l" defTabSz="914400" rtl="0" eaLnBrk="1" latinLnBrk="1" hangingPunct="1">
+              <a:defRPr sz="1800" kern="1200">
+                <a:solidFill>
+                  <a:schemeClr val="lt1"/>
+                </a:solidFill>
+                <a:latin typeface="+mn-lt"/>
+                <a:ea typeface="+mn-ea"/>
+                <a:cs typeface="+mn-cs"/>
+              </a:defRPr>
+            </a:lvl3pPr>
+            <a:lvl4pPr marL="1371600" algn="l" defTabSz="914400" rtl="0" eaLnBrk="1" latinLnBrk="1" hangingPunct="1">
+              <a:defRPr sz="1800" kern="1200">
+                <a:solidFill>
+                  <a:schemeClr val="lt1"/>
+                </a:solidFill>
+                <a:latin typeface="+mn-lt"/>
+                <a:ea typeface="+mn-ea"/>
+                <a:cs typeface="+mn-cs"/>
+              </a:defRPr>
+            </a:lvl4pPr>
+            <a:lvl5pPr marL="1828800" algn="l" defTabSz="914400" rtl="0" eaLnBrk="1" latinLnBrk="1" hangingPunct="1">
+              <a:defRPr sz="1800" kern="1200">
+                <a:solidFill>
+                  <a:schemeClr val="lt1"/>
+                </a:solidFill>
+                <a:latin typeface="+mn-lt"/>
+                <a:ea typeface="+mn-ea"/>
+                <a:cs typeface="+mn-cs"/>
+              </a:defRPr>
+            </a:lvl5pPr>
+            <a:lvl6pPr marL="2286000" algn="l" defTabSz="914400" rtl="0" eaLnBrk="1" latinLnBrk="1" hangingPunct="1">
+              <a:defRPr sz="1800" kern="1200">
+                <a:solidFill>
+                  <a:schemeClr val="lt1"/>
+                </a:solidFill>
+                <a:latin typeface="+mn-lt"/>
+                <a:ea typeface="+mn-ea"/>
+                <a:cs typeface="+mn-cs"/>
+              </a:defRPr>
+            </a:lvl6pPr>
+            <a:lvl7pPr marL="2743200" algn="l" defTabSz="914400" rtl="0" eaLnBrk="1" latinLnBrk="1" hangingPunct="1">
+              <a:defRPr sz="1800" kern="1200">
+                <a:solidFill>
+                  <a:schemeClr val="lt1"/>
+                </a:solidFill>
+                <a:latin typeface="+mn-lt"/>
+                <a:ea typeface="+mn-ea"/>
+                <a:cs typeface="+mn-cs"/>
+              </a:defRPr>
+            </a:lvl7pPr>
+            <a:lvl8pPr marL="3200400" algn="l" defTabSz="914400" rtl="0" eaLnBrk="1" latinLnBrk="1" hangingPunct="1">
+              <a:defRPr sz="1800" kern="1200">
+                <a:solidFill>
+                  <a:schemeClr val="lt1"/>
+                </a:solidFill>
+                <a:latin typeface="+mn-lt"/>
+                <a:ea typeface="+mn-ea"/>
+                <a:cs typeface="+mn-cs"/>
+              </a:defRPr>
+            </a:lvl8pPr>
+            <a:lvl9pPr marL="3657600" algn="l" defTabSz="914400" rtl="0" eaLnBrk="1" latinLnBrk="1" hangingPunct="1">
+              <a:defRPr sz="1800" kern="1200">
+                <a:solidFill>
+                  <a:schemeClr val="lt1"/>
+                </a:solidFill>
+                <a:latin typeface="+mn-lt"/>
+                <a:ea typeface="+mn-ea"/>
+                <a:cs typeface="+mn-cs"/>
+              </a:defRPr>
+            </a:lvl9pPr>
+          </a:lstStyle>
+          <a:p>
+            <a:pPr algn="ctr"/>
+            <a:r>
+              <a:rPr lang="en-US" altLang="ko-KR" sz="1200" dirty="0" smtClean="0">
+                <a:solidFill>
+                  <a:schemeClr val="tx1"/>
+                </a:solidFill>
+              </a:rPr>
+              <a:t>START</a:t>
+            </a:r>
+            <a:endParaRPr lang="ko-KR" altLang="en-US" sz="1200" dirty="0">
+              <a:solidFill>
+                <a:schemeClr val="tx1"/>
+              </a:solidFill>
+            </a:endParaRPr>
+          </a:p>
+        </p:txBody>
+      </p:sp>
+      <p:sp>
+        <p:nvSpPr>
+          <p:cNvPr id="34" name="순서도: 수행의 시작/종료 33"/>
+          <p:cNvSpPr/>
+          <p:nvPr/>
+        </p:nvSpPr>
+        <p:spPr>
+          <a:xfrm>
+            <a:off x="8127534" y="6624811"/>
+            <a:ext cx="2096233" cy="333972"/>
+          </a:xfrm>
+          <a:prstGeom prst="flowChartTerminator">
+            <a:avLst/>
+          </a:prstGeom>
+          <a:noFill/>
+        </p:spPr>
+        <p:style>
+          <a:lnRef idx="2">
+            <a:schemeClr val="accent1">
+              <a:shade val="50000"/>
+            </a:schemeClr>
+          </a:lnRef>
+          <a:fillRef idx="1">
+            <a:schemeClr val="accent1"/>
+          </a:fillRef>
+          <a:effectRef idx="0">
+            <a:schemeClr val="accent1"/>
+          </a:effectRef>
+          <a:fontRef idx="minor">
+            <a:schemeClr val="lt1"/>
+          </a:fontRef>
+        </p:style>
+        <p:txBody>
+          <a:bodyPr lIns="0" tIns="0" rIns="0" bIns="0" rtlCol="0" anchor="ctr"/>
+          <a:lstStyle>
+            <a:defPPr>
+              <a:defRPr lang="ko-KR"/>
+            </a:defPPr>
+            <a:lvl1pPr marL="0" algn="l" defTabSz="914400" rtl="0" eaLnBrk="1" latinLnBrk="1" hangingPunct="1">
+              <a:defRPr sz="1800" kern="1200">
+                <a:solidFill>
+                  <a:schemeClr val="lt1"/>
+                </a:solidFill>
+                <a:latin typeface="+mn-lt"/>
+                <a:ea typeface="+mn-ea"/>
+                <a:cs typeface="+mn-cs"/>
+              </a:defRPr>
+            </a:lvl1pPr>
+            <a:lvl2pPr marL="457200" algn="l" defTabSz="914400" rtl="0" eaLnBrk="1" latinLnBrk="1" hangingPunct="1">
+              <a:defRPr sz="1800" kern="1200">
+                <a:solidFill>
+                  <a:schemeClr val="lt1"/>
+                </a:solidFill>
+                <a:latin typeface="+mn-lt"/>
+                <a:ea typeface="+mn-ea"/>
+                <a:cs typeface="+mn-cs"/>
+              </a:defRPr>
+            </a:lvl2pPr>
+            <a:lvl3pPr marL="914400" algn="l" defTabSz="914400" rtl="0" eaLnBrk="1" latinLnBrk="1" hangingPunct="1">
+              <a:defRPr sz="1800" kern="1200">
+                <a:solidFill>
+                  <a:schemeClr val="lt1"/>
+                </a:solidFill>
+                <a:latin typeface="+mn-lt"/>
+                <a:ea typeface="+mn-ea"/>
+                <a:cs typeface="+mn-cs"/>
+              </a:defRPr>
+            </a:lvl3pPr>
+            <a:lvl4pPr marL="1371600" algn="l" defTabSz="914400" rtl="0" eaLnBrk="1" latinLnBrk="1" hangingPunct="1">
+              <a:defRPr sz="1800" kern="1200">
+                <a:solidFill>
+                  <a:schemeClr val="lt1"/>
+                </a:solidFill>
+                <a:latin typeface="+mn-lt"/>
+                <a:ea typeface="+mn-ea"/>
+                <a:cs typeface="+mn-cs"/>
+              </a:defRPr>
+            </a:lvl4pPr>
+            <a:lvl5pPr marL="1828800" algn="l" defTabSz="914400" rtl="0" eaLnBrk="1" latinLnBrk="1" hangingPunct="1">
+              <a:defRPr sz="1800" kern="1200">
+                <a:solidFill>
+                  <a:schemeClr val="lt1"/>
+                </a:solidFill>
+                <a:latin typeface="+mn-lt"/>
+                <a:ea typeface="+mn-ea"/>
+                <a:cs typeface="+mn-cs"/>
+              </a:defRPr>
+            </a:lvl5pPr>
+            <a:lvl6pPr marL="2286000" algn="l" defTabSz="914400" rtl="0" eaLnBrk="1" latinLnBrk="1" hangingPunct="1">
+              <a:defRPr sz="1800" kern="1200">
+                <a:solidFill>
+                  <a:schemeClr val="lt1"/>
+                </a:solidFill>
+                <a:latin typeface="+mn-lt"/>
+                <a:ea typeface="+mn-ea"/>
+                <a:cs typeface="+mn-cs"/>
+              </a:defRPr>
+            </a:lvl6pPr>
+            <a:lvl7pPr marL="2743200" algn="l" defTabSz="914400" rtl="0" eaLnBrk="1" latinLnBrk="1" hangingPunct="1">
+              <a:defRPr sz="1800" kern="1200">
+                <a:solidFill>
+                  <a:schemeClr val="lt1"/>
+                </a:solidFill>
+                <a:latin typeface="+mn-lt"/>
+                <a:ea typeface="+mn-ea"/>
+                <a:cs typeface="+mn-cs"/>
+              </a:defRPr>
+            </a:lvl7pPr>
+            <a:lvl8pPr marL="3200400" algn="l" defTabSz="914400" rtl="0" eaLnBrk="1" latinLnBrk="1" hangingPunct="1">
+              <a:defRPr sz="1800" kern="1200">
+                <a:solidFill>
+                  <a:schemeClr val="lt1"/>
+                </a:solidFill>
+                <a:latin typeface="+mn-lt"/>
+                <a:ea typeface="+mn-ea"/>
+                <a:cs typeface="+mn-cs"/>
+              </a:defRPr>
+            </a:lvl8pPr>
+            <a:lvl9pPr marL="3657600" algn="l" defTabSz="914400" rtl="0" eaLnBrk="1" latinLnBrk="1" hangingPunct="1">
+              <a:defRPr sz="1800" kern="1200">
+                <a:solidFill>
+                  <a:schemeClr val="lt1"/>
+                </a:solidFill>
+                <a:latin typeface="+mn-lt"/>
+                <a:ea typeface="+mn-ea"/>
+                <a:cs typeface="+mn-cs"/>
+              </a:defRPr>
+            </a:lvl9pPr>
+          </a:lstStyle>
+          <a:p>
+            <a:pPr algn="ctr"/>
+            <a:r>
+              <a:rPr lang="en-US" altLang="ko-KR" sz="1200" dirty="0" smtClean="0">
+                <a:solidFill>
+                  <a:schemeClr val="tx1"/>
+                </a:solidFill>
+              </a:rPr>
+              <a:t>END</a:t>
+            </a:r>
+            <a:endParaRPr lang="ko-KR" altLang="en-US" sz="1200" dirty="0">
+              <a:solidFill>
+                <a:schemeClr val="tx1"/>
+              </a:solidFill>
+            </a:endParaRPr>
+          </a:p>
+        </p:txBody>
+      </p:sp>
+      <p:cxnSp>
+        <p:nvCxnSpPr>
+          <p:cNvPr id="35" name="직선 화살표 연결선 34"/>
+          <p:cNvCxnSpPr>
+            <a:stCxn id="33" idx="2"/>
+            <a:endCxn id="37" idx="0"/>
+          </p:cNvCxnSpPr>
+          <p:nvPr/>
+        </p:nvCxnSpPr>
+        <p:spPr>
+          <a:xfrm>
+            <a:off x="9172987" y="4557157"/>
+            <a:ext cx="2664" cy="227416"/>
+          </a:xfrm>
+          <a:prstGeom prst="straightConnector1">
+            <a:avLst/>
+          </a:prstGeom>
+          <a:ln>
+            <a:tailEnd type="arrow"/>
+          </a:ln>
+        </p:spPr>
+        <p:style>
+          <a:lnRef idx="1">
+            <a:schemeClr val="accent1"/>
+          </a:lnRef>
+          <a:fillRef idx="0">
+            <a:schemeClr val="accent1"/>
+          </a:fillRef>
+          <a:effectRef idx="0">
+            <a:schemeClr val="accent1"/>
+          </a:effectRef>
+          <a:fontRef idx="minor">
+            <a:schemeClr val="tx1"/>
+          </a:fontRef>
+        </p:style>
+      </p:cxnSp>
+      <p:cxnSp>
+        <p:nvCxnSpPr>
+          <p:cNvPr id="36" name="직선 화살표 연결선 35"/>
+          <p:cNvCxnSpPr>
+            <a:stCxn id="37" idx="2"/>
+            <a:endCxn id="34" idx="0"/>
+          </p:cNvCxnSpPr>
+          <p:nvPr/>
+        </p:nvCxnSpPr>
+        <p:spPr>
+          <a:xfrm>
+            <a:off x="9175651" y="5223330"/>
+            <a:ext cx="0" cy="1401481"/>
+          </a:xfrm>
+          <a:prstGeom prst="straightConnector1">
+            <a:avLst/>
+          </a:prstGeom>
+          <a:ln>
+            <a:tailEnd type="arrow"/>
+          </a:ln>
+        </p:spPr>
+        <p:style>
+          <a:lnRef idx="1">
+            <a:schemeClr val="accent1"/>
+          </a:lnRef>
+          <a:fillRef idx="0">
+            <a:schemeClr val="accent1"/>
+          </a:fillRef>
+          <a:effectRef idx="0">
+            <a:schemeClr val="accent1"/>
+          </a:effectRef>
+          <a:fontRef idx="minor">
+            <a:schemeClr val="tx1"/>
+          </a:fontRef>
+        </p:style>
+      </p:cxnSp>
+      <p:sp>
+        <p:nvSpPr>
+          <p:cNvPr id="37" name="순서도: 판단 36"/>
+          <p:cNvSpPr/>
+          <p:nvPr/>
+        </p:nvSpPr>
+        <p:spPr>
+          <a:xfrm>
+            <a:off x="8027171" y="4784573"/>
+            <a:ext cx="2296960" cy="438757"/>
+          </a:xfrm>
+          <a:prstGeom prst="flowChartDecision">
+            <a:avLst/>
+          </a:prstGeom>
+          <a:noFill/>
+        </p:spPr>
+        <p:style>
+          <a:lnRef idx="2">
+            <a:schemeClr val="accent1">
+              <a:shade val="50000"/>
+            </a:schemeClr>
+          </a:lnRef>
+          <a:fillRef idx="1">
+            <a:schemeClr val="accent1"/>
+          </a:fillRef>
+          <a:effectRef idx="0">
+            <a:schemeClr val="accent1"/>
+          </a:effectRef>
+          <a:fontRef idx="minor">
+            <a:schemeClr val="lt1"/>
+          </a:fontRef>
+        </p:style>
+        <p:txBody>
+          <a:bodyPr lIns="0" tIns="9578" rIns="0" bIns="9578" rtlCol="0" anchor="ctr"/>
+          <a:lstStyle>
+            <a:defPPr>
+              <a:defRPr lang="ko-KR"/>
+            </a:defPPr>
+            <a:lvl1pPr marL="0" algn="l" defTabSz="914400" rtl="0" eaLnBrk="1" latinLnBrk="1" hangingPunct="1">
+              <a:defRPr sz="1800" kern="1200">
+                <a:solidFill>
+                  <a:schemeClr val="lt1"/>
+                </a:solidFill>
+                <a:latin typeface="+mn-lt"/>
+                <a:ea typeface="+mn-ea"/>
+                <a:cs typeface="+mn-cs"/>
+              </a:defRPr>
+            </a:lvl1pPr>
+            <a:lvl2pPr marL="457200" algn="l" defTabSz="914400" rtl="0" eaLnBrk="1" latinLnBrk="1" hangingPunct="1">
+              <a:defRPr sz="1800" kern="1200">
+                <a:solidFill>
+                  <a:schemeClr val="lt1"/>
+                </a:solidFill>
+                <a:latin typeface="+mn-lt"/>
+                <a:ea typeface="+mn-ea"/>
+                <a:cs typeface="+mn-cs"/>
+              </a:defRPr>
+            </a:lvl2pPr>
+            <a:lvl3pPr marL="914400" algn="l" defTabSz="914400" rtl="0" eaLnBrk="1" latinLnBrk="1" hangingPunct="1">
+              <a:defRPr sz="1800" kern="1200">
+                <a:solidFill>
+                  <a:schemeClr val="lt1"/>
+                </a:solidFill>
+                <a:latin typeface="+mn-lt"/>
+                <a:ea typeface="+mn-ea"/>
+                <a:cs typeface="+mn-cs"/>
+              </a:defRPr>
+            </a:lvl3pPr>
+            <a:lvl4pPr marL="1371600" algn="l" defTabSz="914400" rtl="0" eaLnBrk="1" latinLnBrk="1" hangingPunct="1">
+              <a:defRPr sz="1800" kern="1200">
+                <a:solidFill>
+                  <a:schemeClr val="lt1"/>
+                </a:solidFill>
+                <a:latin typeface="+mn-lt"/>
+                <a:ea typeface="+mn-ea"/>
+                <a:cs typeface="+mn-cs"/>
+              </a:defRPr>
+            </a:lvl4pPr>
+            <a:lvl5pPr marL="1828800" algn="l" defTabSz="914400" rtl="0" eaLnBrk="1" latinLnBrk="1" hangingPunct="1">
+              <a:defRPr sz="1800" kern="1200">
+                <a:solidFill>
+                  <a:schemeClr val="lt1"/>
+                </a:solidFill>
+                <a:latin typeface="+mn-lt"/>
+                <a:ea typeface="+mn-ea"/>
+                <a:cs typeface="+mn-cs"/>
+              </a:defRPr>
+            </a:lvl5pPr>
+            <a:lvl6pPr marL="2286000" algn="l" defTabSz="914400" rtl="0" eaLnBrk="1" latinLnBrk="1" hangingPunct="1">
+              <a:defRPr sz="1800" kern="1200">
+                <a:solidFill>
+                  <a:schemeClr val="lt1"/>
+                </a:solidFill>
+                <a:latin typeface="+mn-lt"/>
+                <a:ea typeface="+mn-ea"/>
+                <a:cs typeface="+mn-cs"/>
+              </a:defRPr>
+            </a:lvl6pPr>
+            <a:lvl7pPr marL="2743200" algn="l" defTabSz="914400" rtl="0" eaLnBrk="1" latinLnBrk="1" hangingPunct="1">
+              <a:defRPr sz="1800" kern="1200">
+                <a:solidFill>
+                  <a:schemeClr val="lt1"/>
+                </a:solidFill>
+                <a:latin typeface="+mn-lt"/>
+                <a:ea typeface="+mn-ea"/>
+                <a:cs typeface="+mn-cs"/>
+              </a:defRPr>
+            </a:lvl7pPr>
+            <a:lvl8pPr marL="3200400" algn="l" defTabSz="914400" rtl="0" eaLnBrk="1" latinLnBrk="1" hangingPunct="1">
+              <a:defRPr sz="1800" kern="1200">
+                <a:solidFill>
+                  <a:schemeClr val="lt1"/>
+                </a:solidFill>
+                <a:latin typeface="+mn-lt"/>
+                <a:ea typeface="+mn-ea"/>
+                <a:cs typeface="+mn-cs"/>
+              </a:defRPr>
+            </a:lvl8pPr>
+            <a:lvl9pPr marL="3657600" algn="l" defTabSz="914400" rtl="0" eaLnBrk="1" latinLnBrk="1" hangingPunct="1">
+              <a:defRPr sz="1800" kern="1200">
+                <a:solidFill>
+                  <a:schemeClr val="lt1"/>
+                </a:solidFill>
+                <a:latin typeface="+mn-lt"/>
+                <a:ea typeface="+mn-ea"/>
+                <a:cs typeface="+mn-cs"/>
+              </a:defRPr>
+            </a:lvl9pPr>
+          </a:lstStyle>
+          <a:p>
+            <a:pPr algn="ctr"/>
+            <a:r>
+              <a:rPr lang="en-US" altLang="ko-KR" sz="1200" smtClean="0">
+                <a:solidFill>
+                  <a:schemeClr val="tx1"/>
+                </a:solidFill>
+              </a:rPr>
+              <a:t>fCanvas&lt;&gt; nil</a:t>
+            </a:r>
+            <a:endParaRPr lang="ko-KR" altLang="en-US" sz="1200" dirty="0">
+              <a:solidFill>
+                <a:schemeClr val="tx1"/>
+              </a:solidFill>
+            </a:endParaRPr>
+          </a:p>
+        </p:txBody>
+      </p:sp>
+      <p:sp>
+        <p:nvSpPr>
+          <p:cNvPr id="38" name="직사각형 37"/>
+          <p:cNvSpPr/>
+          <p:nvPr/>
+        </p:nvSpPr>
+        <p:spPr>
+          <a:xfrm rot="10800000" flipV="1">
+            <a:off x="9289130" y="5242467"/>
+            <a:ext cx="4248474" cy="1006000"/>
+          </a:xfrm>
+          <a:prstGeom prst="rect">
+            <a:avLst/>
+          </a:prstGeom>
+          <a:noFill/>
+        </p:spPr>
+        <p:style>
+          <a:lnRef idx="2">
+            <a:schemeClr val="accent1">
+              <a:shade val="50000"/>
+            </a:schemeClr>
+          </a:lnRef>
+          <a:fillRef idx="1">
+            <a:schemeClr val="accent1"/>
+          </a:fillRef>
+          <a:effectRef idx="0">
+            <a:schemeClr val="accent1"/>
+          </a:effectRef>
+          <a:fontRef idx="minor">
+            <a:schemeClr val="lt1"/>
+          </a:fontRef>
+        </p:style>
+        <p:txBody>
+          <a:bodyPr lIns="0" tIns="0" rIns="0" bIns="0" rtlCol="0" anchor="ctr"/>
+          <a:lstStyle>
+            <a:defPPr>
+              <a:defRPr lang="ko-KR"/>
+            </a:defPPr>
+            <a:lvl1pPr marL="0" algn="l" defTabSz="914400" rtl="0" eaLnBrk="1" latinLnBrk="1" hangingPunct="1">
+              <a:defRPr sz="1800" kern="1200">
+                <a:solidFill>
+                  <a:schemeClr val="lt1"/>
+                </a:solidFill>
+                <a:latin typeface="+mn-lt"/>
+                <a:ea typeface="+mn-ea"/>
+                <a:cs typeface="+mn-cs"/>
+              </a:defRPr>
+            </a:lvl1pPr>
+            <a:lvl2pPr marL="457200" algn="l" defTabSz="914400" rtl="0" eaLnBrk="1" latinLnBrk="1" hangingPunct="1">
+              <a:defRPr sz="1800" kern="1200">
+                <a:solidFill>
+                  <a:schemeClr val="lt1"/>
+                </a:solidFill>
+                <a:latin typeface="+mn-lt"/>
+                <a:ea typeface="+mn-ea"/>
+                <a:cs typeface="+mn-cs"/>
+              </a:defRPr>
+            </a:lvl2pPr>
+            <a:lvl3pPr marL="914400" algn="l" defTabSz="914400" rtl="0" eaLnBrk="1" latinLnBrk="1" hangingPunct="1">
+              <a:defRPr sz="1800" kern="1200">
+                <a:solidFill>
+                  <a:schemeClr val="lt1"/>
+                </a:solidFill>
+                <a:latin typeface="+mn-lt"/>
+                <a:ea typeface="+mn-ea"/>
+                <a:cs typeface="+mn-cs"/>
+              </a:defRPr>
+            </a:lvl3pPr>
+            <a:lvl4pPr marL="1371600" algn="l" defTabSz="914400" rtl="0" eaLnBrk="1" latinLnBrk="1" hangingPunct="1">
+              <a:defRPr sz="1800" kern="1200">
+                <a:solidFill>
+                  <a:schemeClr val="lt1"/>
+                </a:solidFill>
+                <a:latin typeface="+mn-lt"/>
+                <a:ea typeface="+mn-ea"/>
+                <a:cs typeface="+mn-cs"/>
+              </a:defRPr>
+            </a:lvl4pPr>
+            <a:lvl5pPr marL="1828800" algn="l" defTabSz="914400" rtl="0" eaLnBrk="1" latinLnBrk="1" hangingPunct="1">
+              <a:defRPr sz="1800" kern="1200">
+                <a:solidFill>
+                  <a:schemeClr val="lt1"/>
+                </a:solidFill>
+                <a:latin typeface="+mn-lt"/>
+                <a:ea typeface="+mn-ea"/>
+                <a:cs typeface="+mn-cs"/>
+              </a:defRPr>
+            </a:lvl5pPr>
+            <a:lvl6pPr marL="2286000" algn="l" defTabSz="914400" rtl="0" eaLnBrk="1" latinLnBrk="1" hangingPunct="1">
+              <a:defRPr sz="1800" kern="1200">
+                <a:solidFill>
+                  <a:schemeClr val="lt1"/>
+                </a:solidFill>
+                <a:latin typeface="+mn-lt"/>
+                <a:ea typeface="+mn-ea"/>
+                <a:cs typeface="+mn-cs"/>
+              </a:defRPr>
+            </a:lvl6pPr>
+            <a:lvl7pPr marL="2743200" algn="l" defTabSz="914400" rtl="0" eaLnBrk="1" latinLnBrk="1" hangingPunct="1">
+              <a:defRPr sz="1800" kern="1200">
+                <a:solidFill>
+                  <a:schemeClr val="lt1"/>
+                </a:solidFill>
+                <a:latin typeface="+mn-lt"/>
+                <a:ea typeface="+mn-ea"/>
+                <a:cs typeface="+mn-cs"/>
+              </a:defRPr>
+            </a:lvl7pPr>
+            <a:lvl8pPr marL="3200400" algn="l" defTabSz="914400" rtl="0" eaLnBrk="1" latinLnBrk="1" hangingPunct="1">
+              <a:defRPr sz="1800" kern="1200">
+                <a:solidFill>
+                  <a:schemeClr val="lt1"/>
+                </a:solidFill>
+                <a:latin typeface="+mn-lt"/>
+                <a:ea typeface="+mn-ea"/>
+                <a:cs typeface="+mn-cs"/>
+              </a:defRPr>
+            </a:lvl8pPr>
+            <a:lvl9pPr marL="3657600" algn="l" defTabSz="914400" rtl="0" eaLnBrk="1" latinLnBrk="1" hangingPunct="1">
+              <a:defRPr sz="1800" kern="1200">
+                <a:solidFill>
+                  <a:schemeClr val="lt1"/>
+                </a:solidFill>
+                <a:latin typeface="+mn-lt"/>
+                <a:ea typeface="+mn-ea"/>
+                <a:cs typeface="+mn-cs"/>
+              </a:defRPr>
+            </a:lvl9pPr>
+          </a:lstStyle>
+          <a:p>
+            <a:pPr algn="ctr"/>
+            <a:r>
+              <a:rPr lang="en-US" altLang="ko-KR" sz="1200" smtClean="0">
+                <a:solidFill>
+                  <a:schemeClr val="tx1"/>
+                </a:solidFill>
+              </a:rPr>
+              <a:t>fCanvas.MoveTo(fX </a:t>
+            </a:r>
+            <a:r>
+              <a:rPr lang="en-US" altLang="ko-KR" sz="1200" smtClean="0">
+                <a:solidFill>
+                  <a:schemeClr val="tx1"/>
+                </a:solidFill>
+              </a:rPr>
+              <a:t>+ fSize, fY + fSize)</a:t>
+            </a:r>
+          </a:p>
+          <a:p>
+            <a:pPr algn="ctr"/>
+            <a:r>
+              <a:rPr lang="en-US" altLang="ko-KR" sz="1200" smtClean="0">
+                <a:solidFill>
+                  <a:schemeClr val="tx1"/>
+                </a:solidFill>
+              </a:rPr>
+              <a:t>    fCanvas.LineTo(fX, fY - fSize)</a:t>
+            </a:r>
+          </a:p>
+          <a:p>
+            <a:pPr algn="ctr"/>
+            <a:r>
+              <a:rPr lang="en-US" altLang="ko-KR" sz="1200" smtClean="0">
+                <a:solidFill>
+                  <a:schemeClr val="tx1"/>
+                </a:solidFill>
+              </a:rPr>
+              <a:t>    fCanvas.LineTo(fX - fSize, fY + fSize)</a:t>
+            </a:r>
+          </a:p>
+          <a:p>
+            <a:pPr algn="ctr"/>
+            <a:r>
+              <a:rPr lang="en-US" altLang="ko-KR" sz="1200" smtClean="0">
+                <a:solidFill>
+                  <a:schemeClr val="tx1"/>
+                </a:solidFill>
+              </a:rPr>
+              <a:t>    fCanvas.LineTo(fX + fSize, fY + fSize)</a:t>
+            </a:r>
+            <a:endParaRPr lang="en-US" altLang="ko-KR" sz="1200" dirty="0" smtClean="0">
+              <a:solidFill>
+                <a:schemeClr val="tx1"/>
+              </a:solidFill>
+            </a:endParaRPr>
+          </a:p>
+        </p:txBody>
+      </p:sp>
+      <p:cxnSp>
+        <p:nvCxnSpPr>
+          <p:cNvPr id="39" name="Shape 38"/>
+          <p:cNvCxnSpPr>
+            <a:stCxn id="37" idx="3"/>
+            <a:endCxn id="38" idx="0"/>
+          </p:cNvCxnSpPr>
+          <p:nvPr/>
+        </p:nvCxnSpPr>
+        <p:spPr>
+          <a:xfrm>
+            <a:off x="10324131" y="5003952"/>
+            <a:ext cx="1089236" cy="238515"/>
+          </a:xfrm>
+          <a:prstGeom prst="bentConnector2">
+            <a:avLst/>
+          </a:prstGeom>
+          <a:ln>
+            <a:tailEnd type="arrow"/>
+          </a:ln>
+        </p:spPr>
+        <p:style>
+          <a:lnRef idx="1">
+            <a:schemeClr val="accent1"/>
+          </a:lnRef>
+          <a:fillRef idx="0">
+            <a:schemeClr val="accent1"/>
+          </a:fillRef>
+          <a:effectRef idx="0">
+            <a:schemeClr val="accent1"/>
+          </a:effectRef>
+          <a:fontRef idx="minor">
+            <a:schemeClr val="tx1"/>
+          </a:fontRef>
+        </p:style>
+      </p:cxnSp>
+      <p:cxnSp>
+        <p:nvCxnSpPr>
+          <p:cNvPr id="40" name="Shape 39"/>
+          <p:cNvCxnSpPr>
+            <a:stCxn id="38" idx="2"/>
+          </p:cNvCxnSpPr>
+          <p:nvPr/>
+        </p:nvCxnSpPr>
+        <p:spPr>
+          <a:xfrm rot="5400000">
+            <a:off x="10197032" y="5224422"/>
+            <a:ext cx="192290" cy="2240380"/>
+          </a:xfrm>
+          <a:prstGeom prst="bentConnector2">
+            <a:avLst/>
+          </a:prstGeom>
+          <a:ln>
+            <a:tailEnd type="arrow"/>
+          </a:ln>
+        </p:spPr>
+        <p:style>
+          <a:lnRef idx="1">
+            <a:schemeClr val="accent1"/>
+          </a:lnRef>
+          <a:fillRef idx="0">
+            <a:schemeClr val="accent1"/>
+          </a:fillRef>
+          <a:effectRef idx="0">
+            <a:schemeClr val="accent1"/>
+          </a:effectRef>
+          <a:fontRef idx="minor">
+            <a:schemeClr val="tx1"/>
+          </a:fontRef>
+        </p:style>
+      </p:cxnSp>
+      <p:sp>
+        <p:nvSpPr>
+          <p:cNvPr id="42" name="TextBox 98"/>
+          <p:cNvSpPr txBox="1"/>
+          <p:nvPr/>
+        </p:nvSpPr>
+        <p:spPr>
+          <a:xfrm>
+            <a:off x="10047427" y="4801340"/>
+            <a:ext cx="276704" cy="127249"/>
+          </a:xfrm>
+          <a:prstGeom prst="rect">
+            <a:avLst/>
+          </a:prstGeom>
+          <a:noFill/>
+        </p:spPr>
+        <p:txBody>
+          <a:bodyPr wrap="square" lIns="0" tIns="0" rIns="0" bIns="0" rtlCol="0">
+            <a:spAutoFit/>
+          </a:bodyPr>
+          <a:lstStyle>
+            <a:defPPr>
+              <a:defRPr lang="ko-KR"/>
+            </a:defPPr>
+            <a:lvl1pPr marL="0" algn="l" defTabSz="914400" rtl="0" eaLnBrk="1" latinLnBrk="1" hangingPunct="1">
+              <a:defRPr sz="1800" kern="1200">
+                <a:solidFill>
+                  <a:schemeClr val="tx1"/>
+                </a:solidFill>
+                <a:latin typeface="+mn-lt"/>
+                <a:ea typeface="+mn-ea"/>
+                <a:cs typeface="+mn-cs"/>
+              </a:defRPr>
+            </a:lvl1pPr>
+            <a:lvl2pPr marL="457200" algn="l" defTabSz="914400" rtl="0" eaLnBrk="1" latinLnBrk="1" hangingPunct="1">
+              <a:defRPr sz="1800" kern="1200">
+                <a:solidFill>
+                  <a:schemeClr val="tx1"/>
+                </a:solidFill>
+                <a:latin typeface="+mn-lt"/>
+                <a:ea typeface="+mn-ea"/>
+                <a:cs typeface="+mn-cs"/>
+              </a:defRPr>
+            </a:lvl2pPr>
+            <a:lvl3pPr marL="914400" algn="l" defTabSz="914400" rtl="0" eaLnBrk="1" latinLnBrk="1" hangingPunct="1">
+              <a:defRPr sz="1800" kern="1200">
+                <a:solidFill>
+                  <a:schemeClr val="tx1"/>
+                </a:solidFill>
+                <a:latin typeface="+mn-lt"/>
+                <a:ea typeface="+mn-ea"/>
+                <a:cs typeface="+mn-cs"/>
+              </a:defRPr>
+            </a:lvl3pPr>
+            <a:lvl4pPr marL="1371600" algn="l" defTabSz="914400" rtl="0" eaLnBrk="1" latinLnBrk="1" hangingPunct="1">
+              <a:defRPr sz="1800" kern="1200">
+                <a:solidFill>
+                  <a:schemeClr val="tx1"/>
+                </a:solidFill>
+                <a:latin typeface="+mn-lt"/>
+                <a:ea typeface="+mn-ea"/>
+                <a:cs typeface="+mn-cs"/>
+              </a:defRPr>
+            </a:lvl4pPr>
+            <a:lvl5pPr marL="1828800" algn="l" defTabSz="914400" rtl="0" eaLnBrk="1" latinLnBrk="1" hangingPunct="1">
+              <a:defRPr sz="1800" kern="1200">
+                <a:solidFill>
+                  <a:schemeClr val="tx1"/>
+                </a:solidFill>
+                <a:latin typeface="+mn-lt"/>
+                <a:ea typeface="+mn-ea"/>
+                <a:cs typeface="+mn-cs"/>
+              </a:defRPr>
+            </a:lvl5pPr>
+            <a:lvl6pPr marL="2286000" algn="l" defTabSz="914400" rtl="0" eaLnBrk="1" latinLnBrk="1" hangingPunct="1">
+              <a:defRPr sz="1800" kern="1200">
+                <a:solidFill>
+                  <a:schemeClr val="tx1"/>
+                </a:solidFill>
+                <a:latin typeface="+mn-lt"/>
+                <a:ea typeface="+mn-ea"/>
+                <a:cs typeface="+mn-cs"/>
+              </a:defRPr>
+            </a:lvl6pPr>
+            <a:lvl7pPr marL="2743200" algn="l" defTabSz="914400" rtl="0" eaLnBrk="1" latinLnBrk="1" hangingPunct="1">
+              <a:defRPr sz="1800" kern="1200">
+                <a:solidFill>
+                  <a:schemeClr val="tx1"/>
+                </a:solidFill>
+                <a:latin typeface="+mn-lt"/>
+                <a:ea typeface="+mn-ea"/>
+                <a:cs typeface="+mn-cs"/>
+              </a:defRPr>
+            </a:lvl7pPr>
+            <a:lvl8pPr marL="3200400" algn="l" defTabSz="914400" rtl="0" eaLnBrk="1" latinLnBrk="1" hangingPunct="1">
+              <a:defRPr sz="1800" kern="1200">
+                <a:solidFill>
+                  <a:schemeClr val="tx1"/>
+                </a:solidFill>
+                <a:latin typeface="+mn-lt"/>
+                <a:ea typeface="+mn-ea"/>
+                <a:cs typeface="+mn-cs"/>
+              </a:defRPr>
+            </a:lvl8pPr>
+            <a:lvl9pPr marL="3657600" algn="l" defTabSz="914400" rtl="0" eaLnBrk="1" latinLnBrk="1" hangingPunct="1">
+              <a:defRPr sz="1800" kern="1200">
+                <a:solidFill>
+                  <a:schemeClr val="tx1"/>
+                </a:solidFill>
+                <a:latin typeface="+mn-lt"/>
+                <a:ea typeface="+mn-ea"/>
+                <a:cs typeface="+mn-cs"/>
+              </a:defRPr>
+            </a:lvl9pPr>
+          </a:lstStyle>
+          <a:p>
+            <a:r>
+              <a:rPr lang="en-US" altLang="ko-KR" sz="1200" dirty="0" smtClean="0"/>
+              <a:t>Yes</a:t>
+            </a:r>
+            <a:endParaRPr lang="ko-KR" altLang="en-US" sz="1200" dirty="0"/>
+          </a:p>
+        </p:txBody>
+      </p:sp>
+      <p:sp>
+        <p:nvSpPr>
+          <p:cNvPr id="44" name="TextBox 113"/>
+          <p:cNvSpPr txBox="1"/>
+          <p:nvPr/>
+        </p:nvSpPr>
+        <p:spPr>
+          <a:xfrm>
+            <a:off x="8798335" y="5223330"/>
+            <a:ext cx="209687" cy="127249"/>
+          </a:xfrm>
+          <a:prstGeom prst="rect">
+            <a:avLst/>
+          </a:prstGeom>
+          <a:noFill/>
+        </p:spPr>
+        <p:txBody>
+          <a:bodyPr wrap="square" lIns="0" tIns="0" rIns="0" bIns="0" rtlCol="0">
+            <a:spAutoFit/>
+          </a:bodyPr>
+          <a:lstStyle>
+            <a:defPPr>
+              <a:defRPr lang="ko-KR"/>
+            </a:defPPr>
+            <a:lvl1pPr marL="0" algn="l" defTabSz="914400" rtl="0" eaLnBrk="1" latinLnBrk="1" hangingPunct="1">
+              <a:defRPr sz="1800" kern="1200">
+                <a:solidFill>
+                  <a:schemeClr val="tx1"/>
+                </a:solidFill>
+                <a:latin typeface="+mn-lt"/>
+                <a:ea typeface="+mn-ea"/>
+                <a:cs typeface="+mn-cs"/>
+              </a:defRPr>
+            </a:lvl1pPr>
+            <a:lvl2pPr marL="457200" algn="l" defTabSz="914400" rtl="0" eaLnBrk="1" latinLnBrk="1" hangingPunct="1">
+              <a:defRPr sz="1800" kern="1200">
+                <a:solidFill>
+                  <a:schemeClr val="tx1"/>
+                </a:solidFill>
+                <a:latin typeface="+mn-lt"/>
+                <a:ea typeface="+mn-ea"/>
+                <a:cs typeface="+mn-cs"/>
+              </a:defRPr>
+            </a:lvl2pPr>
+            <a:lvl3pPr marL="914400" algn="l" defTabSz="914400" rtl="0" eaLnBrk="1" latinLnBrk="1" hangingPunct="1">
+              <a:defRPr sz="1800" kern="1200">
+                <a:solidFill>
+                  <a:schemeClr val="tx1"/>
+                </a:solidFill>
+                <a:latin typeface="+mn-lt"/>
+                <a:ea typeface="+mn-ea"/>
+                <a:cs typeface="+mn-cs"/>
+              </a:defRPr>
+            </a:lvl3pPr>
+            <a:lvl4pPr marL="1371600" algn="l" defTabSz="914400" rtl="0" eaLnBrk="1" latinLnBrk="1" hangingPunct="1">
+              <a:defRPr sz="1800" kern="1200">
+                <a:solidFill>
+                  <a:schemeClr val="tx1"/>
+                </a:solidFill>
+                <a:latin typeface="+mn-lt"/>
+                <a:ea typeface="+mn-ea"/>
+                <a:cs typeface="+mn-cs"/>
+              </a:defRPr>
+            </a:lvl4pPr>
+            <a:lvl5pPr marL="1828800" algn="l" defTabSz="914400" rtl="0" eaLnBrk="1" latinLnBrk="1" hangingPunct="1">
+              <a:defRPr sz="1800" kern="1200">
+                <a:solidFill>
+                  <a:schemeClr val="tx1"/>
+                </a:solidFill>
+                <a:latin typeface="+mn-lt"/>
+                <a:ea typeface="+mn-ea"/>
+                <a:cs typeface="+mn-cs"/>
+              </a:defRPr>
+            </a:lvl5pPr>
+            <a:lvl6pPr marL="2286000" algn="l" defTabSz="914400" rtl="0" eaLnBrk="1" latinLnBrk="1" hangingPunct="1">
+              <a:defRPr sz="1800" kern="1200">
+                <a:solidFill>
+                  <a:schemeClr val="tx1"/>
+                </a:solidFill>
+                <a:latin typeface="+mn-lt"/>
+                <a:ea typeface="+mn-ea"/>
+                <a:cs typeface="+mn-cs"/>
+              </a:defRPr>
+            </a:lvl6pPr>
+            <a:lvl7pPr marL="2743200" algn="l" defTabSz="914400" rtl="0" eaLnBrk="1" latinLnBrk="1" hangingPunct="1">
+              <a:defRPr sz="1800" kern="1200">
+                <a:solidFill>
+                  <a:schemeClr val="tx1"/>
+                </a:solidFill>
+                <a:latin typeface="+mn-lt"/>
+                <a:ea typeface="+mn-ea"/>
+                <a:cs typeface="+mn-cs"/>
+              </a:defRPr>
+            </a:lvl7pPr>
+            <a:lvl8pPr marL="3200400" algn="l" defTabSz="914400" rtl="0" eaLnBrk="1" latinLnBrk="1" hangingPunct="1">
+              <a:defRPr sz="1800" kern="1200">
+                <a:solidFill>
+                  <a:schemeClr val="tx1"/>
+                </a:solidFill>
+                <a:latin typeface="+mn-lt"/>
+                <a:ea typeface="+mn-ea"/>
+                <a:cs typeface="+mn-cs"/>
+              </a:defRPr>
+            </a:lvl8pPr>
+            <a:lvl9pPr marL="3657600" algn="l" defTabSz="914400" rtl="0" eaLnBrk="1" latinLnBrk="1" hangingPunct="1">
+              <a:defRPr sz="1800" kern="1200">
+                <a:solidFill>
+                  <a:schemeClr val="tx1"/>
+                </a:solidFill>
+                <a:latin typeface="+mn-lt"/>
+                <a:ea typeface="+mn-ea"/>
+                <a:cs typeface="+mn-cs"/>
+              </a:defRPr>
+            </a:lvl9pPr>
+          </a:lstStyle>
+          <a:p>
+            <a:r>
+              <a:rPr lang="en-US" altLang="ko-KR" sz="1200" dirty="0" smtClean="0"/>
+              <a:t>No</a:t>
+            </a:r>
+            <a:endParaRPr lang="ko-KR" altLang="en-US" sz="1200" dirty="0"/>
+          </a:p>
+        </p:txBody>
+      </p:sp>
+      <p:grpSp>
+        <p:nvGrpSpPr>
+          <p:cNvPr id="48" name="그룹 184"/>
+          <p:cNvGrpSpPr/>
+          <p:nvPr/>
+        </p:nvGrpSpPr>
+        <p:grpSpPr>
+          <a:xfrm>
+            <a:off x="7920980" y="7168897"/>
+            <a:ext cx="5688737" cy="3344344"/>
+            <a:chOff x="4926743" y="1610229"/>
+            <a:chExt cx="3363886" cy="575025"/>
+          </a:xfrm>
+        </p:grpSpPr>
+        <p:sp>
+          <p:nvSpPr>
+            <p:cNvPr id="49" name="직사각형 48"/>
+            <p:cNvSpPr/>
+            <p:nvPr/>
+          </p:nvSpPr>
+          <p:spPr>
+            <a:xfrm rot="10800000" flipV="1">
+              <a:off x="4926743" y="1678678"/>
+              <a:ext cx="3363885" cy="506576"/>
+            </a:xfrm>
+            <a:prstGeom prst="rect">
+              <a:avLst/>
+            </a:prstGeom>
+            <a:noFill/>
+          </p:spPr>
+          <p:style>
+            <a:lnRef idx="2">
+              <a:schemeClr val="accent1">
+                <a:shade val="50000"/>
+              </a:schemeClr>
+            </a:lnRef>
+            <a:fillRef idx="1">
+              <a:schemeClr val="accent1"/>
+            </a:fillRef>
+            <a:effectRef idx="0">
+              <a:schemeClr val="accent1"/>
+            </a:effectRef>
+            <a:fontRef idx="minor">
+              <a:schemeClr val="lt1"/>
+            </a:fontRef>
+          </p:style>
+          <p:txBody>
+            <a:bodyPr lIns="0" tIns="0" rIns="0" bIns="0" rtlCol="0" anchor="ctr"/>
+            <a:lstStyle>
+              <a:defPPr>
+                <a:defRPr lang="ko-KR"/>
+              </a:defPPr>
+              <a:lvl1pPr marL="0" algn="l" defTabSz="914400" rtl="0" eaLnBrk="1" latinLnBrk="1" hangingPunct="1">
+                <a:defRPr sz="1800" kern="1200">
+                  <a:solidFill>
+                    <a:schemeClr val="lt1"/>
+                  </a:solidFill>
+                  <a:latin typeface="+mn-lt"/>
+                  <a:ea typeface="+mn-ea"/>
+                  <a:cs typeface="+mn-cs"/>
+                </a:defRPr>
+              </a:lvl1pPr>
+              <a:lvl2pPr marL="457200" algn="l" defTabSz="914400" rtl="0" eaLnBrk="1" latinLnBrk="1" hangingPunct="1">
+                <a:defRPr sz="1800" kern="1200">
+                  <a:solidFill>
+                    <a:schemeClr val="lt1"/>
+                  </a:solidFill>
+                  <a:latin typeface="+mn-lt"/>
+                  <a:ea typeface="+mn-ea"/>
+                  <a:cs typeface="+mn-cs"/>
+                </a:defRPr>
+              </a:lvl2pPr>
+              <a:lvl3pPr marL="914400" algn="l" defTabSz="914400" rtl="0" eaLnBrk="1" latinLnBrk="1" hangingPunct="1">
+                <a:defRPr sz="1800" kern="1200">
+                  <a:solidFill>
+                    <a:schemeClr val="lt1"/>
+                  </a:solidFill>
+                  <a:latin typeface="+mn-lt"/>
+                  <a:ea typeface="+mn-ea"/>
+                  <a:cs typeface="+mn-cs"/>
+                </a:defRPr>
+              </a:lvl3pPr>
+              <a:lvl4pPr marL="1371600" algn="l" defTabSz="914400" rtl="0" eaLnBrk="1" latinLnBrk="1" hangingPunct="1">
+                <a:defRPr sz="1800" kern="1200">
+                  <a:solidFill>
+                    <a:schemeClr val="lt1"/>
+                  </a:solidFill>
+                  <a:latin typeface="+mn-lt"/>
+                  <a:ea typeface="+mn-ea"/>
+                  <a:cs typeface="+mn-cs"/>
+                </a:defRPr>
+              </a:lvl4pPr>
+              <a:lvl5pPr marL="1828800" algn="l" defTabSz="914400" rtl="0" eaLnBrk="1" latinLnBrk="1" hangingPunct="1">
+                <a:defRPr sz="1800" kern="1200">
+                  <a:solidFill>
+                    <a:schemeClr val="lt1"/>
+                  </a:solidFill>
+                  <a:latin typeface="+mn-lt"/>
+                  <a:ea typeface="+mn-ea"/>
+                  <a:cs typeface="+mn-cs"/>
+                </a:defRPr>
+              </a:lvl5pPr>
+              <a:lvl6pPr marL="2286000" algn="l" defTabSz="914400" rtl="0" eaLnBrk="1" latinLnBrk="1" hangingPunct="1">
+                <a:defRPr sz="1800" kern="1200">
+                  <a:solidFill>
+                    <a:schemeClr val="lt1"/>
+                  </a:solidFill>
+                  <a:latin typeface="+mn-lt"/>
+                  <a:ea typeface="+mn-ea"/>
+                  <a:cs typeface="+mn-cs"/>
+                </a:defRPr>
+              </a:lvl6pPr>
+              <a:lvl7pPr marL="2743200" algn="l" defTabSz="914400" rtl="0" eaLnBrk="1" latinLnBrk="1" hangingPunct="1">
+                <a:defRPr sz="1800" kern="1200">
+                  <a:solidFill>
+                    <a:schemeClr val="lt1"/>
+                  </a:solidFill>
+                  <a:latin typeface="+mn-lt"/>
+                  <a:ea typeface="+mn-ea"/>
+                  <a:cs typeface="+mn-cs"/>
+                </a:defRPr>
+              </a:lvl7pPr>
+              <a:lvl8pPr marL="3200400" algn="l" defTabSz="914400" rtl="0" eaLnBrk="1" latinLnBrk="1" hangingPunct="1">
+                <a:defRPr sz="1800" kern="1200">
+                  <a:solidFill>
+                    <a:schemeClr val="lt1"/>
+                  </a:solidFill>
+                  <a:latin typeface="+mn-lt"/>
+                  <a:ea typeface="+mn-ea"/>
+                  <a:cs typeface="+mn-cs"/>
+                </a:defRPr>
+              </a:lvl8pPr>
+              <a:lvl9pPr marL="3657600" algn="l" defTabSz="914400" rtl="0" eaLnBrk="1" latinLnBrk="1" hangingPunct="1">
+                <a:defRPr sz="1800" kern="1200">
+                  <a:solidFill>
+                    <a:schemeClr val="lt1"/>
+                  </a:solidFill>
+                  <a:latin typeface="+mn-lt"/>
+                  <a:ea typeface="+mn-ea"/>
+                  <a:cs typeface="+mn-cs"/>
+                </a:defRPr>
+              </a:lvl9pPr>
+            </a:lstStyle>
+            <a:p>
+              <a:pPr algn="ctr"/>
+              <a:endParaRPr lang="ko-KR" altLang="en-US" sz="1200" dirty="0">
+                <a:solidFill>
+                  <a:schemeClr val="tx1"/>
+                </a:solidFill>
+              </a:endParaRPr>
+            </a:p>
+          </p:txBody>
+        </p:sp>
+        <p:sp>
+          <p:nvSpPr>
+            <p:cNvPr id="50" name="직사각형 49"/>
+            <p:cNvSpPr/>
+            <p:nvPr/>
+          </p:nvSpPr>
+          <p:spPr>
+            <a:xfrm rot="10800000" flipV="1">
+              <a:off x="4926751" y="1610229"/>
+              <a:ext cx="3363878" cy="62544"/>
+            </a:xfrm>
+            <a:prstGeom prst="rect">
+              <a:avLst/>
+            </a:prstGeom>
+            <a:noFill/>
+            <a:ln>
+              <a:noFill/>
+            </a:ln>
+          </p:spPr>
+          <p:style>
+            <a:lnRef idx="2">
+              <a:schemeClr val="accent1">
+                <a:shade val="50000"/>
+              </a:schemeClr>
+            </a:lnRef>
+            <a:fillRef idx="1">
+              <a:schemeClr val="accent1"/>
+            </a:fillRef>
+            <a:effectRef idx="0">
+              <a:schemeClr val="accent1"/>
+            </a:effectRef>
+            <a:fontRef idx="minor">
+              <a:schemeClr val="lt1"/>
+            </a:fontRef>
+          </p:style>
+          <p:txBody>
+            <a:bodyPr lIns="0" tIns="0" rIns="0" bIns="0" rtlCol="0" anchor="ctr"/>
+            <a:lstStyle>
+              <a:defPPr>
+                <a:defRPr lang="ko-KR"/>
+              </a:defPPr>
+              <a:lvl1pPr marL="0" algn="l" defTabSz="914400" rtl="0" eaLnBrk="1" latinLnBrk="1" hangingPunct="1">
+                <a:defRPr sz="1800" kern="1200">
+                  <a:solidFill>
+                    <a:schemeClr val="lt1"/>
+                  </a:solidFill>
+                  <a:latin typeface="+mn-lt"/>
+                  <a:ea typeface="+mn-ea"/>
+                  <a:cs typeface="+mn-cs"/>
+                </a:defRPr>
+              </a:lvl1pPr>
+              <a:lvl2pPr marL="457200" algn="l" defTabSz="914400" rtl="0" eaLnBrk="1" latinLnBrk="1" hangingPunct="1">
+                <a:defRPr sz="1800" kern="1200">
+                  <a:solidFill>
+                    <a:schemeClr val="lt1"/>
+                  </a:solidFill>
+                  <a:latin typeface="+mn-lt"/>
+                  <a:ea typeface="+mn-ea"/>
+                  <a:cs typeface="+mn-cs"/>
+                </a:defRPr>
+              </a:lvl2pPr>
+              <a:lvl3pPr marL="914400" algn="l" defTabSz="914400" rtl="0" eaLnBrk="1" latinLnBrk="1" hangingPunct="1">
+                <a:defRPr sz="1800" kern="1200">
+                  <a:solidFill>
+                    <a:schemeClr val="lt1"/>
+                  </a:solidFill>
+                  <a:latin typeface="+mn-lt"/>
+                  <a:ea typeface="+mn-ea"/>
+                  <a:cs typeface="+mn-cs"/>
+                </a:defRPr>
+              </a:lvl3pPr>
+              <a:lvl4pPr marL="1371600" algn="l" defTabSz="914400" rtl="0" eaLnBrk="1" latinLnBrk="1" hangingPunct="1">
+                <a:defRPr sz="1800" kern="1200">
+                  <a:solidFill>
+                    <a:schemeClr val="lt1"/>
+                  </a:solidFill>
+                  <a:latin typeface="+mn-lt"/>
+                  <a:ea typeface="+mn-ea"/>
+                  <a:cs typeface="+mn-cs"/>
+                </a:defRPr>
+              </a:lvl4pPr>
+              <a:lvl5pPr marL="1828800" algn="l" defTabSz="914400" rtl="0" eaLnBrk="1" latinLnBrk="1" hangingPunct="1">
+                <a:defRPr sz="1800" kern="1200">
+                  <a:solidFill>
+                    <a:schemeClr val="lt1"/>
+                  </a:solidFill>
+                  <a:latin typeface="+mn-lt"/>
+                  <a:ea typeface="+mn-ea"/>
+                  <a:cs typeface="+mn-cs"/>
+                </a:defRPr>
+              </a:lvl5pPr>
+              <a:lvl6pPr marL="2286000" algn="l" defTabSz="914400" rtl="0" eaLnBrk="1" latinLnBrk="1" hangingPunct="1">
+                <a:defRPr sz="1800" kern="1200">
+                  <a:solidFill>
+                    <a:schemeClr val="lt1"/>
+                  </a:solidFill>
+                  <a:latin typeface="+mn-lt"/>
+                  <a:ea typeface="+mn-ea"/>
+                  <a:cs typeface="+mn-cs"/>
+                </a:defRPr>
+              </a:lvl6pPr>
+              <a:lvl7pPr marL="2743200" algn="l" defTabSz="914400" rtl="0" eaLnBrk="1" latinLnBrk="1" hangingPunct="1">
+                <a:defRPr sz="1800" kern="1200">
+                  <a:solidFill>
+                    <a:schemeClr val="lt1"/>
+                  </a:solidFill>
+                  <a:latin typeface="+mn-lt"/>
+                  <a:ea typeface="+mn-ea"/>
+                  <a:cs typeface="+mn-cs"/>
+                </a:defRPr>
+              </a:lvl7pPr>
+              <a:lvl8pPr marL="3200400" algn="l" defTabSz="914400" rtl="0" eaLnBrk="1" latinLnBrk="1" hangingPunct="1">
+                <a:defRPr sz="1800" kern="1200">
+                  <a:solidFill>
+                    <a:schemeClr val="lt1"/>
+                  </a:solidFill>
+                  <a:latin typeface="+mn-lt"/>
+                  <a:ea typeface="+mn-ea"/>
+                  <a:cs typeface="+mn-cs"/>
+                </a:defRPr>
+              </a:lvl8pPr>
+              <a:lvl9pPr marL="3657600" algn="l" defTabSz="914400" rtl="0" eaLnBrk="1" latinLnBrk="1" hangingPunct="1">
+                <a:defRPr sz="1800" kern="1200">
+                  <a:solidFill>
+                    <a:schemeClr val="lt1"/>
+                  </a:solidFill>
+                  <a:latin typeface="+mn-lt"/>
+                  <a:ea typeface="+mn-ea"/>
+                  <a:cs typeface="+mn-cs"/>
+                </a:defRPr>
+              </a:lvl9pPr>
+            </a:lstStyle>
+            <a:p>
+              <a:pPr algn="ctr"/>
+              <a:r>
+                <a:rPr lang="en-US" altLang="ko-KR" sz="1200" smtClean="0">
+                  <a:solidFill>
+                    <a:schemeClr val="tx1"/>
+                  </a:solidFill>
+                </a:rPr>
+                <a:t>TRactangle.Draw</a:t>
+              </a:r>
+              <a:endParaRPr lang="ko-KR" altLang="en-US" sz="1200" dirty="0">
+                <a:solidFill>
+                  <a:schemeClr val="tx1"/>
+                </a:solidFill>
+              </a:endParaRPr>
+            </a:p>
+          </p:txBody>
+        </p:sp>
+      </p:grpSp>
+      <p:sp>
+        <p:nvSpPr>
+          <p:cNvPr id="51" name="순서도: 수행의 시작/종료 50"/>
+          <p:cNvSpPr/>
+          <p:nvPr/>
+        </p:nvSpPr>
+        <p:spPr>
+          <a:xfrm>
+            <a:off x="8222841" y="7768902"/>
+            <a:ext cx="1900293" cy="284677"/>
+          </a:xfrm>
+          <a:prstGeom prst="flowChartTerminator">
+            <a:avLst/>
+          </a:prstGeom>
+          <a:noFill/>
+        </p:spPr>
+        <p:style>
+          <a:lnRef idx="2">
+            <a:schemeClr val="accent1">
+              <a:shade val="50000"/>
+            </a:schemeClr>
+          </a:lnRef>
+          <a:fillRef idx="1">
+            <a:schemeClr val="accent1"/>
+          </a:fillRef>
+          <a:effectRef idx="0">
+            <a:schemeClr val="accent1"/>
+          </a:effectRef>
+          <a:fontRef idx="minor">
+            <a:schemeClr val="lt1"/>
+          </a:fontRef>
+        </p:style>
+        <p:txBody>
+          <a:bodyPr lIns="0" tIns="0" rIns="0" bIns="0" rtlCol="0" anchor="ctr"/>
+          <a:lstStyle>
+            <a:defPPr>
+              <a:defRPr lang="ko-KR"/>
+            </a:defPPr>
+            <a:lvl1pPr marL="0" algn="l" defTabSz="914400" rtl="0" eaLnBrk="1" latinLnBrk="1" hangingPunct="1">
+              <a:defRPr sz="1800" kern="1200">
+                <a:solidFill>
+                  <a:schemeClr val="lt1"/>
+                </a:solidFill>
+                <a:latin typeface="+mn-lt"/>
+                <a:ea typeface="+mn-ea"/>
+                <a:cs typeface="+mn-cs"/>
+              </a:defRPr>
+            </a:lvl1pPr>
+            <a:lvl2pPr marL="457200" algn="l" defTabSz="914400" rtl="0" eaLnBrk="1" latinLnBrk="1" hangingPunct="1">
+              <a:defRPr sz="1800" kern="1200">
+                <a:solidFill>
+                  <a:schemeClr val="lt1"/>
+                </a:solidFill>
+                <a:latin typeface="+mn-lt"/>
+                <a:ea typeface="+mn-ea"/>
+                <a:cs typeface="+mn-cs"/>
+              </a:defRPr>
+            </a:lvl2pPr>
+            <a:lvl3pPr marL="914400" algn="l" defTabSz="914400" rtl="0" eaLnBrk="1" latinLnBrk="1" hangingPunct="1">
+              <a:defRPr sz="1800" kern="1200">
+                <a:solidFill>
+                  <a:schemeClr val="lt1"/>
+                </a:solidFill>
+                <a:latin typeface="+mn-lt"/>
+                <a:ea typeface="+mn-ea"/>
+                <a:cs typeface="+mn-cs"/>
+              </a:defRPr>
+            </a:lvl3pPr>
+            <a:lvl4pPr marL="1371600" algn="l" defTabSz="914400" rtl="0" eaLnBrk="1" latinLnBrk="1" hangingPunct="1">
+              <a:defRPr sz="1800" kern="1200">
+                <a:solidFill>
+                  <a:schemeClr val="lt1"/>
+                </a:solidFill>
+                <a:latin typeface="+mn-lt"/>
+                <a:ea typeface="+mn-ea"/>
+                <a:cs typeface="+mn-cs"/>
+              </a:defRPr>
+            </a:lvl4pPr>
+            <a:lvl5pPr marL="1828800" algn="l" defTabSz="914400" rtl="0" eaLnBrk="1" latinLnBrk="1" hangingPunct="1">
+              <a:defRPr sz="1800" kern="1200">
+                <a:solidFill>
+                  <a:schemeClr val="lt1"/>
+                </a:solidFill>
+                <a:latin typeface="+mn-lt"/>
+                <a:ea typeface="+mn-ea"/>
+                <a:cs typeface="+mn-cs"/>
+              </a:defRPr>
+            </a:lvl5pPr>
+            <a:lvl6pPr marL="2286000" algn="l" defTabSz="914400" rtl="0" eaLnBrk="1" latinLnBrk="1" hangingPunct="1">
+              <a:defRPr sz="1800" kern="1200">
+                <a:solidFill>
+                  <a:schemeClr val="lt1"/>
+                </a:solidFill>
+                <a:latin typeface="+mn-lt"/>
+                <a:ea typeface="+mn-ea"/>
+                <a:cs typeface="+mn-cs"/>
+              </a:defRPr>
+            </a:lvl6pPr>
+            <a:lvl7pPr marL="2743200" algn="l" defTabSz="914400" rtl="0" eaLnBrk="1" latinLnBrk="1" hangingPunct="1">
+              <a:defRPr sz="1800" kern="1200">
+                <a:solidFill>
+                  <a:schemeClr val="lt1"/>
+                </a:solidFill>
+                <a:latin typeface="+mn-lt"/>
+                <a:ea typeface="+mn-ea"/>
+                <a:cs typeface="+mn-cs"/>
+              </a:defRPr>
+            </a:lvl7pPr>
+            <a:lvl8pPr marL="3200400" algn="l" defTabSz="914400" rtl="0" eaLnBrk="1" latinLnBrk="1" hangingPunct="1">
+              <a:defRPr sz="1800" kern="1200">
+                <a:solidFill>
+                  <a:schemeClr val="lt1"/>
+                </a:solidFill>
+                <a:latin typeface="+mn-lt"/>
+                <a:ea typeface="+mn-ea"/>
+                <a:cs typeface="+mn-cs"/>
+              </a:defRPr>
+            </a:lvl8pPr>
+            <a:lvl9pPr marL="3657600" algn="l" defTabSz="914400" rtl="0" eaLnBrk="1" latinLnBrk="1" hangingPunct="1">
+              <a:defRPr sz="1800" kern="1200">
+                <a:solidFill>
+                  <a:schemeClr val="lt1"/>
+                </a:solidFill>
+                <a:latin typeface="+mn-lt"/>
+                <a:ea typeface="+mn-ea"/>
+                <a:cs typeface="+mn-cs"/>
+              </a:defRPr>
+            </a:lvl9pPr>
+          </a:lstStyle>
+          <a:p>
+            <a:pPr algn="ctr"/>
+            <a:r>
+              <a:rPr lang="en-US" altLang="ko-KR" sz="1200" dirty="0" smtClean="0">
+                <a:solidFill>
+                  <a:schemeClr val="tx1"/>
+                </a:solidFill>
+              </a:rPr>
+              <a:t>START</a:t>
+            </a:r>
+            <a:endParaRPr lang="ko-KR" altLang="en-US" sz="1200" dirty="0">
+              <a:solidFill>
+                <a:schemeClr val="tx1"/>
+              </a:solidFill>
+            </a:endParaRPr>
+          </a:p>
+        </p:txBody>
+      </p:sp>
+      <p:sp>
+        <p:nvSpPr>
+          <p:cNvPr id="52" name="순서도: 수행의 시작/종료 51"/>
+          <p:cNvSpPr/>
+          <p:nvPr/>
+        </p:nvSpPr>
+        <p:spPr>
+          <a:xfrm>
+            <a:off x="8127535" y="10081195"/>
+            <a:ext cx="2096233" cy="333972"/>
+          </a:xfrm>
+          <a:prstGeom prst="flowChartTerminator">
+            <a:avLst/>
+          </a:prstGeom>
+          <a:noFill/>
+        </p:spPr>
+        <p:style>
+          <a:lnRef idx="2">
+            <a:schemeClr val="accent1">
+              <a:shade val="50000"/>
+            </a:schemeClr>
+          </a:lnRef>
+          <a:fillRef idx="1">
+            <a:schemeClr val="accent1"/>
+          </a:fillRef>
+          <a:effectRef idx="0">
+            <a:schemeClr val="accent1"/>
+          </a:effectRef>
+          <a:fontRef idx="minor">
+            <a:schemeClr val="lt1"/>
+          </a:fontRef>
+        </p:style>
+        <p:txBody>
+          <a:bodyPr lIns="0" tIns="0" rIns="0" bIns="0" rtlCol="0" anchor="ctr"/>
+          <a:lstStyle>
+            <a:defPPr>
+              <a:defRPr lang="ko-KR"/>
+            </a:defPPr>
+            <a:lvl1pPr marL="0" algn="l" defTabSz="914400" rtl="0" eaLnBrk="1" latinLnBrk="1" hangingPunct="1">
+              <a:defRPr sz="1800" kern="1200">
+                <a:solidFill>
+                  <a:schemeClr val="lt1"/>
+                </a:solidFill>
+                <a:latin typeface="+mn-lt"/>
+                <a:ea typeface="+mn-ea"/>
+                <a:cs typeface="+mn-cs"/>
+              </a:defRPr>
+            </a:lvl1pPr>
+            <a:lvl2pPr marL="457200" algn="l" defTabSz="914400" rtl="0" eaLnBrk="1" latinLnBrk="1" hangingPunct="1">
+              <a:defRPr sz="1800" kern="1200">
+                <a:solidFill>
+                  <a:schemeClr val="lt1"/>
+                </a:solidFill>
+                <a:latin typeface="+mn-lt"/>
+                <a:ea typeface="+mn-ea"/>
+                <a:cs typeface="+mn-cs"/>
+              </a:defRPr>
+            </a:lvl2pPr>
+            <a:lvl3pPr marL="914400" algn="l" defTabSz="914400" rtl="0" eaLnBrk="1" latinLnBrk="1" hangingPunct="1">
+              <a:defRPr sz="1800" kern="1200">
+                <a:solidFill>
+                  <a:schemeClr val="lt1"/>
+                </a:solidFill>
+                <a:latin typeface="+mn-lt"/>
+                <a:ea typeface="+mn-ea"/>
+                <a:cs typeface="+mn-cs"/>
+              </a:defRPr>
+            </a:lvl3pPr>
+            <a:lvl4pPr marL="1371600" algn="l" defTabSz="914400" rtl="0" eaLnBrk="1" latinLnBrk="1" hangingPunct="1">
+              <a:defRPr sz="1800" kern="1200">
+                <a:solidFill>
+                  <a:schemeClr val="lt1"/>
+                </a:solidFill>
+                <a:latin typeface="+mn-lt"/>
+                <a:ea typeface="+mn-ea"/>
+                <a:cs typeface="+mn-cs"/>
+              </a:defRPr>
+            </a:lvl4pPr>
+            <a:lvl5pPr marL="1828800" algn="l" defTabSz="914400" rtl="0" eaLnBrk="1" latinLnBrk="1" hangingPunct="1">
+              <a:defRPr sz="1800" kern="1200">
+                <a:solidFill>
+                  <a:schemeClr val="lt1"/>
+                </a:solidFill>
+                <a:latin typeface="+mn-lt"/>
+                <a:ea typeface="+mn-ea"/>
+                <a:cs typeface="+mn-cs"/>
+              </a:defRPr>
+            </a:lvl5pPr>
+            <a:lvl6pPr marL="2286000" algn="l" defTabSz="914400" rtl="0" eaLnBrk="1" latinLnBrk="1" hangingPunct="1">
+              <a:defRPr sz="1800" kern="1200">
+                <a:solidFill>
+                  <a:schemeClr val="lt1"/>
+                </a:solidFill>
+                <a:latin typeface="+mn-lt"/>
+                <a:ea typeface="+mn-ea"/>
+                <a:cs typeface="+mn-cs"/>
+              </a:defRPr>
+            </a:lvl6pPr>
+            <a:lvl7pPr marL="2743200" algn="l" defTabSz="914400" rtl="0" eaLnBrk="1" latinLnBrk="1" hangingPunct="1">
+              <a:defRPr sz="1800" kern="1200">
+                <a:solidFill>
+                  <a:schemeClr val="lt1"/>
+                </a:solidFill>
+                <a:latin typeface="+mn-lt"/>
+                <a:ea typeface="+mn-ea"/>
+                <a:cs typeface="+mn-cs"/>
+              </a:defRPr>
+            </a:lvl7pPr>
+            <a:lvl8pPr marL="3200400" algn="l" defTabSz="914400" rtl="0" eaLnBrk="1" latinLnBrk="1" hangingPunct="1">
+              <a:defRPr sz="1800" kern="1200">
+                <a:solidFill>
+                  <a:schemeClr val="lt1"/>
+                </a:solidFill>
+                <a:latin typeface="+mn-lt"/>
+                <a:ea typeface="+mn-ea"/>
+                <a:cs typeface="+mn-cs"/>
+              </a:defRPr>
+            </a:lvl8pPr>
+            <a:lvl9pPr marL="3657600" algn="l" defTabSz="914400" rtl="0" eaLnBrk="1" latinLnBrk="1" hangingPunct="1">
+              <a:defRPr sz="1800" kern="1200">
+                <a:solidFill>
+                  <a:schemeClr val="lt1"/>
+                </a:solidFill>
+                <a:latin typeface="+mn-lt"/>
+                <a:ea typeface="+mn-ea"/>
+                <a:cs typeface="+mn-cs"/>
+              </a:defRPr>
+            </a:lvl9pPr>
+          </a:lstStyle>
+          <a:p>
+            <a:pPr algn="ctr"/>
+            <a:r>
+              <a:rPr lang="en-US" altLang="ko-KR" sz="1200" dirty="0" smtClean="0">
+                <a:solidFill>
+                  <a:schemeClr val="tx1"/>
+                </a:solidFill>
+              </a:rPr>
+              <a:t>END</a:t>
+            </a:r>
+            <a:endParaRPr lang="ko-KR" altLang="en-US" sz="1200" dirty="0">
+              <a:solidFill>
+                <a:schemeClr val="tx1"/>
+              </a:solidFill>
+            </a:endParaRPr>
+          </a:p>
+        </p:txBody>
+      </p:sp>
+      <p:cxnSp>
+        <p:nvCxnSpPr>
+          <p:cNvPr id="53" name="직선 화살표 연결선 52"/>
+          <p:cNvCxnSpPr>
+            <a:stCxn id="51" idx="2"/>
+            <a:endCxn id="55" idx="0"/>
+          </p:cNvCxnSpPr>
+          <p:nvPr/>
+        </p:nvCxnSpPr>
+        <p:spPr>
+          <a:xfrm>
+            <a:off x="9172988" y="8053579"/>
+            <a:ext cx="2664" cy="227416"/>
+          </a:xfrm>
+          <a:prstGeom prst="straightConnector1">
+            <a:avLst/>
+          </a:prstGeom>
+          <a:ln>
+            <a:tailEnd type="arrow"/>
+          </a:ln>
+        </p:spPr>
+        <p:style>
+          <a:lnRef idx="1">
+            <a:schemeClr val="accent1"/>
+          </a:lnRef>
+          <a:fillRef idx="0">
+            <a:schemeClr val="accent1"/>
+          </a:fillRef>
+          <a:effectRef idx="0">
+            <a:schemeClr val="accent1"/>
+          </a:effectRef>
+          <a:fontRef idx="minor">
+            <a:schemeClr val="tx1"/>
+          </a:fontRef>
+        </p:style>
+      </p:cxnSp>
+      <p:cxnSp>
+        <p:nvCxnSpPr>
+          <p:cNvPr id="54" name="직선 화살표 연결선 53"/>
+          <p:cNvCxnSpPr>
+            <a:stCxn id="55" idx="2"/>
+            <a:endCxn id="52" idx="0"/>
+          </p:cNvCxnSpPr>
+          <p:nvPr/>
+        </p:nvCxnSpPr>
+        <p:spPr>
+          <a:xfrm>
+            <a:off x="9175652" y="8719752"/>
+            <a:ext cx="0" cy="1361443"/>
+          </a:xfrm>
+          <a:prstGeom prst="straightConnector1">
+            <a:avLst/>
+          </a:prstGeom>
+          <a:ln>
+            <a:tailEnd type="arrow"/>
+          </a:ln>
+        </p:spPr>
+        <p:style>
+          <a:lnRef idx="1">
+            <a:schemeClr val="accent1"/>
+          </a:lnRef>
+          <a:fillRef idx="0">
+            <a:schemeClr val="accent1"/>
+          </a:fillRef>
+          <a:effectRef idx="0">
+            <a:schemeClr val="accent1"/>
+          </a:effectRef>
+          <a:fontRef idx="minor">
+            <a:schemeClr val="tx1"/>
+          </a:fontRef>
+        </p:style>
+      </p:cxnSp>
+      <p:sp>
+        <p:nvSpPr>
+          <p:cNvPr id="55" name="순서도: 판단 54"/>
+          <p:cNvSpPr/>
+          <p:nvPr/>
+        </p:nvSpPr>
+        <p:spPr>
+          <a:xfrm>
+            <a:off x="8027172" y="8280995"/>
+            <a:ext cx="2296960" cy="438757"/>
+          </a:xfrm>
+          <a:prstGeom prst="flowChartDecision">
+            <a:avLst/>
+          </a:prstGeom>
+          <a:noFill/>
+        </p:spPr>
+        <p:style>
+          <a:lnRef idx="2">
+            <a:schemeClr val="accent1">
+              <a:shade val="50000"/>
+            </a:schemeClr>
+          </a:lnRef>
+          <a:fillRef idx="1">
+            <a:schemeClr val="accent1"/>
+          </a:fillRef>
+          <a:effectRef idx="0">
+            <a:schemeClr val="accent1"/>
+          </a:effectRef>
+          <a:fontRef idx="minor">
+            <a:schemeClr val="lt1"/>
+          </a:fontRef>
+        </p:style>
+        <p:txBody>
+          <a:bodyPr lIns="0" tIns="9578" rIns="0" bIns="9578" rtlCol="0" anchor="ctr"/>
+          <a:lstStyle>
+            <a:defPPr>
+              <a:defRPr lang="ko-KR"/>
+            </a:defPPr>
+            <a:lvl1pPr marL="0" algn="l" defTabSz="914400" rtl="0" eaLnBrk="1" latinLnBrk="1" hangingPunct="1">
+              <a:defRPr sz="1800" kern="1200">
+                <a:solidFill>
+                  <a:schemeClr val="lt1"/>
+                </a:solidFill>
+                <a:latin typeface="+mn-lt"/>
+                <a:ea typeface="+mn-ea"/>
+                <a:cs typeface="+mn-cs"/>
+              </a:defRPr>
+            </a:lvl1pPr>
+            <a:lvl2pPr marL="457200" algn="l" defTabSz="914400" rtl="0" eaLnBrk="1" latinLnBrk="1" hangingPunct="1">
+              <a:defRPr sz="1800" kern="1200">
+                <a:solidFill>
+                  <a:schemeClr val="lt1"/>
+                </a:solidFill>
+                <a:latin typeface="+mn-lt"/>
+                <a:ea typeface="+mn-ea"/>
+                <a:cs typeface="+mn-cs"/>
+              </a:defRPr>
+            </a:lvl2pPr>
+            <a:lvl3pPr marL="914400" algn="l" defTabSz="914400" rtl="0" eaLnBrk="1" latinLnBrk="1" hangingPunct="1">
+              <a:defRPr sz="1800" kern="1200">
+                <a:solidFill>
+                  <a:schemeClr val="lt1"/>
+                </a:solidFill>
+                <a:latin typeface="+mn-lt"/>
+                <a:ea typeface="+mn-ea"/>
+                <a:cs typeface="+mn-cs"/>
+              </a:defRPr>
+            </a:lvl3pPr>
+            <a:lvl4pPr marL="1371600" algn="l" defTabSz="914400" rtl="0" eaLnBrk="1" latinLnBrk="1" hangingPunct="1">
+              <a:defRPr sz="1800" kern="1200">
+                <a:solidFill>
+                  <a:schemeClr val="lt1"/>
+                </a:solidFill>
+                <a:latin typeface="+mn-lt"/>
+                <a:ea typeface="+mn-ea"/>
+                <a:cs typeface="+mn-cs"/>
+              </a:defRPr>
+            </a:lvl4pPr>
+            <a:lvl5pPr marL="1828800" algn="l" defTabSz="914400" rtl="0" eaLnBrk="1" latinLnBrk="1" hangingPunct="1">
+              <a:defRPr sz="1800" kern="1200">
+                <a:solidFill>
+                  <a:schemeClr val="lt1"/>
+                </a:solidFill>
+                <a:latin typeface="+mn-lt"/>
+                <a:ea typeface="+mn-ea"/>
+                <a:cs typeface="+mn-cs"/>
+              </a:defRPr>
+            </a:lvl5pPr>
+            <a:lvl6pPr marL="2286000" algn="l" defTabSz="914400" rtl="0" eaLnBrk="1" latinLnBrk="1" hangingPunct="1">
+              <a:defRPr sz="1800" kern="1200">
+                <a:solidFill>
+                  <a:schemeClr val="lt1"/>
+                </a:solidFill>
+                <a:latin typeface="+mn-lt"/>
+                <a:ea typeface="+mn-ea"/>
+                <a:cs typeface="+mn-cs"/>
+              </a:defRPr>
+            </a:lvl6pPr>
+            <a:lvl7pPr marL="2743200" algn="l" defTabSz="914400" rtl="0" eaLnBrk="1" latinLnBrk="1" hangingPunct="1">
+              <a:defRPr sz="1800" kern="1200">
+                <a:solidFill>
+                  <a:schemeClr val="lt1"/>
+                </a:solidFill>
+                <a:latin typeface="+mn-lt"/>
+                <a:ea typeface="+mn-ea"/>
+                <a:cs typeface="+mn-cs"/>
+              </a:defRPr>
+            </a:lvl7pPr>
+            <a:lvl8pPr marL="3200400" algn="l" defTabSz="914400" rtl="0" eaLnBrk="1" latinLnBrk="1" hangingPunct="1">
+              <a:defRPr sz="1800" kern="1200">
+                <a:solidFill>
+                  <a:schemeClr val="lt1"/>
+                </a:solidFill>
+                <a:latin typeface="+mn-lt"/>
+                <a:ea typeface="+mn-ea"/>
+                <a:cs typeface="+mn-cs"/>
+              </a:defRPr>
+            </a:lvl8pPr>
+            <a:lvl9pPr marL="3657600" algn="l" defTabSz="914400" rtl="0" eaLnBrk="1" latinLnBrk="1" hangingPunct="1">
+              <a:defRPr sz="1800" kern="1200">
+                <a:solidFill>
+                  <a:schemeClr val="lt1"/>
+                </a:solidFill>
+                <a:latin typeface="+mn-lt"/>
+                <a:ea typeface="+mn-ea"/>
+                <a:cs typeface="+mn-cs"/>
+              </a:defRPr>
+            </a:lvl9pPr>
+          </a:lstStyle>
+          <a:p>
+            <a:pPr algn="ctr"/>
+            <a:r>
+              <a:rPr lang="en-US" altLang="ko-KR" sz="1200" smtClean="0">
+                <a:solidFill>
+                  <a:schemeClr val="tx1"/>
+                </a:solidFill>
+              </a:rPr>
+              <a:t>fCanvas&lt;&gt; nil</a:t>
+            </a:r>
+            <a:endParaRPr lang="ko-KR" altLang="en-US" sz="1200" dirty="0">
+              <a:solidFill>
+                <a:schemeClr val="tx1"/>
+              </a:solidFill>
+            </a:endParaRPr>
+          </a:p>
+        </p:txBody>
+      </p:sp>
+      <p:sp>
+        <p:nvSpPr>
+          <p:cNvPr id="56" name="직사각형 55"/>
+          <p:cNvSpPr/>
+          <p:nvPr/>
+        </p:nvSpPr>
+        <p:spPr>
+          <a:xfrm rot="10800000" flipV="1">
+            <a:off x="9289131" y="8929068"/>
+            <a:ext cx="4248474" cy="625641"/>
+          </a:xfrm>
+          <a:prstGeom prst="rect">
+            <a:avLst/>
+          </a:prstGeom>
+          <a:noFill/>
+        </p:spPr>
+        <p:style>
+          <a:lnRef idx="2">
+            <a:schemeClr val="accent1">
+              <a:shade val="50000"/>
+            </a:schemeClr>
+          </a:lnRef>
+          <a:fillRef idx="1">
+            <a:schemeClr val="accent1"/>
+          </a:fillRef>
+          <a:effectRef idx="0">
+            <a:schemeClr val="accent1"/>
+          </a:effectRef>
+          <a:fontRef idx="minor">
+            <a:schemeClr val="lt1"/>
+          </a:fontRef>
+        </p:style>
+        <p:txBody>
+          <a:bodyPr lIns="0" tIns="0" rIns="0" bIns="0" rtlCol="0" anchor="ctr"/>
+          <a:lstStyle>
+            <a:defPPr>
+              <a:defRPr lang="ko-KR"/>
+            </a:defPPr>
+            <a:lvl1pPr marL="0" algn="l" defTabSz="914400" rtl="0" eaLnBrk="1" latinLnBrk="1" hangingPunct="1">
+              <a:defRPr sz="1800" kern="1200">
+                <a:solidFill>
+                  <a:schemeClr val="lt1"/>
+                </a:solidFill>
+                <a:latin typeface="+mn-lt"/>
+                <a:ea typeface="+mn-ea"/>
+                <a:cs typeface="+mn-cs"/>
+              </a:defRPr>
+            </a:lvl1pPr>
+            <a:lvl2pPr marL="457200" algn="l" defTabSz="914400" rtl="0" eaLnBrk="1" latinLnBrk="1" hangingPunct="1">
+              <a:defRPr sz="1800" kern="1200">
+                <a:solidFill>
+                  <a:schemeClr val="lt1"/>
+                </a:solidFill>
+                <a:latin typeface="+mn-lt"/>
+                <a:ea typeface="+mn-ea"/>
+                <a:cs typeface="+mn-cs"/>
+              </a:defRPr>
+            </a:lvl2pPr>
+            <a:lvl3pPr marL="914400" algn="l" defTabSz="914400" rtl="0" eaLnBrk="1" latinLnBrk="1" hangingPunct="1">
+              <a:defRPr sz="1800" kern="1200">
+                <a:solidFill>
+                  <a:schemeClr val="lt1"/>
+                </a:solidFill>
+                <a:latin typeface="+mn-lt"/>
+                <a:ea typeface="+mn-ea"/>
+                <a:cs typeface="+mn-cs"/>
+              </a:defRPr>
+            </a:lvl3pPr>
+            <a:lvl4pPr marL="1371600" algn="l" defTabSz="914400" rtl="0" eaLnBrk="1" latinLnBrk="1" hangingPunct="1">
+              <a:defRPr sz="1800" kern="1200">
+                <a:solidFill>
+                  <a:schemeClr val="lt1"/>
+                </a:solidFill>
+                <a:latin typeface="+mn-lt"/>
+                <a:ea typeface="+mn-ea"/>
+                <a:cs typeface="+mn-cs"/>
+              </a:defRPr>
+            </a:lvl4pPr>
+            <a:lvl5pPr marL="1828800" algn="l" defTabSz="914400" rtl="0" eaLnBrk="1" latinLnBrk="1" hangingPunct="1">
+              <a:defRPr sz="1800" kern="1200">
+                <a:solidFill>
+                  <a:schemeClr val="lt1"/>
+                </a:solidFill>
+                <a:latin typeface="+mn-lt"/>
+                <a:ea typeface="+mn-ea"/>
+                <a:cs typeface="+mn-cs"/>
+              </a:defRPr>
+            </a:lvl5pPr>
+            <a:lvl6pPr marL="2286000" algn="l" defTabSz="914400" rtl="0" eaLnBrk="1" latinLnBrk="1" hangingPunct="1">
+              <a:defRPr sz="1800" kern="1200">
+                <a:solidFill>
+                  <a:schemeClr val="lt1"/>
+                </a:solidFill>
+                <a:latin typeface="+mn-lt"/>
+                <a:ea typeface="+mn-ea"/>
+                <a:cs typeface="+mn-cs"/>
+              </a:defRPr>
+            </a:lvl6pPr>
+            <a:lvl7pPr marL="2743200" algn="l" defTabSz="914400" rtl="0" eaLnBrk="1" latinLnBrk="1" hangingPunct="1">
+              <a:defRPr sz="1800" kern="1200">
+                <a:solidFill>
+                  <a:schemeClr val="lt1"/>
+                </a:solidFill>
+                <a:latin typeface="+mn-lt"/>
+                <a:ea typeface="+mn-ea"/>
+                <a:cs typeface="+mn-cs"/>
+              </a:defRPr>
+            </a:lvl7pPr>
+            <a:lvl8pPr marL="3200400" algn="l" defTabSz="914400" rtl="0" eaLnBrk="1" latinLnBrk="1" hangingPunct="1">
+              <a:defRPr sz="1800" kern="1200">
+                <a:solidFill>
+                  <a:schemeClr val="lt1"/>
+                </a:solidFill>
+                <a:latin typeface="+mn-lt"/>
+                <a:ea typeface="+mn-ea"/>
+                <a:cs typeface="+mn-cs"/>
+              </a:defRPr>
+            </a:lvl8pPr>
+            <a:lvl9pPr marL="3657600" algn="l" defTabSz="914400" rtl="0" eaLnBrk="1" latinLnBrk="1" hangingPunct="1">
+              <a:defRPr sz="1800" kern="1200">
+                <a:solidFill>
+                  <a:schemeClr val="lt1"/>
+                </a:solidFill>
+                <a:latin typeface="+mn-lt"/>
+                <a:ea typeface="+mn-ea"/>
+                <a:cs typeface="+mn-cs"/>
+              </a:defRPr>
+            </a:lvl9pPr>
+          </a:lstStyle>
+          <a:p>
+            <a:pPr algn="ctr"/>
+            <a:r>
+              <a:rPr lang="en-US" altLang="ko-KR" sz="1200" smtClean="0">
+                <a:solidFill>
+                  <a:schemeClr val="tx1"/>
+                </a:solidFill>
+              </a:rPr>
+              <a:t>fCanvas.Rectangle(fX </a:t>
+            </a:r>
+            <a:r>
+              <a:rPr lang="en-US" altLang="ko-KR" sz="1200" smtClean="0">
+                <a:solidFill>
+                  <a:schemeClr val="tx1"/>
+                </a:solidFill>
+              </a:rPr>
+              <a:t>- fSize, fY - fSize,</a:t>
+            </a:r>
+          </a:p>
+          <a:p>
+            <a:pPr algn="ctr"/>
+            <a:r>
+              <a:rPr lang="en-US" altLang="ko-KR" sz="1200" smtClean="0">
+                <a:solidFill>
+                  <a:schemeClr val="tx1"/>
+                </a:solidFill>
+              </a:rPr>
+              <a:t>                              fX + fSize, fY + fSize);</a:t>
+            </a:r>
+            <a:endParaRPr lang="en-US" altLang="ko-KR" sz="1200" dirty="0" smtClean="0">
+              <a:solidFill>
+                <a:schemeClr val="tx1"/>
+              </a:solidFill>
+            </a:endParaRPr>
+          </a:p>
+        </p:txBody>
+      </p:sp>
+      <p:cxnSp>
+        <p:nvCxnSpPr>
+          <p:cNvPr id="57" name="Shape 56"/>
+          <p:cNvCxnSpPr>
+            <a:stCxn id="55" idx="3"/>
+            <a:endCxn id="56" idx="0"/>
+          </p:cNvCxnSpPr>
+          <p:nvPr/>
+        </p:nvCxnSpPr>
+        <p:spPr>
+          <a:xfrm>
+            <a:off x="10324132" y="8500374"/>
+            <a:ext cx="1089236" cy="428694"/>
+          </a:xfrm>
+          <a:prstGeom prst="bentConnector2">
+            <a:avLst/>
+          </a:prstGeom>
+          <a:ln>
+            <a:tailEnd type="arrow"/>
+          </a:ln>
+        </p:spPr>
+        <p:style>
+          <a:lnRef idx="1">
+            <a:schemeClr val="accent1"/>
+          </a:lnRef>
+          <a:fillRef idx="0">
+            <a:schemeClr val="accent1"/>
+          </a:fillRef>
+          <a:effectRef idx="0">
+            <a:schemeClr val="accent1"/>
+          </a:effectRef>
+          <a:fontRef idx="minor">
+            <a:schemeClr val="tx1"/>
+          </a:fontRef>
+        </p:style>
+      </p:cxnSp>
+      <p:cxnSp>
+        <p:nvCxnSpPr>
+          <p:cNvPr id="58" name="Shape 57"/>
+          <p:cNvCxnSpPr>
+            <a:stCxn id="56" idx="2"/>
+          </p:cNvCxnSpPr>
+          <p:nvPr/>
+        </p:nvCxnSpPr>
+        <p:spPr>
+          <a:xfrm rot="5400000">
+            <a:off x="10101943" y="8625754"/>
+            <a:ext cx="382470" cy="2240380"/>
+          </a:xfrm>
+          <a:prstGeom prst="bentConnector2">
+            <a:avLst/>
+          </a:prstGeom>
+          <a:ln>
+            <a:tailEnd type="arrow"/>
+          </a:ln>
+        </p:spPr>
+        <p:style>
+          <a:lnRef idx="1">
+            <a:schemeClr val="accent1"/>
+          </a:lnRef>
+          <a:fillRef idx="0">
+            <a:schemeClr val="accent1"/>
+          </a:fillRef>
+          <a:effectRef idx="0">
+            <a:schemeClr val="accent1"/>
+          </a:effectRef>
+          <a:fontRef idx="minor">
+            <a:schemeClr val="tx1"/>
+          </a:fontRef>
+        </p:style>
+      </p:cxnSp>
+      <p:sp>
+        <p:nvSpPr>
+          <p:cNvPr id="59" name="TextBox 98"/>
+          <p:cNvSpPr txBox="1"/>
+          <p:nvPr/>
+        </p:nvSpPr>
+        <p:spPr>
+          <a:xfrm>
+            <a:off x="10047428" y="8297762"/>
+            <a:ext cx="276704" cy="127249"/>
+          </a:xfrm>
+          <a:prstGeom prst="rect">
+            <a:avLst/>
+          </a:prstGeom>
+          <a:noFill/>
+        </p:spPr>
+        <p:txBody>
+          <a:bodyPr wrap="square" lIns="0" tIns="0" rIns="0" bIns="0" rtlCol="0">
+            <a:spAutoFit/>
+          </a:bodyPr>
+          <a:lstStyle>
+            <a:defPPr>
+              <a:defRPr lang="ko-KR"/>
+            </a:defPPr>
+            <a:lvl1pPr marL="0" algn="l" defTabSz="914400" rtl="0" eaLnBrk="1" latinLnBrk="1" hangingPunct="1">
+              <a:defRPr sz="1800" kern="1200">
+                <a:solidFill>
+                  <a:schemeClr val="tx1"/>
+                </a:solidFill>
+                <a:latin typeface="+mn-lt"/>
+                <a:ea typeface="+mn-ea"/>
+                <a:cs typeface="+mn-cs"/>
+              </a:defRPr>
+            </a:lvl1pPr>
+            <a:lvl2pPr marL="457200" algn="l" defTabSz="914400" rtl="0" eaLnBrk="1" latinLnBrk="1" hangingPunct="1">
+              <a:defRPr sz="1800" kern="1200">
+                <a:solidFill>
+                  <a:schemeClr val="tx1"/>
+                </a:solidFill>
+                <a:latin typeface="+mn-lt"/>
+                <a:ea typeface="+mn-ea"/>
+                <a:cs typeface="+mn-cs"/>
+              </a:defRPr>
+            </a:lvl2pPr>
+            <a:lvl3pPr marL="914400" algn="l" defTabSz="914400" rtl="0" eaLnBrk="1" latinLnBrk="1" hangingPunct="1">
+              <a:defRPr sz="1800" kern="1200">
+                <a:solidFill>
+                  <a:schemeClr val="tx1"/>
+                </a:solidFill>
+                <a:latin typeface="+mn-lt"/>
+                <a:ea typeface="+mn-ea"/>
+                <a:cs typeface="+mn-cs"/>
+              </a:defRPr>
+            </a:lvl3pPr>
+            <a:lvl4pPr marL="1371600" algn="l" defTabSz="914400" rtl="0" eaLnBrk="1" latinLnBrk="1" hangingPunct="1">
+              <a:defRPr sz="1800" kern="1200">
+                <a:solidFill>
+                  <a:schemeClr val="tx1"/>
+                </a:solidFill>
+                <a:latin typeface="+mn-lt"/>
+                <a:ea typeface="+mn-ea"/>
+                <a:cs typeface="+mn-cs"/>
+              </a:defRPr>
+            </a:lvl4pPr>
+            <a:lvl5pPr marL="1828800" algn="l" defTabSz="914400" rtl="0" eaLnBrk="1" latinLnBrk="1" hangingPunct="1">
+              <a:defRPr sz="1800" kern="1200">
+                <a:solidFill>
+                  <a:schemeClr val="tx1"/>
+                </a:solidFill>
+                <a:latin typeface="+mn-lt"/>
+                <a:ea typeface="+mn-ea"/>
+                <a:cs typeface="+mn-cs"/>
+              </a:defRPr>
+            </a:lvl5pPr>
+            <a:lvl6pPr marL="2286000" algn="l" defTabSz="914400" rtl="0" eaLnBrk="1" latinLnBrk="1" hangingPunct="1">
+              <a:defRPr sz="1800" kern="1200">
+                <a:solidFill>
+                  <a:schemeClr val="tx1"/>
+                </a:solidFill>
+                <a:latin typeface="+mn-lt"/>
+                <a:ea typeface="+mn-ea"/>
+                <a:cs typeface="+mn-cs"/>
+              </a:defRPr>
+            </a:lvl6pPr>
+            <a:lvl7pPr marL="2743200" algn="l" defTabSz="914400" rtl="0" eaLnBrk="1" latinLnBrk="1" hangingPunct="1">
+              <a:defRPr sz="1800" kern="1200">
+                <a:solidFill>
+                  <a:schemeClr val="tx1"/>
+                </a:solidFill>
+                <a:latin typeface="+mn-lt"/>
+                <a:ea typeface="+mn-ea"/>
+                <a:cs typeface="+mn-cs"/>
+              </a:defRPr>
+            </a:lvl7pPr>
+            <a:lvl8pPr marL="3200400" algn="l" defTabSz="914400" rtl="0" eaLnBrk="1" latinLnBrk="1" hangingPunct="1">
+              <a:defRPr sz="1800" kern="1200">
+                <a:solidFill>
+                  <a:schemeClr val="tx1"/>
+                </a:solidFill>
+                <a:latin typeface="+mn-lt"/>
+                <a:ea typeface="+mn-ea"/>
+                <a:cs typeface="+mn-cs"/>
+              </a:defRPr>
+            </a:lvl8pPr>
+            <a:lvl9pPr marL="3657600" algn="l" defTabSz="914400" rtl="0" eaLnBrk="1" latinLnBrk="1" hangingPunct="1">
+              <a:defRPr sz="1800" kern="1200">
+                <a:solidFill>
+                  <a:schemeClr val="tx1"/>
+                </a:solidFill>
+                <a:latin typeface="+mn-lt"/>
+                <a:ea typeface="+mn-ea"/>
+                <a:cs typeface="+mn-cs"/>
+              </a:defRPr>
+            </a:lvl9pPr>
+          </a:lstStyle>
+          <a:p>
+            <a:r>
+              <a:rPr lang="en-US" altLang="ko-KR" sz="1200" dirty="0" smtClean="0"/>
+              <a:t>Yes</a:t>
+            </a:r>
+            <a:endParaRPr lang="ko-KR" altLang="en-US" sz="1200" dirty="0"/>
+          </a:p>
+        </p:txBody>
+      </p:sp>
+      <p:sp>
+        <p:nvSpPr>
+          <p:cNvPr id="60" name="TextBox 113"/>
+          <p:cNvSpPr txBox="1"/>
+          <p:nvPr/>
+        </p:nvSpPr>
+        <p:spPr>
+          <a:xfrm>
+            <a:off x="8798336" y="8719752"/>
             <a:ext cx="209687" cy="127249"/>
           </a:xfrm>
           <a:prstGeom prst="rect">
@@ -6182,7 +8768,7 @@
           <a:p>
             <a:r>
               <a:rPr lang="en-US" altLang="ko-KR" sz="1050" smtClean="0"/>
-              <a:t>ffColor </a:t>
+              <a:t>fColor </a:t>
             </a:r>
             <a:r>
               <a:rPr lang="en-US" altLang="ko-KR" sz="1050" smtClean="0"/>
@@ -6192,21 +8778,21 @@
           <a:p>
             <a:r>
               <a:rPr lang="en-US" altLang="ko-KR" sz="1050" smtClean="0"/>
-              <a:t>ffInterval </a:t>
+              <a:t>fInterval </a:t>
             </a:r>
             <a:r>
               <a:rPr lang="en-US" altLang="ko-KR" sz="1050" smtClean="0"/>
-              <a:t>= </a:t>
-            </a:r>
-            <a:r>
-              <a:rPr lang="en-US" altLang="ko-KR" sz="1050" smtClean="0"/>
-              <a:t>Int</a:t>
+              <a:t>= Int</a:t>
             </a:r>
           </a:p>
           <a:p>
             <a:r>
               <a:rPr lang="en-US" altLang="ko-KR" sz="1050" smtClean="0"/>
-              <a:t>ffSize = Int</a:t>
+              <a:t>fSize </a:t>
+            </a:r>
+            <a:r>
+              <a:rPr lang="en-US" altLang="ko-KR" sz="1050" smtClean="0"/>
+              <a:t>= Int</a:t>
             </a:r>
           </a:p>
           <a:p>
@@ -6218,21 +8804,8 @@
           <a:p>
             <a:r>
               <a:rPr lang="en-US" altLang="ko-KR" sz="1050" smtClean="0"/>
-              <a:t>const </a:t>
+              <a:t>const SPEED = 5</a:t>
             </a:r>
-            <a:r>
-              <a:rPr lang="en-US" altLang="ko-KR" sz="1050" smtClean="0"/>
-              <a:t>SPEED </a:t>
-            </a:r>
-            <a:r>
-              <a:rPr lang="en-US" altLang="ko-KR" sz="1050" smtClean="0"/>
-              <a:t>= </a:t>
-            </a:r>
-            <a:r>
-              <a:rPr lang="en-US" altLang="ko-KR" sz="1050" smtClean="0"/>
-              <a:t>5</a:t>
-            </a:r>
-            <a:endParaRPr lang="en-US" altLang="ko-KR" sz="1050" smtClean="0"/>
           </a:p>
         </p:txBody>
       </p:sp>
@@ -6515,15 +9088,7 @@
                   <a:schemeClr val="tx1"/>
                 </a:solidFill>
               </a:rPr>
-              <a:t>TCustomDraw.Create(aCanvas : TCanvas; aX, </a:t>
-            </a:r>
-            <a:r>
-              <a:rPr lang="en-US" altLang="ko-KR" sz="1200" smtClean="0">
-                <a:solidFill>
-                  <a:schemeClr val="tx1"/>
-                </a:solidFill>
-              </a:rPr>
-              <a:t>aY)</a:t>
+              <a:t>TCustomDraw.Create(aCanvas : TCanvas; aX, aY)</a:t>
             </a:r>
             <a:endParaRPr lang="ko-KR" altLang="en-US" sz="1200" dirty="0">
               <a:solidFill>
@@ -6688,7 +9253,7 @@
         </p:nvSpPr>
         <p:spPr>
           <a:xfrm>
-            <a:off x="918098" y="7444404"/>
+            <a:off x="918098" y="7495204"/>
             <a:ext cx="2096233" cy="332535"/>
           </a:xfrm>
           <a:prstGeom prst="flowChartTerminator">
@@ -7005,7 +9570,7 @@
                   <a:schemeClr val="tx1"/>
                 </a:solidFill>
               </a:rPr>
-              <a:t>f</a:t>
+              <a:t>MainForm.</a:t>
             </a:r>
             <a:r>
               <a:rPr lang="en-US" altLang="ko-KR" sz="1200" smtClean="0">
@@ -7029,7 +9594,7 @@
                   <a:schemeClr val="tx1"/>
                 </a:solidFill>
               </a:rPr>
-              <a:t>fColor = </a:t>
+              <a:t>fColor </a:t>
             </a:r>
             <a:r>
               <a:rPr lang="en-US" altLang="ko-KR" sz="1200" smtClean="0">
@@ -7037,8 +9602,13 @@
                   <a:schemeClr val="tx1"/>
                 </a:solidFill>
               </a:rPr>
-              <a:t>ffColor</a:t>
+              <a:t>= MainForm.fColor</a:t>
             </a:r>
+            <a:endParaRPr lang="en-US" altLang="ko-KR" sz="1200" smtClean="0">
+              <a:solidFill>
+                <a:schemeClr val="tx1"/>
+              </a:solidFill>
+            </a:endParaRPr>
           </a:p>
           <a:p>
             <a:pPr algn="ctr"/>
@@ -7048,31 +9618,7 @@
                   <a:schemeClr val="tx1"/>
                 </a:solidFill>
               </a:rPr>
-              <a:t>fTimer </a:t>
-            </a:r>
-            <a:r>
-              <a:rPr lang="en-US" altLang="ko-KR" sz="1200" smtClean="0">
-                <a:solidFill>
-                  <a:schemeClr val="tx1"/>
-                </a:solidFill>
-              </a:rPr>
-              <a:t>= </a:t>
-            </a:r>
-            <a:r>
-              <a:rPr lang="en-US" altLang="ko-KR" sz="1200" smtClean="0">
-                <a:solidFill>
-                  <a:schemeClr val="tx1"/>
-                </a:solidFill>
-              </a:rPr>
-              <a:t>TTimer.Create(null</a:t>
-            </a:r>
-            <a:r>
-              <a:rPr lang="en-US" altLang="ko-KR" sz="1200" smtClean="0">
-                <a:solidFill>
-                  <a:schemeClr val="tx1"/>
-                </a:solidFill>
-              </a:rPr>
-              <a:t>)</a:t>
+              <a:t>fTimer = TTimer.Create(null)</a:t>
             </a:r>
           </a:p>
           <a:p>
@@ -7107,8 +9653,8 @@
         </p:nvSpPr>
         <p:spPr>
           <a:xfrm rot="10800000" flipV="1">
-            <a:off x="559134" y="3405113"/>
-            <a:ext cx="2804928" cy="395876"/>
+            <a:off x="250688" y="3405113"/>
+            <a:ext cx="3421820" cy="395876"/>
           </a:xfrm>
           <a:prstGeom prst="rect">
             <a:avLst/>
@@ -7244,7 +9790,7 @@
                   <a:schemeClr val="tx1"/>
                 </a:solidFill>
               </a:rPr>
-              <a:t>ffInterval </a:t>
+              <a:t>MainForm.fInterval </a:t>
             </a:r>
             <a:r>
               <a:rPr lang="en-US" altLang="ko-KR" sz="1200" smtClean="0">
@@ -7410,7 +9956,47 @@
                   <a:schemeClr val="tx1"/>
                 </a:solidFill>
               </a:rPr>
-              <a:t>fCanvas.Pen.Mode = pmNotXor</a:t>
+              <a:t> fCanvas.Pen.Color </a:t>
+            </a:r>
+            <a:r>
+              <a:rPr lang="en-US" altLang="ko-KR" sz="1200" smtClean="0">
+                <a:solidFill>
+                  <a:schemeClr val="tx1"/>
+                </a:solidFill>
+              </a:rPr>
+              <a:t>= </a:t>
+            </a:r>
+            <a:r>
+              <a:rPr lang="en-US" altLang="ko-KR" sz="1200" smtClean="0">
+                <a:solidFill>
+                  <a:schemeClr val="tx1"/>
+                </a:solidFill>
+              </a:rPr>
+              <a:t>fColor</a:t>
+            </a:r>
+            <a:endParaRPr lang="en-US" altLang="ko-KR" sz="1200" smtClean="0">
+              <a:solidFill>
+                <a:schemeClr val="tx1"/>
+              </a:solidFill>
+            </a:endParaRPr>
+          </a:p>
+          <a:p>
+            <a:pPr algn="ctr"/>
+            <a:r>
+              <a:rPr lang="en-US" altLang="ko-KR" sz="1200" smtClean="0">
+                <a:solidFill>
+                  <a:schemeClr val="tx1"/>
+                </a:solidFill>
+              </a:rPr>
+              <a:t>fCanvas.Pen.Mode </a:t>
+            </a:r>
+            <a:r>
+              <a:rPr lang="en-US" altLang="ko-KR" sz="1200" smtClean="0">
+                <a:solidFill>
+                  <a:schemeClr val="tx1"/>
+                </a:solidFill>
+              </a:rPr>
+              <a:t>= pmNotXor</a:t>
             </a:r>
           </a:p>
           <a:p>
@@ -7421,21 +10007,8 @@
                   <a:schemeClr val="tx1"/>
                 </a:solidFill>
               </a:rPr>
-              <a:t>fCanvas.Brush.Style = </a:t>
+              <a:t>fCanvas.Brush.Style = bsClear</a:t>
             </a:r>
-            <a:r>
-              <a:rPr lang="en-US" altLang="ko-KR" sz="1200" smtClean="0">
-                <a:solidFill>
-                  <a:schemeClr val="tx1"/>
-                </a:solidFill>
-              </a:rPr>
-              <a:t>bsClear</a:t>
-            </a:r>
-            <a:endParaRPr lang="en-US" altLang="ko-KR" sz="1200" smtClean="0">
-              <a:solidFill>
-                <a:schemeClr val="tx1"/>
-              </a:solidFill>
-            </a:endParaRPr>
           </a:p>
         </p:txBody>
       </p:sp>
@@ -8130,13 +10703,14 @@
           <p:cNvPr id="172" name="직선 화살표 연결선 171"/>
           <p:cNvCxnSpPr>
             <a:stCxn id="168" idx="2"/>
+            <a:endCxn id="85" idx="0"/>
           </p:cNvCxnSpPr>
           <p:nvPr/>
         </p:nvCxnSpPr>
         <p:spPr>
           <a:xfrm>
-            <a:off x="1961597" y="7275309"/>
-            <a:ext cx="4618" cy="131253"/>
+            <a:off x="1961596" y="7275308"/>
+            <a:ext cx="4619" cy="219896"/>
           </a:xfrm>
           <a:prstGeom prst="straightConnector1">
             <a:avLst/>
@@ -9845,23 +12419,7 @@
                   <a:schemeClr val="tx1"/>
                 </a:solidFill>
               </a:rPr>
-              <a:t>fIndex = </a:t>
-            </a:r>
-            <a:r>
-              <a:rPr lang="en-US" altLang="ko-KR" sz="1200" smtClean="0">
-                <a:solidFill>
-                  <a:schemeClr val="tx1"/>
-                </a:solidFill>
-              </a:rPr>
-              <a:t>fObjList.add(Self</a:t>
-            </a:r>
-            <a:r>
-              <a:rPr lang="en-US" altLang="ko-KR" sz="1200" smtClean="0">
-                <a:solidFill>
-                  <a:schemeClr val="tx1"/>
-                </a:solidFill>
-              </a:rPr>
-              <a:t>)</a:t>
+              <a:t>fIndex = fObjList.add(Self)</a:t>
             </a:r>
             <a:endParaRPr lang="en-US" altLang="ko-KR" sz="1200" dirty="0" smtClean="0">
               <a:solidFill>
@@ -10361,7 +12919,7 @@
         </p:nvSpPr>
         <p:spPr>
           <a:xfrm>
-            <a:off x="5306622" y="1685880"/>
+            <a:off x="5319322" y="1685880"/>
             <a:ext cx="1945260" cy="251732"/>
           </a:xfrm>
           <a:prstGeom prst="flowChartTerminator">
@@ -12546,9 +15104,9 @@
           <p:nvPr/>
         </p:nvCxnSpPr>
         <p:spPr>
-          <a:xfrm>
-            <a:off x="6279252" y="1937612"/>
-            <a:ext cx="10394" cy="146660"/>
+          <a:xfrm flipH="1">
+            <a:off x="6289646" y="1937612"/>
+            <a:ext cx="2306" cy="146661"/>
           </a:xfrm>
           <a:prstGeom prst="straightConnector1">
             <a:avLst/>
@@ -14292,11 +16850,6 @@
                 </a:rPr>
                 <a:t>MoveShape</a:t>
               </a:r>
-              <a:endParaRPr lang="en-US" altLang="ko-KR" sz="1200" smtClean="0">
-                <a:solidFill>
-                  <a:schemeClr val="tx1"/>
-                </a:solidFill>
-              </a:endParaRPr>
             </a:p>
           </p:txBody>
         </p:sp>
@@ -15243,7 +17796,7 @@
           <a:p>
             <a:r>
               <a:rPr lang="en-US" altLang="ko-KR" sz="1200" smtClean="0"/>
-              <a:t>aObj : PTCustomDraw</a:t>
+              <a:t>aObj : TCustomDraw</a:t>
             </a:r>
           </a:p>
           <a:p>
@@ -15731,15 +18284,7 @@
                   <a:schemeClr val="tx1"/>
                 </a:solidFill>
               </a:rPr>
-              <a:t>aObj.fY = aObj.fY - </a:t>
-            </a:r>
-            <a:r>
-              <a:rPr lang="en-US" altLang="ko-KR" sz="1200" smtClean="0">
-                <a:solidFill>
-                  <a:schemeClr val="tx1"/>
-                </a:solidFill>
-              </a:rPr>
-              <a:t>SPEED</a:t>
+              <a:t>aObj.fY = aObj.fY - SPEED</a:t>
             </a:r>
             <a:endParaRPr lang="en-US" altLang="ko-KR" sz="1200" dirty="0" smtClean="0">
               <a:solidFill>
@@ -15886,15 +18431,7 @@
                   <a:schemeClr val="tx1"/>
                 </a:solidFill>
               </a:rPr>
-              <a:t>aObj.fY = aObj.fY + </a:t>
-            </a:r>
-            <a:r>
-              <a:rPr lang="en-US" altLang="ko-KR" sz="1200" smtClean="0">
-                <a:solidFill>
-                  <a:schemeClr val="tx1"/>
-                </a:solidFill>
-              </a:rPr>
-              <a:t>SPEED</a:t>
+              <a:t>aObj.fY = aObj.fY + SPEED</a:t>
             </a:r>
             <a:endParaRPr lang="en-US" altLang="ko-KR" sz="1200" dirty="0" smtClean="0">
               <a:solidFill>
@@ -16199,15 +18736,7 @@
                   <a:schemeClr val="tx1"/>
                 </a:solidFill>
               </a:rPr>
-              <a:t>aObj.fX = aObj.fX </a:t>
-            </a:r>
-            <a:r>
-              <a:rPr lang="en-US" altLang="ko-KR" sz="1200" smtClean="0">
-                <a:solidFill>
-                  <a:schemeClr val="tx1"/>
-                </a:solidFill>
-              </a:rPr>
-              <a:t>- SPEED</a:t>
+              <a:t>aObj.fX = aObj.fX - SPEED</a:t>
             </a:r>
             <a:endParaRPr lang="en-US" altLang="ko-KR" sz="1200" dirty="0" smtClean="0">
               <a:solidFill>
@@ -16354,15 +18883,7 @@
                   <a:schemeClr val="tx1"/>
                 </a:solidFill>
               </a:rPr>
-              <a:t>aObj.fX = aObj.fX + </a:t>
-            </a:r>
-            <a:r>
-              <a:rPr lang="en-US" altLang="ko-KR" sz="1200" smtClean="0">
-                <a:solidFill>
-                  <a:schemeClr val="tx1"/>
-                </a:solidFill>
-              </a:rPr>
-              <a:t>SPEED</a:t>
+              <a:t>aObj.fX = aObj.fX + SPEED</a:t>
             </a:r>
             <a:endParaRPr lang="en-US" altLang="ko-KR" sz="1200" dirty="0" smtClean="0">
               <a:solidFill>
@@ -18052,7 +20573,7 @@
       </p:cxnSp>
       <p:sp>
         <p:nvSpPr>
-          <p:cNvPr id="46" name="직사각형 45"/>
+          <p:cNvPr id="47" name="직사각형 46"/>
           <p:cNvSpPr/>
           <p:nvPr/>
         </p:nvSpPr>
@@ -18179,23 +20700,19 @@
           <a:p>
             <a:r>
               <a:rPr lang="en-US" altLang="ko-KR" sz="1050" smtClean="0"/>
-              <a:t>fColor = Int</a:t>
+              <a:t>ffColor = Int</a:t>
             </a:r>
           </a:p>
           <a:p>
             <a:r>
               <a:rPr lang="en-US" altLang="ko-KR" sz="1050" smtClean="0"/>
-              <a:t>fInterval = </a:t>
-            </a:r>
-            <a:r>
-              <a:rPr lang="en-US" altLang="ko-KR" sz="1050" smtClean="0"/>
-              <a:t>Int</a:t>
+              <a:t>ffInterval = Int</a:t>
             </a:r>
           </a:p>
           <a:p>
             <a:r>
               <a:rPr lang="en-US" altLang="ko-KR" sz="1050" smtClean="0"/>
-              <a:t>fSize = Int</a:t>
+              <a:t>ffSize = Int</a:t>
             </a:r>
           </a:p>
           <a:p>
@@ -18207,17 +20724,8 @@
           <a:p>
             <a:r>
               <a:rPr lang="en-US" altLang="ko-KR" sz="1050" smtClean="0"/>
-              <a:t>define SPEED </a:t>
+              <a:t>const SPEED = 5</a:t>
             </a:r>
-            <a:r>
-              <a:rPr lang="en-US" altLang="ko-KR" sz="1050" smtClean="0"/>
-              <a:t>= </a:t>
-            </a:r>
-            <a:r>
-              <a:rPr lang="en-US" altLang="ko-KR" sz="1050" smtClean="0"/>
-              <a:t>5</a:t>
-            </a:r>
-            <a:endParaRPr lang="en-US" altLang="ko-KR" sz="1050" smtClean="0"/>
           </a:p>
         </p:txBody>
       </p:sp>
@@ -19061,7 +21569,7 @@
         <p:spPr>
           <a:xfrm>
             <a:off x="167801" y="476376"/>
-            <a:ext cx="2216341" cy="646331"/>
+            <a:ext cx="2216341" cy="830997"/>
           </a:xfrm>
           <a:prstGeom prst="rect">
             <a:avLst/>
@@ -19170,25 +21678,26 @@
           <a:p>
             <a:r>
               <a:rPr lang="en-US" altLang="ko-KR" sz="1200" smtClean="0"/>
-              <a:t>i , aDist: Int</a:t>
+              <a:t>i : Int</a:t>
             </a:r>
           </a:p>
           <a:p>
             <a:r>
               <a:rPr lang="en-US" altLang="ko-KR" sz="1200" smtClean="0"/>
-              <a:t>aObj : </a:t>
-            </a:r>
-            <a:r>
-              <a:rPr lang="en-US" altLang="ko-KR" sz="1200" smtClean="0"/>
-              <a:t>PTCustomDraw</a:t>
+              <a:t>aDist : Double</a:t>
             </a:r>
           </a:p>
           <a:p>
             <a:r>
               <a:rPr lang="en-US" altLang="ko-KR" sz="1200" smtClean="0"/>
-              <a:t>aOtherObj : PTcustomDraw</a:t>
+              <a:t>aObj : TCustomDraw</a:t>
             </a:r>
-            <a:endParaRPr lang="en-US" altLang="ko-KR" sz="1200" smtClean="0"/>
+          </a:p>
+          <a:p>
+            <a:r>
+              <a:rPr lang="en-US" altLang="ko-KR" sz="1200" smtClean="0"/>
+              <a:t>aOtherObj : TcustomDraw</a:t>
+            </a:r>
           </a:p>
         </p:txBody>
       </p:sp>
@@ -19353,7 +21862,7 @@
         </p:nvSpPr>
         <p:spPr>
           <a:xfrm>
-            <a:off x="3706706" y="504131"/>
+            <a:off x="3694006" y="504131"/>
             <a:ext cx="1900293" cy="298772"/>
           </a:xfrm>
           <a:prstGeom prst="flowChartTerminator">
@@ -19500,7 +22009,7 @@
         </p:nvSpPr>
         <p:spPr>
           <a:xfrm rot="10800000" flipV="1">
-            <a:off x="3418260" y="936179"/>
+            <a:off x="3405560" y="923479"/>
             <a:ext cx="2489368" cy="182249"/>
           </a:xfrm>
           <a:prstGeom prst="rect">
@@ -19913,21 +22422,8 @@
                   <a:schemeClr val="tx1"/>
                 </a:solidFill>
               </a:rPr>
-              <a:t>aDist &lt; aObj.Size + fObjList[i</a:t>
+              <a:t>aDist &lt; aObj.Size + fObjList[i].fSize</a:t>
             </a:r>
-            <a:r>
-              <a:rPr lang="en-US" altLang="ko-KR" sz="1200" smtClean="0">
-                <a:solidFill>
-                  <a:schemeClr val="tx1"/>
-                </a:solidFill>
-              </a:rPr>
-              <a:t>].fSize</a:t>
-            </a:r>
-            <a:endParaRPr lang="en-US" altLang="ko-KR" sz="1200" smtClean="0">
-              <a:solidFill>
-                <a:schemeClr val="tx1"/>
-              </a:solidFill>
-            </a:endParaRPr>
           </a:p>
         </p:txBody>
       </p:sp>
@@ -20068,55 +22564,7 @@
                   <a:schemeClr val="tx1"/>
                 </a:solidFill>
               </a:rPr>
-              <a:t>aDist= Sqrt(Sqr(aObj.fX - </a:t>
-            </a:r>
-            <a:r>
-              <a:rPr lang="en-US" altLang="ko-KR" sz="1200" smtClean="0">
-                <a:solidFill>
-                  <a:schemeClr val="tx1"/>
-                </a:solidFill>
-              </a:rPr>
-              <a:t>aOtherObj </a:t>
-            </a:r>
-            <a:r>
-              <a:rPr lang="en-US" altLang="ko-KR" sz="1200" smtClean="0">
-                <a:solidFill>
-                  <a:schemeClr val="tx1"/>
-                </a:solidFill>
-              </a:rPr>
-              <a:t>.fX) </a:t>
-            </a:r>
-            <a:r>
-              <a:rPr lang="en-US" altLang="ko-KR" sz="1200" smtClean="0">
-                <a:solidFill>
-                  <a:schemeClr val="tx1"/>
-                </a:solidFill>
-              </a:rPr>
-              <a:t>+ Sqr(aObj.fY - </a:t>
-            </a:r>
-            <a:r>
-              <a:rPr lang="en-US" altLang="ko-KR" sz="1200" smtClean="0">
-                <a:solidFill>
-                  <a:schemeClr val="tx1"/>
-                </a:solidFill>
-              </a:rPr>
-              <a:t>OtherObj </a:t>
-            </a:r>
-            <a:r>
-              <a:rPr lang="en-US" altLang="ko-KR" sz="1200" smtClean="0">
-                <a:solidFill>
-                  <a:schemeClr val="tx1"/>
-                </a:solidFill>
-              </a:rPr>
-              <a:t>.</a:t>
-            </a:r>
-            <a:r>
-              <a:rPr lang="en-US" altLang="ko-KR" sz="1200" smtClean="0">
-                <a:solidFill>
-                  <a:schemeClr val="tx1"/>
-                </a:solidFill>
-              </a:rPr>
-              <a:t>fY))</a:t>
+              <a:t>aDist= Sqrt(Sqr(aObj.fX - aOtherObj .fX) + Sqr(aObj.fY - OtherObj .fY))</a:t>
             </a:r>
           </a:p>
         </p:txBody>
@@ -20495,7 +22943,7 @@
         </p:nvSpPr>
         <p:spPr>
           <a:xfrm rot="10800000" flipV="1">
-            <a:off x="6179881" y="2046855"/>
+            <a:off x="6179881" y="2021455"/>
             <a:ext cx="2160447" cy="230798"/>
           </a:xfrm>
           <a:prstGeom prst="rect">
@@ -20642,7 +23090,7 @@
         </p:nvSpPr>
         <p:spPr>
           <a:xfrm rot="10800000" flipV="1">
-            <a:off x="6179881" y="2937628"/>
+            <a:off x="6179881" y="2899528"/>
             <a:ext cx="2160447" cy="230798"/>
           </a:xfrm>
           <a:prstGeom prst="rect">
@@ -20942,7 +23390,7 @@
         </p:nvSpPr>
         <p:spPr>
           <a:xfrm rot="10800000" flipV="1">
-            <a:off x="6179881" y="3807011"/>
+            <a:off x="6179881" y="3768911"/>
             <a:ext cx="2160447" cy="230798"/>
           </a:xfrm>
           <a:prstGeom prst="rect">
@@ -21242,7 +23690,7 @@
         </p:nvSpPr>
         <p:spPr>
           <a:xfrm rot="10800000" flipV="1">
-            <a:off x="6165367" y="4665820"/>
+            <a:off x="6165367" y="4627720"/>
             <a:ext cx="2160447" cy="230798"/>
           </a:xfrm>
           <a:prstGeom prst="rect">
@@ -21546,7 +23994,7 @@
         <p:spPr>
           <a:xfrm>
             <a:off x="6408812" y="1899943"/>
-            <a:ext cx="851292" cy="146912"/>
+            <a:ext cx="851292" cy="121512"/>
           </a:xfrm>
           <a:prstGeom prst="bentConnector2">
             <a:avLst/>
@@ -21616,8 +24064,8 @@
         </p:nvCxnSpPr>
         <p:spPr>
           <a:xfrm rot="5400000">
-            <a:off x="5923299" y="1014362"/>
-            <a:ext cx="73515" cy="2600097"/>
+            <a:off x="5897900" y="1014363"/>
+            <a:ext cx="124315" cy="2600095"/>
           </a:xfrm>
           <a:prstGeom prst="bentConnector2">
             <a:avLst/>
@@ -21653,7 +24101,7 @@
         <p:spPr>
           <a:xfrm>
             <a:off x="6408812" y="2780727"/>
-            <a:ext cx="851292" cy="156901"/>
+            <a:ext cx="851292" cy="118801"/>
           </a:xfrm>
           <a:prstGeom prst="bentConnector2">
             <a:avLst/>
@@ -21723,7 +24171,7 @@
         </p:nvCxnSpPr>
         <p:spPr>
           <a:xfrm rot="5400000">
-            <a:off x="5894851" y="1926149"/>
+            <a:off x="5894851" y="1888049"/>
             <a:ext cx="122976" cy="2607530"/>
           </a:xfrm>
           <a:prstGeom prst="bentConnector2">
@@ -21760,7 +24208,7 @@
         <p:spPr>
           <a:xfrm>
             <a:off x="6408812" y="3644823"/>
-            <a:ext cx="851292" cy="162188"/>
+            <a:ext cx="851292" cy="124088"/>
           </a:xfrm>
           <a:prstGeom prst="bentConnector2">
             <a:avLst/>
@@ -21830,7 +24278,7 @@
         </p:nvCxnSpPr>
         <p:spPr>
           <a:xfrm rot="5400000">
-            <a:off x="5926897" y="2770920"/>
+            <a:off x="5926897" y="2732820"/>
             <a:ext cx="66318" cy="2600097"/>
           </a:xfrm>
           <a:prstGeom prst="bentConnector2">
@@ -21867,7 +24315,7 @@
         <p:spPr>
           <a:xfrm>
             <a:off x="6394298" y="4499431"/>
-            <a:ext cx="851292" cy="166389"/>
+            <a:ext cx="851292" cy="128289"/>
           </a:xfrm>
           <a:prstGeom prst="bentConnector2">
             <a:avLst/>
@@ -21901,7 +24349,7 @@
         </p:nvCxnSpPr>
         <p:spPr>
           <a:xfrm rot="5400000">
-            <a:off x="5914261" y="3642365"/>
+            <a:off x="5914261" y="3604265"/>
             <a:ext cx="77077" cy="2585583"/>
           </a:xfrm>
           <a:prstGeom prst="bentConnector2">
@@ -23572,8 +26020,8 @@
         </p:nvCxnSpPr>
         <p:spPr>
           <a:xfrm>
-            <a:off x="4656853" y="802903"/>
-            <a:ext cx="6091" cy="133276"/>
+            <a:off x="4644153" y="802903"/>
+            <a:ext cx="6091" cy="120576"/>
           </a:xfrm>
           <a:prstGeom prst="straightConnector1">
             <a:avLst/>
@@ -23608,8 +26056,8 @@
         </p:nvCxnSpPr>
         <p:spPr>
           <a:xfrm flipH="1">
-            <a:off x="4648493" y="1118428"/>
-            <a:ext cx="14451" cy="105783"/>
+            <a:off x="4648493" y="1105728"/>
+            <a:ext cx="1751" cy="118483"/>
           </a:xfrm>
           <a:prstGeom prst="straightConnector1">
             <a:avLst/>
@@ -23770,15 +26218,7 @@
                   <a:schemeClr val="tx1"/>
                 </a:solidFill>
               </a:rPr>
-              <a:t>aOtherObj&lt;&gt; </a:t>
-            </a:r>
-            <a:r>
-              <a:rPr lang="en-US" altLang="ko-KR" sz="1200" smtClean="0">
-                <a:solidFill>
-                  <a:schemeClr val="tx1"/>
-                </a:solidFill>
-              </a:rPr>
-              <a:t>null</a:t>
+              <a:t>aOtherObj&lt;&gt; null</a:t>
             </a:r>
           </a:p>
         </p:txBody>
@@ -24824,7 +27264,7 @@
       </p:cxnSp>
       <p:sp>
         <p:nvSpPr>
-          <p:cNvPr id="97" name="직사각형 96"/>
+          <p:cNvPr id="73" name="직사각형 72"/>
           <p:cNvSpPr/>
           <p:nvPr/>
         </p:nvSpPr>
@@ -24951,23 +27391,19 @@
           <a:p>
             <a:r>
               <a:rPr lang="en-US" altLang="ko-KR" sz="1050" smtClean="0"/>
-              <a:t>fColor = Int</a:t>
+              <a:t>ffColor = Int</a:t>
             </a:r>
           </a:p>
           <a:p>
             <a:r>
               <a:rPr lang="en-US" altLang="ko-KR" sz="1050" smtClean="0"/>
-              <a:t>fInterval = </a:t>
-            </a:r>
-            <a:r>
-              <a:rPr lang="en-US" altLang="ko-KR" sz="1050" smtClean="0"/>
-              <a:t>Int</a:t>
+              <a:t>ffInterval = Int</a:t>
             </a:r>
           </a:p>
           <a:p>
             <a:r>
               <a:rPr lang="en-US" altLang="ko-KR" sz="1050" smtClean="0"/>
-              <a:t>fSize = Int</a:t>
+              <a:t>ffSize = Int</a:t>
             </a:r>
           </a:p>
           <a:p>
@@ -24979,17 +27415,8 @@
           <a:p>
             <a:r>
               <a:rPr lang="en-US" altLang="ko-KR" sz="1050" smtClean="0"/>
-              <a:t>define SPEED </a:t>
+              <a:t>const SPEED = 5</a:t>
             </a:r>
-            <a:r>
-              <a:rPr lang="en-US" altLang="ko-KR" sz="1050" smtClean="0"/>
-              <a:t>= </a:t>
-            </a:r>
-            <a:r>
-              <a:rPr lang="en-US" altLang="ko-KR" sz="1050" smtClean="0"/>
-              <a:t>5</a:t>
-            </a:r>
-            <a:endParaRPr lang="en-US" altLang="ko-KR" sz="1050" smtClean="0"/>
           </a:p>
         </p:txBody>
       </p:sp>
